--- a/이력서.pptx
+++ b/이력서.pptx
@@ -252,7 +252,7 @@
           <a:p>
             <a:fld id="{EDE86C09-8350-46A3-A934-715D20D4F05E}" type="datetimeFigureOut">
               <a:rPr lang="ko-KR" altLang="en-US" smtClean="0"/>
-              <a:t>2020-09-22</a:t>
+              <a:t>2020-12-29</a:t>
             </a:fld>
             <a:endParaRPr lang="ko-KR" altLang="en-US"/>
           </a:p>
@@ -422,7 +422,7 @@
           <a:p>
             <a:fld id="{EDE86C09-8350-46A3-A934-715D20D4F05E}" type="datetimeFigureOut">
               <a:rPr lang="ko-KR" altLang="en-US" smtClean="0"/>
-              <a:t>2020-09-22</a:t>
+              <a:t>2020-12-29</a:t>
             </a:fld>
             <a:endParaRPr lang="ko-KR" altLang="en-US"/>
           </a:p>
@@ -602,7 +602,7 @@
           <a:p>
             <a:fld id="{EDE86C09-8350-46A3-A934-715D20D4F05E}" type="datetimeFigureOut">
               <a:rPr lang="ko-KR" altLang="en-US" smtClean="0"/>
-              <a:t>2020-09-22</a:t>
+              <a:t>2020-12-29</a:t>
             </a:fld>
             <a:endParaRPr lang="ko-KR" altLang="en-US"/>
           </a:p>
@@ -772,7 +772,7 @@
           <a:p>
             <a:fld id="{EDE86C09-8350-46A3-A934-715D20D4F05E}" type="datetimeFigureOut">
               <a:rPr lang="ko-KR" altLang="en-US" smtClean="0"/>
-              <a:t>2020-09-22</a:t>
+              <a:t>2020-12-29</a:t>
             </a:fld>
             <a:endParaRPr lang="ko-KR" altLang="en-US"/>
           </a:p>
@@ -1016,7 +1016,7 @@
           <a:p>
             <a:fld id="{EDE86C09-8350-46A3-A934-715D20D4F05E}" type="datetimeFigureOut">
               <a:rPr lang="ko-KR" altLang="en-US" smtClean="0"/>
-              <a:t>2020-09-22</a:t>
+              <a:t>2020-12-29</a:t>
             </a:fld>
             <a:endParaRPr lang="ko-KR" altLang="en-US"/>
           </a:p>
@@ -1248,7 +1248,7 @@
           <a:p>
             <a:fld id="{EDE86C09-8350-46A3-A934-715D20D4F05E}" type="datetimeFigureOut">
               <a:rPr lang="ko-KR" altLang="en-US" smtClean="0"/>
-              <a:t>2020-09-22</a:t>
+              <a:t>2020-12-29</a:t>
             </a:fld>
             <a:endParaRPr lang="ko-KR" altLang="en-US"/>
           </a:p>
@@ -1615,7 +1615,7 @@
           <a:p>
             <a:fld id="{EDE86C09-8350-46A3-A934-715D20D4F05E}" type="datetimeFigureOut">
               <a:rPr lang="ko-KR" altLang="en-US" smtClean="0"/>
-              <a:t>2020-09-22</a:t>
+              <a:t>2020-12-29</a:t>
             </a:fld>
             <a:endParaRPr lang="ko-KR" altLang="en-US"/>
           </a:p>
@@ -1733,7 +1733,7 @@
           <a:p>
             <a:fld id="{EDE86C09-8350-46A3-A934-715D20D4F05E}" type="datetimeFigureOut">
               <a:rPr lang="ko-KR" altLang="en-US" smtClean="0"/>
-              <a:t>2020-09-22</a:t>
+              <a:t>2020-12-29</a:t>
             </a:fld>
             <a:endParaRPr lang="ko-KR" altLang="en-US"/>
           </a:p>
@@ -1828,7 +1828,7 @@
           <a:p>
             <a:fld id="{EDE86C09-8350-46A3-A934-715D20D4F05E}" type="datetimeFigureOut">
               <a:rPr lang="ko-KR" altLang="en-US" smtClean="0"/>
-              <a:t>2020-09-22</a:t>
+              <a:t>2020-12-29</a:t>
             </a:fld>
             <a:endParaRPr lang="ko-KR" altLang="en-US"/>
           </a:p>
@@ -2105,7 +2105,7 @@
           <a:p>
             <a:fld id="{EDE86C09-8350-46A3-A934-715D20D4F05E}" type="datetimeFigureOut">
               <a:rPr lang="ko-KR" altLang="en-US" smtClean="0"/>
-              <a:t>2020-09-22</a:t>
+              <a:t>2020-12-29</a:t>
             </a:fld>
             <a:endParaRPr lang="ko-KR" altLang="en-US"/>
           </a:p>
@@ -2362,7 +2362,7 @@
           <a:p>
             <a:fld id="{EDE86C09-8350-46A3-A934-715D20D4F05E}" type="datetimeFigureOut">
               <a:rPr lang="ko-KR" altLang="en-US" smtClean="0"/>
-              <a:t>2020-09-22</a:t>
+              <a:t>2020-12-29</a:t>
             </a:fld>
             <a:endParaRPr lang="ko-KR" altLang="en-US"/>
           </a:p>
@@ -2575,7 +2575,7 @@
           <a:p>
             <a:fld id="{EDE86C09-8350-46A3-A934-715D20D4F05E}" type="datetimeFigureOut">
               <a:rPr lang="ko-KR" altLang="en-US" smtClean="0"/>
-              <a:t>2020-09-22</a:t>
+              <a:t>2020-12-29</a:t>
             </a:fld>
             <a:endParaRPr lang="ko-KR" altLang="en-US"/>
           </a:p>
@@ -2996,8 +2996,8 @@
         </p:nvSpPr>
         <p:spPr bwMode="auto">
           <a:xfrm>
-            <a:off x="72189" y="205660"/>
-            <a:ext cx="3356811" cy="430887"/>
+            <a:off x="72189" y="97939"/>
+            <a:ext cx="3356811" cy="646331"/>
           </a:xfrm>
           <a:prstGeom prst="rect">
             <a:avLst/>
@@ -3272,8 +3272,108 @@
                 <a:ea typeface="맑은 고딕" panose="020B0503020000020004" pitchFamily="50" charset="-127"/>
                 <a:hlinkClick r:id="rId2"/>
               </a:rPr>
-              <a:t>https://github.com/Changyoon-Lee</a:t>
-            </a:r>
+              <a:t>https://github.com</a:t>
+            </a:r>
+            <a:r>
+              <a:rPr kumimoji="0" lang="ko-KR" altLang="ko-KR" sz="1100" i="0" u="none" strike="noStrike" cap="none" normalizeH="0" baseline="0">
+                <a:ln>
+                  <a:noFill/>
+                </a:ln>
+                <a:solidFill>
+                  <a:srgbClr val="4183C4"/>
+                </a:solidFill>
+                <a:effectLst/>
+                <a:latin typeface="맑은 고딕" panose="020B0503020000020004" pitchFamily="50" charset="-127"/>
+                <a:ea typeface="맑은 고딕" panose="020B0503020000020004" pitchFamily="50" charset="-127"/>
+                <a:hlinkClick r:id="rId2"/>
+              </a:rPr>
+              <a:t>/Changyoon-Lee</a:t>
+            </a:r>
+            <a:endParaRPr kumimoji="0" lang="en-US" altLang="ko-KR" sz="1100" i="0" u="none" strike="noStrike" cap="none" normalizeH="0" baseline="0">
+              <a:ln>
+                <a:noFill/>
+              </a:ln>
+              <a:solidFill>
+                <a:srgbClr val="4183C4"/>
+              </a:solidFill>
+              <a:effectLst/>
+              <a:latin typeface="맑은 고딕" panose="020B0503020000020004" pitchFamily="50" charset="-127"/>
+              <a:ea typeface="맑은 고딕" panose="020B0503020000020004" pitchFamily="50" charset="-127"/>
+            </a:endParaRPr>
+          </a:p>
+          <a:p>
+            <a:pPr marL="0" marR="0" lvl="0" indent="0" algn="l" defTabSz="914400" rtl="0" eaLnBrk="0" fontAlgn="base" latinLnBrk="0" hangingPunct="0">
+              <a:lnSpc>
+                <a:spcPct val="100000"/>
+              </a:lnSpc>
+              <a:spcBef>
+                <a:spcPct val="0"/>
+              </a:spcBef>
+              <a:spcAft>
+                <a:spcPct val="0"/>
+              </a:spcAft>
+              <a:buClrTx/>
+              <a:buSzTx/>
+              <a:buFontTx/>
+              <a:buNone/>
+              <a:tabLst/>
+            </a:pPr>
+            <a:r>
+              <a:rPr lang="en-US" altLang="ko-KR" sz="1100">
+                <a:latin typeface="맑은 고딕" panose="020B0503020000020004" pitchFamily="50" charset="-127"/>
+                <a:ea typeface="맑은 고딕" panose="020B0503020000020004" pitchFamily="50" charset="-127"/>
+              </a:rPr>
+              <a:t>n</a:t>
+            </a:r>
+            <a:r>
+              <a:rPr kumimoji="0" lang="en-US" altLang="ko-KR" sz="1100" i="0" u="none" strike="noStrike" cap="none" normalizeH="0" baseline="0">
+                <a:ln>
+                  <a:noFill/>
+                </a:ln>
+                <a:effectLst/>
+                <a:latin typeface="맑은 고딕" panose="020B0503020000020004" pitchFamily="50" charset="-127"/>
+                <a:ea typeface="맑은 고딕" panose="020B0503020000020004" pitchFamily="50" charset="-127"/>
+              </a:rPr>
+              <a:t>otion : </a:t>
+            </a:r>
+            <a:r>
+              <a:rPr kumimoji="0" lang="en-US" altLang="ko-KR" sz="1100" i="0" u="none" strike="noStrike" cap="none" normalizeH="0" baseline="0">
+                <a:ln>
+                  <a:noFill/>
+                </a:ln>
+                <a:effectLst/>
+                <a:latin typeface="맑은 고딕" panose="020B0503020000020004" pitchFamily="50" charset="-127"/>
+                <a:ea typeface="맑은 고딕" panose="020B0503020000020004" pitchFamily="50" charset="-127"/>
+                <a:hlinkClick r:id="rId3"/>
+              </a:rPr>
+              <a:t>https://bit.ly/2INOUyv </a:t>
+            </a:r>
+            <a:endParaRPr kumimoji="0" lang="en-US" altLang="ko-KR" sz="1100" i="0" u="none" strike="noStrike" cap="none" normalizeH="0" baseline="0">
+              <a:ln>
+                <a:noFill/>
+              </a:ln>
+              <a:effectLst/>
+              <a:latin typeface="맑은 고딕" panose="020B0503020000020004" pitchFamily="50" charset="-127"/>
+              <a:ea typeface="맑은 고딕" panose="020B0503020000020004" pitchFamily="50" charset="-127"/>
+            </a:endParaRPr>
+          </a:p>
+          <a:p>
+            <a:pPr marL="0" marR="0" lvl="0" indent="0" algn="l" defTabSz="914400" rtl="0" eaLnBrk="0" fontAlgn="base" latinLnBrk="0" hangingPunct="0">
+              <a:lnSpc>
+                <a:spcPct val="100000"/>
+              </a:lnSpc>
+              <a:spcBef>
+                <a:spcPct val="0"/>
+              </a:spcBef>
+              <a:spcAft>
+                <a:spcPct val="0"/>
+              </a:spcAft>
+              <a:buClrTx/>
+              <a:buSzTx/>
+              <a:buFontTx/>
+              <a:buNone/>
+              <a:tabLst/>
+            </a:pPr>
             <a:endParaRPr kumimoji="0" lang="ko-KR" altLang="ko-KR" sz="300" i="0" u="none" strike="noStrike" cap="none" normalizeH="0" baseline="0" dirty="0">
               <a:ln>
                 <a:noFill/>
@@ -3304,8 +3404,8 @@
         </p:nvSpPr>
         <p:spPr bwMode="auto">
           <a:xfrm>
-            <a:off x="3429000" y="207891"/>
-            <a:ext cx="3356811" cy="430887"/>
+            <a:off x="4600575" y="207891"/>
+            <a:ext cx="2185236" cy="430887"/>
           </a:xfrm>
           <a:prstGeom prst="rect">
             <a:avLst/>
@@ -3480,7 +3580,7 @@
             </a:lvl9pPr>
           </a:lstStyle>
           <a:p>
-            <a:pPr marL="0" marR="0" lvl="0" indent="0" algn="r" defTabSz="914400" rtl="0" eaLnBrk="0" fontAlgn="base" latinLnBrk="0" hangingPunct="0">
+            <a:pPr marL="0" marR="0" lvl="0" indent="0" algn="dist" defTabSz="914400" rtl="0" eaLnBrk="0" fontAlgn="base" latinLnBrk="0" hangingPunct="0">
               <a:lnSpc>
                 <a:spcPct val="100000"/>
               </a:lnSpc>
@@ -3511,7 +3611,7 @@
               <a:t>이메일</a:t>
             </a:r>
             <a:r>
-              <a:rPr kumimoji="0" lang="en-US" altLang="ko-KR" sz="1100" i="0" u="none" strike="noStrike" cap="none" normalizeH="0" baseline="0" dirty="0">
+              <a:rPr kumimoji="0" lang="en-US" altLang="ko-KR" sz="1100" i="0" u="none" strike="noStrike" cap="none" normalizeH="0" baseline="0">
                 <a:ln>
                   <a:noFill/>
                 </a:ln>
@@ -3522,20 +3622,9 @@
                 <a:latin typeface="맑은 고딕" panose="020B0503020000020004" pitchFamily="50" charset="-127"/>
                 <a:ea typeface="맑은 고딕" panose="020B0503020000020004" pitchFamily="50" charset="-127"/>
               </a:rPr>
-              <a:t>: </a:t>
-            </a:r>
-            <a:r>
-              <a:rPr lang="en-US" altLang="ko-KR" sz="1100" dirty="0">
-                <a:solidFill>
-                  <a:srgbClr val="333333"/>
-                </a:solidFill>
-                <a:latin typeface="맑은 고딕" panose="020B0503020000020004" pitchFamily="50" charset="-127"/>
-                <a:ea typeface="맑은 고딕" panose="020B0503020000020004" pitchFamily="50" charset="-127"/>
-                <a:hlinkClick r:id="rId3"/>
-              </a:rPr>
-              <a:t>lckddbsl@gmail.com</a:t>
-            </a:r>
-            <a:endParaRPr lang="en-US" altLang="ko-KR" sz="1100" dirty="0">
+              <a:t>: lkingkongl@naver.com</a:t>
+            </a:r>
+            <a:endParaRPr lang="en-US" altLang="ko-KR" sz="1100">
               <a:solidFill>
                 <a:srgbClr val="333333"/>
               </a:solidFill>
@@ -3544,7 +3633,7 @@
             </a:endParaRPr>
           </a:p>
           <a:p>
-            <a:pPr marL="0" marR="0" lvl="0" indent="0" algn="r" defTabSz="914400" rtl="0" eaLnBrk="0" fontAlgn="base" latinLnBrk="0" hangingPunct="0">
+            <a:pPr marL="0" marR="0" lvl="0" indent="0" algn="dist" defTabSz="914400" rtl="0" eaLnBrk="0" fontAlgn="base" latinLnBrk="0" hangingPunct="0">
               <a:lnSpc>
                 <a:spcPct val="100000"/>
               </a:lnSpc>
@@ -3561,24 +3650,24 @@
               <a:tabLst/>
             </a:pPr>
             <a:r>
-              <a:rPr lang="ko-KR" altLang="en-US" sz="1100" dirty="0">
-                <a:solidFill>
-                  <a:srgbClr val="333333"/>
-                </a:solidFill>
-                <a:latin typeface="맑은 고딕" panose="020B0503020000020004" pitchFamily="50" charset="-127"/>
-                <a:ea typeface="맑은 고딕" panose="020B0503020000020004" pitchFamily="50" charset="-127"/>
-              </a:rPr>
-              <a:t>전화번호</a:t>
-            </a:r>
-            <a:r>
-              <a:rPr lang="en-US" altLang="ko-KR" sz="1100" dirty="0">
-                <a:solidFill>
-                  <a:srgbClr val="333333"/>
-                </a:solidFill>
-                <a:latin typeface="맑은 고딕" panose="020B0503020000020004" pitchFamily="50" charset="-127"/>
-                <a:ea typeface="맑은 고딕" panose="020B0503020000020004" pitchFamily="50" charset="-127"/>
-              </a:rPr>
-              <a:t>: 010-4039-1940</a:t>
+              <a:rPr lang="ko-KR" altLang="en-US" sz="1100">
+                <a:solidFill>
+                  <a:srgbClr val="333333"/>
+                </a:solidFill>
+                <a:latin typeface="맑은 고딕" panose="020B0503020000020004" pitchFamily="50" charset="-127"/>
+                <a:ea typeface="맑은 고딕" panose="020B0503020000020004" pitchFamily="50" charset="-127"/>
+              </a:rPr>
+              <a:t>전화번호 </a:t>
+            </a:r>
+            <a:r>
+              <a:rPr lang="en-US" altLang="ko-KR" sz="1100">
+                <a:solidFill>
+                  <a:srgbClr val="333333"/>
+                </a:solidFill>
+                <a:latin typeface="맑은 고딕" panose="020B0503020000020004" pitchFamily="50" charset="-127"/>
+                <a:ea typeface="맑은 고딕" panose="020B0503020000020004" pitchFamily="50" charset="-127"/>
+              </a:rPr>
+              <a:t>:   010-4039-1940</a:t>
             </a:r>
             <a:endParaRPr kumimoji="0" lang="ko-KR" altLang="ko-KR" sz="300" i="0" u="none" strike="noStrike" cap="none" normalizeH="0" baseline="0" dirty="0">
               <a:ln>
@@ -3906,8 +3995,8 @@
         </p:nvSpPr>
         <p:spPr bwMode="auto">
           <a:xfrm>
-            <a:off x="156411" y="1399453"/>
-            <a:ext cx="6509084" cy="661720"/>
+            <a:off x="156411" y="1407147"/>
+            <a:ext cx="6509084" cy="646331"/>
           </a:xfrm>
           <a:prstGeom prst="rect">
             <a:avLst/>
@@ -4082,6 +4171,123 @@
             </a:lvl9pPr>
           </a:lstStyle>
           <a:p>
+            <a:pPr marL="171450" indent="-171450" defTabSz="914400">
+              <a:buFont typeface="Arial" panose="020B0604020202020204" pitchFamily="34" charset="0"/>
+              <a:buChar char="•"/>
+            </a:pPr>
+            <a:r>
+              <a:rPr lang="en-US" altLang="ko-KR" sz="1100">
+                <a:solidFill>
+                  <a:srgbClr val="333333"/>
+                </a:solidFill>
+                <a:latin typeface="맑은 고딕" panose="020B0503020000020004" pitchFamily="50" charset="-127"/>
+                <a:ea typeface="맑은 고딕" panose="020B0503020000020004" pitchFamily="50" charset="-127"/>
+              </a:rPr>
+              <a:t>Python</a:t>
+            </a:r>
+            <a:r>
+              <a:rPr lang="ko-KR" altLang="en-US" sz="1100">
+                <a:solidFill>
+                  <a:srgbClr val="333333"/>
+                </a:solidFill>
+                <a:latin typeface="맑은 고딕" panose="020B0503020000020004" pitchFamily="50" charset="-127"/>
+                <a:ea typeface="맑은 고딕" panose="020B0503020000020004" pitchFamily="50" charset="-127"/>
+              </a:rPr>
+              <a:t> </a:t>
+            </a:r>
+            <a:r>
+              <a:rPr lang="en-US" altLang="ko-KR" sz="1100">
+                <a:solidFill>
+                  <a:srgbClr val="333333"/>
+                </a:solidFill>
+                <a:latin typeface="맑은 고딕" panose="020B0503020000020004" pitchFamily="50" charset="-127"/>
+                <a:ea typeface="맑은 고딕" panose="020B0503020000020004" pitchFamily="50" charset="-127"/>
+              </a:rPr>
+              <a:t> </a:t>
+            </a:r>
+            <a:r>
+              <a:rPr lang="ko-KR" altLang="en-US" sz="1100">
+                <a:solidFill>
+                  <a:srgbClr val="333333"/>
+                </a:solidFill>
+                <a:latin typeface="맑은 고딕" panose="020B0503020000020004" pitchFamily="50" charset="-127"/>
+                <a:ea typeface="맑은 고딕" panose="020B0503020000020004" pitchFamily="50" charset="-127"/>
+              </a:rPr>
+              <a:t>개발</a:t>
+            </a:r>
+            <a:r>
+              <a:rPr lang="en-US" altLang="ko-KR" sz="1100">
+                <a:solidFill>
+                  <a:srgbClr val="333333"/>
+                </a:solidFill>
+                <a:latin typeface="맑은 고딕" panose="020B0503020000020004" pitchFamily="50" charset="-127"/>
+                <a:ea typeface="맑은 고딕" panose="020B0503020000020004" pitchFamily="50" charset="-127"/>
+              </a:rPr>
+              <a:t>, </a:t>
+            </a:r>
+            <a:r>
+              <a:rPr lang="ko-KR" altLang="en-US" sz="1100">
+                <a:solidFill>
+                  <a:srgbClr val="333333"/>
+                </a:solidFill>
+                <a:latin typeface="맑은 고딕" panose="020B0503020000020004" pitchFamily="50" charset="-127"/>
+                <a:ea typeface="맑은 고딕" panose="020B0503020000020004" pitchFamily="50" charset="-127"/>
+              </a:rPr>
+              <a:t>머신러닝</a:t>
+            </a:r>
+            <a:r>
+              <a:rPr lang="en-US" altLang="ko-KR" sz="1100">
+                <a:solidFill>
+                  <a:srgbClr val="333333"/>
+                </a:solidFill>
+                <a:latin typeface="맑은 고딕" panose="020B0503020000020004" pitchFamily="50" charset="-127"/>
+                <a:ea typeface="맑은 고딕" panose="020B0503020000020004" pitchFamily="50" charset="-127"/>
+              </a:rPr>
+              <a:t>, </a:t>
+            </a:r>
+            <a:r>
+              <a:rPr lang="ko-KR" altLang="en-US" sz="1100">
+                <a:solidFill>
+                  <a:srgbClr val="333333"/>
+                </a:solidFill>
+                <a:latin typeface="맑은 고딕" panose="020B0503020000020004" pitchFamily="50" charset="-127"/>
+                <a:ea typeface="맑은 고딕" panose="020B0503020000020004" pitchFamily="50" charset="-127"/>
+              </a:rPr>
+              <a:t>딥러닝</a:t>
+            </a:r>
+            <a:r>
+              <a:rPr lang="en-US" altLang="ko-KR" sz="1100">
+                <a:solidFill>
+                  <a:srgbClr val="333333"/>
+                </a:solidFill>
+                <a:latin typeface="맑은 고딕" panose="020B0503020000020004" pitchFamily="50" charset="-127"/>
+                <a:ea typeface="맑은 고딕" panose="020B0503020000020004" pitchFamily="50" charset="-127"/>
+              </a:rPr>
+              <a:t>, </a:t>
+            </a:r>
+            <a:r>
+              <a:rPr lang="ko-KR" altLang="en-US" sz="1100">
+                <a:solidFill>
+                  <a:srgbClr val="333333"/>
+                </a:solidFill>
+                <a:latin typeface="맑은 고딕" panose="020B0503020000020004" pitchFamily="50" charset="-127"/>
+                <a:ea typeface="맑은 고딕" panose="020B0503020000020004" pitchFamily="50" charset="-127"/>
+              </a:rPr>
+              <a:t>자연어처리</a:t>
+            </a:r>
+            <a:endParaRPr kumimoji="0" lang="en-US" altLang="ko-KR" sz="1100" i="0" u="none" strike="noStrike" cap="none" normalizeH="0" baseline="0">
+              <a:ln>
+                <a:noFill/>
+              </a:ln>
+              <a:solidFill>
+                <a:srgbClr val="333333"/>
+              </a:solidFill>
+              <a:effectLst/>
+              <a:latin typeface="맑은 고딕" panose="020B0503020000020004" pitchFamily="50" charset="-127"/>
+              <a:ea typeface="맑은 고딕" panose="020B0503020000020004" pitchFamily="50" charset="-127"/>
+            </a:endParaRPr>
+          </a:p>
+          <a:p>
             <a:pPr marL="171450" marR="0" lvl="0" indent="-171450" algn="l" defTabSz="914400" rtl="0" eaLnBrk="0" fontAlgn="base" latinLnBrk="0" hangingPunct="0">
               <a:lnSpc>
                 <a:spcPct val="100000"/>
@@ -4099,6 +4305,20 @@
               <a:tabLst/>
             </a:pPr>
             <a:r>
+              <a:rPr kumimoji="0" lang="ko-KR" altLang="en-US" sz="1100" i="0" u="none" strike="noStrike" cap="none" normalizeH="0" baseline="0">
+                <a:ln>
+                  <a:noFill/>
+                </a:ln>
+                <a:solidFill>
+                  <a:srgbClr val="333333"/>
+                </a:solidFill>
+                <a:effectLst/>
+                <a:latin typeface="맑은 고딕" panose="020B0503020000020004" pitchFamily="50" charset="-127"/>
+                <a:ea typeface="맑은 고딕" panose="020B0503020000020004" pitchFamily="50" charset="-127"/>
+              </a:rPr>
+              <a:t>한양대학교 </a:t>
+            </a:r>
+            <a:r>
               <a:rPr kumimoji="0" lang="ko-KR" altLang="en-US" sz="1100" i="0" u="none" strike="noStrike" cap="none" normalizeH="0" baseline="0" dirty="0">
                 <a:ln>
                   <a:noFill/>
@@ -4110,7 +4330,7 @@
                 <a:latin typeface="맑은 고딕" panose="020B0503020000020004" pitchFamily="50" charset="-127"/>
                 <a:ea typeface="맑은 고딕" panose="020B0503020000020004" pitchFamily="50" charset="-127"/>
               </a:rPr>
-              <a:t>한양대학교 기계공학부 전공</a:t>
+              <a:t>기계공학부 전공</a:t>
             </a:r>
             <a:r>
               <a:rPr kumimoji="0" lang="en-US" altLang="ko-KR" sz="1100" i="0" u="none" strike="noStrike" cap="none" normalizeH="0" baseline="0" dirty="0">
@@ -4127,7 +4347,7 @@
               <a:t>(2019.02 </a:t>
             </a:r>
             <a:r>
-              <a:rPr kumimoji="0" lang="ko-KR" altLang="en-US" sz="1100" i="0" u="none" strike="noStrike" cap="none" normalizeH="0" baseline="0" dirty="0">
+              <a:rPr kumimoji="0" lang="ko-KR" altLang="en-US" sz="1100" i="0" u="none" strike="noStrike" cap="none" normalizeH="0" baseline="0">
                 <a:ln>
                   <a:noFill/>
                 </a:ln>
@@ -4141,7 +4361,7 @@
               <a:t>졸업</a:t>
             </a:r>
             <a:r>
-              <a:rPr kumimoji="0" lang="en-US" altLang="ko-KR" sz="1100" i="0" u="none" strike="noStrike" cap="none" normalizeH="0" baseline="0" dirty="0">
+              <a:rPr kumimoji="0" lang="en-US" altLang="ko-KR" sz="1100" i="0" u="none" strike="noStrike" cap="none" normalizeH="0" baseline="0">
                 <a:ln>
                   <a:noFill/>
                 </a:ln>
@@ -4153,132 +4373,6 @@
                 <a:ea typeface="맑은 고딕" panose="020B0503020000020004" pitchFamily="50" charset="-127"/>
               </a:rPr>
               <a:t>)</a:t>
-            </a:r>
-          </a:p>
-          <a:p>
-            <a:pPr marL="171450" marR="0" lvl="0" indent="-171450" algn="l" defTabSz="914400" rtl="0" eaLnBrk="0" fontAlgn="base" latinLnBrk="0" hangingPunct="0">
-              <a:lnSpc>
-                <a:spcPct val="100000"/>
-              </a:lnSpc>
-              <a:spcBef>
-                <a:spcPct val="0"/>
-              </a:spcBef>
-              <a:spcAft>
-                <a:spcPct val="0"/>
-              </a:spcAft>
-              <a:buClrTx/>
-              <a:buSzTx/>
-              <a:buFont typeface="Arial" panose="020B0604020202020204" pitchFamily="34" charset="0"/>
-              <a:buChar char="•"/>
-              <a:tabLst/>
-            </a:pPr>
-            <a:r>
-              <a:rPr kumimoji="0" lang="en-US" altLang="ko-KR" sz="1100" i="0" u="none" strike="noStrike" cap="none" normalizeH="0" baseline="0" dirty="0">
-                <a:ln>
-                  <a:noFill/>
-                </a:ln>
-                <a:solidFill>
-                  <a:srgbClr val="333333"/>
-                </a:solidFill>
-                <a:effectLst/>
-                <a:latin typeface="맑은 고딕" panose="020B0503020000020004" pitchFamily="50" charset="-127"/>
-                <a:ea typeface="맑은 고딕" panose="020B0503020000020004" pitchFamily="50" charset="-127"/>
-              </a:rPr>
-              <a:t>Python</a:t>
-            </a:r>
-            <a:r>
-              <a:rPr kumimoji="0" lang="ko-KR" altLang="en-US" sz="1100" i="0" u="none" strike="noStrike" cap="none" normalizeH="0" baseline="0" dirty="0">
-                <a:ln>
-                  <a:noFill/>
-                </a:ln>
-                <a:solidFill>
-                  <a:srgbClr val="333333"/>
-                </a:solidFill>
-                <a:effectLst/>
-                <a:latin typeface="맑은 고딕" panose="020B0503020000020004" pitchFamily="50" charset="-127"/>
-                <a:ea typeface="맑은 고딕" panose="020B0503020000020004" pitchFamily="50" charset="-127"/>
-              </a:rPr>
-              <a:t> </a:t>
-            </a:r>
-            <a:r>
-              <a:rPr lang="en-US" altLang="ko-KR" sz="1100" dirty="0">
-                <a:solidFill>
-                  <a:srgbClr val="333333"/>
-                </a:solidFill>
-                <a:latin typeface="맑은 고딕" panose="020B0503020000020004" pitchFamily="50" charset="-127"/>
-                <a:ea typeface="맑은 고딕" panose="020B0503020000020004" pitchFamily="50" charset="-127"/>
-              </a:rPr>
-              <a:t> </a:t>
-            </a:r>
-            <a:r>
-              <a:rPr lang="ko-KR" altLang="en-US" sz="1100" dirty="0">
-                <a:solidFill>
-                  <a:srgbClr val="333333"/>
-                </a:solidFill>
-                <a:latin typeface="맑은 고딕" panose="020B0503020000020004" pitchFamily="50" charset="-127"/>
-                <a:ea typeface="맑은 고딕" panose="020B0503020000020004" pitchFamily="50" charset="-127"/>
-              </a:rPr>
-              <a:t>개발</a:t>
-            </a:r>
-            <a:r>
-              <a:rPr lang="en-US" altLang="ko-KR" sz="1100" dirty="0">
-                <a:solidFill>
-                  <a:srgbClr val="333333"/>
-                </a:solidFill>
-                <a:latin typeface="맑은 고딕" panose="020B0503020000020004" pitchFamily="50" charset="-127"/>
-                <a:ea typeface="맑은 고딕" panose="020B0503020000020004" pitchFamily="50" charset="-127"/>
-              </a:rPr>
-              <a:t>, </a:t>
-            </a:r>
-            <a:r>
-              <a:rPr lang="ko-KR" altLang="en-US" sz="1100" dirty="0">
-                <a:solidFill>
-                  <a:srgbClr val="333333"/>
-                </a:solidFill>
-                <a:latin typeface="맑은 고딕" panose="020B0503020000020004" pitchFamily="50" charset="-127"/>
-                <a:ea typeface="맑은 고딕" panose="020B0503020000020004" pitchFamily="50" charset="-127"/>
-              </a:rPr>
-              <a:t>머신러닝</a:t>
-            </a:r>
-            <a:r>
-              <a:rPr lang="en-US" altLang="ko-KR" sz="1100" dirty="0">
-                <a:solidFill>
-                  <a:srgbClr val="333333"/>
-                </a:solidFill>
-                <a:latin typeface="맑은 고딕" panose="020B0503020000020004" pitchFamily="50" charset="-127"/>
-                <a:ea typeface="맑은 고딕" panose="020B0503020000020004" pitchFamily="50" charset="-127"/>
-              </a:rPr>
-              <a:t>, </a:t>
-            </a:r>
-            <a:r>
-              <a:rPr lang="ko-KR" altLang="en-US" sz="1100" dirty="0">
-                <a:solidFill>
-                  <a:srgbClr val="333333"/>
-                </a:solidFill>
-                <a:latin typeface="맑은 고딕" panose="020B0503020000020004" pitchFamily="50" charset="-127"/>
-                <a:ea typeface="맑은 고딕" panose="020B0503020000020004" pitchFamily="50" charset="-127"/>
-              </a:rPr>
-              <a:t>딥러닝</a:t>
-            </a:r>
-            <a:r>
-              <a:rPr lang="en-US" altLang="ko-KR" sz="1100" dirty="0">
-                <a:solidFill>
-                  <a:srgbClr val="333333"/>
-                </a:solidFill>
-                <a:latin typeface="맑은 고딕" panose="020B0503020000020004" pitchFamily="50" charset="-127"/>
-                <a:ea typeface="맑은 고딕" panose="020B0503020000020004" pitchFamily="50" charset="-127"/>
-              </a:rPr>
-              <a:t>, </a:t>
-            </a:r>
-            <a:r>
-              <a:rPr lang="ko-KR" altLang="en-US" sz="1100" dirty="0">
-                <a:solidFill>
-                  <a:srgbClr val="333333"/>
-                </a:solidFill>
-                <a:latin typeface="맑은 고딕" panose="020B0503020000020004" pitchFamily="50" charset="-127"/>
-                <a:ea typeface="맑은 고딕" panose="020B0503020000020004" pitchFamily="50" charset="-127"/>
-              </a:rPr>
-              <a:t>자연어처리</a:t>
             </a:r>
             <a:endParaRPr lang="en-US" altLang="ko-KR" sz="1100" dirty="0">
               <a:solidFill>
@@ -4333,7 +4427,17 @@
                 <a:latin typeface="맑은 고딕" panose="020B0503020000020004" pitchFamily="50" charset="-127"/>
                 <a:ea typeface="맑은 고딕" panose="020B0503020000020004" pitchFamily="50" charset="-127"/>
               </a:rPr>
-              <a:t>(2019.01~2020.03)</a:t>
+              <a:t>(</a:t>
+            </a:r>
+            <a:r>
+              <a:rPr lang="en-US" altLang="ko-KR" sz="1100">
+                <a:solidFill>
+                  <a:srgbClr val="333333"/>
+                </a:solidFill>
+                <a:latin typeface="맑은 고딕" panose="020B0503020000020004" pitchFamily="50" charset="-127"/>
+                <a:ea typeface="맑은 고딕" panose="020B0503020000020004" pitchFamily="50" charset="-127"/>
+              </a:rPr>
+              <a:t>2019.01~2020.03)</a:t>
             </a:r>
             <a:endParaRPr kumimoji="0" lang="en-US" altLang="ko-KR" sz="1100" i="0" u="none" strike="noStrike" cap="none" normalizeH="0" baseline="0" dirty="0">
               <a:ln>
@@ -4392,7 +4496,7 @@
         </p:nvGrpSpPr>
         <p:grpSpPr>
           <a:xfrm>
-            <a:off x="72189" y="2190852"/>
+            <a:off x="72189" y="2351272"/>
             <a:ext cx="6593306" cy="276999"/>
             <a:chOff x="72189" y="1052625"/>
             <a:chExt cx="6593306" cy="276999"/>
@@ -4690,7 +4794,7 @@
         </p:nvSpPr>
         <p:spPr bwMode="auto">
           <a:xfrm>
-            <a:off x="156411" y="2537680"/>
+            <a:off x="156411" y="2698100"/>
             <a:ext cx="6509084" cy="661720"/>
           </a:xfrm>
           <a:prstGeom prst="rect">
@@ -5040,7 +5144,7 @@
         </p:nvGrpSpPr>
         <p:grpSpPr>
           <a:xfrm>
-            <a:off x="72189" y="3430103"/>
+            <a:off x="72189" y="3590523"/>
             <a:ext cx="6593306" cy="276999"/>
             <a:chOff x="72189" y="1052625"/>
             <a:chExt cx="6593306" cy="276999"/>
@@ -5255,7 +5359,7 @@
                 <a:tabLst/>
               </a:pPr>
               <a:r>
-                <a:rPr kumimoji="0" lang="ko-KR" altLang="en-US" sz="1200" b="1" i="0" u="none" strike="noStrike" cap="none" normalizeH="0" baseline="0" dirty="0">
+                <a:rPr kumimoji="0" lang="ko-KR" altLang="en-US" sz="1200" b="1" i="0" u="none" strike="noStrike" cap="none" normalizeH="0" baseline="0">
                   <a:ln>
                     <a:noFill/>
                   </a:ln>
@@ -5267,6 +5371,34 @@
                   <a:ea typeface="맑은 고딕" panose="020B0503020000020004" pitchFamily="50" charset="-127"/>
                 </a:rPr>
                 <a:t>관련 교육</a:t>
+              </a:r>
+              <a:r>
+                <a:rPr kumimoji="0" lang="en-US" altLang="ko-KR" sz="1200" b="1" i="0" u="none" strike="noStrike" cap="none" normalizeH="0" baseline="0">
+                  <a:ln>
+                    <a:noFill/>
+                  </a:ln>
+                  <a:solidFill>
+                    <a:srgbClr val="333333"/>
+                  </a:solidFill>
+                  <a:effectLst/>
+                  <a:latin typeface="맑은 고딕" panose="020B0503020000020004" pitchFamily="50" charset="-127"/>
+                  <a:ea typeface="맑은 고딕" panose="020B0503020000020004" pitchFamily="50" charset="-127"/>
+                </a:rPr>
+                <a:t>/</a:t>
+              </a:r>
+              <a:r>
+                <a:rPr kumimoji="0" lang="ko-KR" altLang="en-US" sz="1200" b="1" i="0" u="none" strike="noStrike" cap="none" normalizeH="0" baseline="0">
+                  <a:ln>
+                    <a:noFill/>
+                  </a:ln>
+                  <a:solidFill>
+                    <a:srgbClr val="333333"/>
+                  </a:solidFill>
+                  <a:effectLst/>
+                  <a:latin typeface="맑은 고딕" panose="020B0503020000020004" pitchFamily="50" charset="-127"/>
+                  <a:ea typeface="맑은 고딕" panose="020B0503020000020004" pitchFamily="50" charset="-127"/>
+                </a:rPr>
+                <a:t>활동</a:t>
               </a:r>
               <a:endParaRPr kumimoji="0" lang="ko-KR" altLang="ko-KR" sz="1200" b="1" i="0" u="none" strike="noStrike" cap="none" normalizeH="0" baseline="0" dirty="0">
                 <a:ln>
@@ -5342,8 +5474,8 @@
         </p:nvSpPr>
         <p:spPr bwMode="auto">
           <a:xfrm>
-            <a:off x="156411" y="3784062"/>
-            <a:ext cx="4078705" cy="430887"/>
+            <a:off x="156411" y="3944482"/>
+            <a:ext cx="4559968" cy="430887"/>
           </a:xfrm>
           <a:prstGeom prst="rect">
             <a:avLst/>
@@ -5581,7 +5713,27 @@
                 <a:latin typeface="맑은 고딕" panose="020B0503020000020004" pitchFamily="50" charset="-127"/>
                 <a:ea typeface="맑은 고딕" panose="020B0503020000020004" pitchFamily="50" charset="-127"/>
               </a:rPr>
-              <a:t> 기반 기업데이터 분석과정</a:t>
+              <a:t> 기반 </a:t>
+            </a:r>
+            <a:r>
+              <a:rPr lang="ko-KR" altLang="en-US" sz="1100">
+                <a:solidFill>
+                  <a:srgbClr val="333333"/>
+                </a:solidFill>
+                <a:latin typeface="맑은 고딕" panose="020B0503020000020004" pitchFamily="50" charset="-127"/>
+                <a:ea typeface="맑은 고딕" panose="020B0503020000020004" pitchFamily="50" charset="-127"/>
+              </a:rPr>
+              <a:t>기업데이터 분석과정 수료</a:t>
+            </a:r>
+            <a:r>
+              <a:rPr lang="en-US" altLang="ko-KR" sz="1100">
+                <a:solidFill>
+                  <a:srgbClr val="333333"/>
+                </a:solidFill>
+                <a:latin typeface="맑은 고딕" panose="020B0503020000020004" pitchFamily="50" charset="-127"/>
+                <a:ea typeface="맑은 고딕" panose="020B0503020000020004" pitchFamily="50" charset="-127"/>
+              </a:rPr>
+              <a:t>(920h)</a:t>
             </a:r>
             <a:endParaRPr lang="en-US" altLang="ko-KR" sz="1100" dirty="0">
               <a:solidFill>
@@ -5609,7 +5761,7 @@
         </p:nvSpPr>
         <p:spPr bwMode="auto">
           <a:xfrm>
-            <a:off x="2622884" y="3799450"/>
+            <a:off x="2622884" y="3959870"/>
             <a:ext cx="4078705" cy="400110"/>
           </a:xfrm>
           <a:prstGeom prst="rect">
@@ -5810,7 +5962,7 @@
               <a:t>멀티캠퍼스</a:t>
             </a:r>
             <a:r>
-              <a:rPr lang="en-US" altLang="ko-KR" sz="1000" dirty="0">
+              <a:rPr lang="en-US" altLang="ko-KR" sz="1000">
                 <a:solidFill>
                   <a:srgbClr val="333333"/>
                 </a:solidFill>
@@ -5820,17 +5972,17 @@
               <a:t>, </a:t>
             </a:r>
             <a:r>
-              <a:rPr lang="ko-KR" altLang="en-US" sz="1000" dirty="0">
-                <a:solidFill>
-                  <a:srgbClr val="333333"/>
-                </a:solidFill>
-                <a:latin typeface="맑은 고딕" panose="020B0503020000020004" pitchFamily="50" charset="-127"/>
-                <a:ea typeface="맑은 고딕" panose="020B0503020000020004" pitchFamily="50" charset="-127"/>
-              </a:rPr>
-              <a:t>강남</a:t>
+              <a:rPr lang="ko-KR" altLang="en-US" sz="1000">
+                <a:solidFill>
+                  <a:srgbClr val="333333"/>
+                </a:solidFill>
+                <a:latin typeface="맑은 고딕" panose="020B0503020000020004" pitchFamily="50" charset="-127"/>
+                <a:ea typeface="맑은 고딕" panose="020B0503020000020004" pitchFamily="50" charset="-127"/>
+              </a:rPr>
+              <a:t>역삼</a:t>
             </a:r>
             <a:br>
-              <a:rPr lang="en-US" altLang="ko-KR" sz="1000" dirty="0">
+              <a:rPr lang="en-US" altLang="ko-KR" sz="1000">
                 <a:solidFill>
                   <a:srgbClr val="333333"/>
                 </a:solidFill>
@@ -5839,15 +5991,22 @@
               </a:rPr>
             </a:br>
             <a:r>
-              <a:rPr lang="en-US" altLang="ko-KR" sz="1000" dirty="0">
-                <a:solidFill>
-                  <a:srgbClr val="333333"/>
-                </a:solidFill>
-                <a:latin typeface="맑은 고딕" panose="020B0503020000020004" pitchFamily="50" charset="-127"/>
-                <a:ea typeface="맑은 고딕" panose="020B0503020000020004" pitchFamily="50" charset="-127"/>
-              </a:rPr>
-              <a:t>2020.05~</a:t>
-            </a:r>
+              <a:rPr lang="en-US" altLang="ko-KR" sz="1000">
+                <a:solidFill>
+                  <a:srgbClr val="333333"/>
+                </a:solidFill>
+                <a:latin typeface="맑은 고딕" panose="020B0503020000020004" pitchFamily="50" charset="-127"/>
+                <a:ea typeface="맑은 고딕" panose="020B0503020000020004" pitchFamily="50" charset="-127"/>
+              </a:rPr>
+              <a:t>2020.05~2020.11</a:t>
+            </a:r>
+            <a:endParaRPr lang="en-US" altLang="ko-KR" sz="1000" dirty="0">
+              <a:solidFill>
+                <a:srgbClr val="333333"/>
+              </a:solidFill>
+              <a:latin typeface="맑은 고딕" panose="020B0503020000020004" pitchFamily="50" charset="-127"/>
+              <a:ea typeface="맑은 고딕" panose="020B0503020000020004" pitchFamily="50" charset="-127"/>
+            </a:endParaRPr>
           </a:p>
         </p:txBody>
       </p:sp>
@@ -5865,7 +6024,7 @@
         </p:nvGrpSpPr>
         <p:grpSpPr>
           <a:xfrm>
-            <a:off x="72189" y="4501056"/>
+            <a:off x="72189" y="5112326"/>
             <a:ext cx="6593306" cy="276999"/>
             <a:chOff x="72189" y="1052625"/>
             <a:chExt cx="6593306" cy="276999"/>
@@ -6177,7 +6336,7 @@
         </p:nvSpPr>
         <p:spPr bwMode="auto">
           <a:xfrm>
-            <a:off x="156411" y="4885998"/>
+            <a:off x="156411" y="5497268"/>
             <a:ext cx="6509084" cy="261610"/>
           </a:xfrm>
           <a:prstGeom prst="rect">
@@ -6405,7 +6564,7 @@
         </p:nvSpPr>
         <p:spPr bwMode="auto">
           <a:xfrm>
-            <a:off x="2622884" y="4872423"/>
+            <a:off x="2622884" y="5483693"/>
             <a:ext cx="4078705" cy="261610"/>
           </a:xfrm>
           <a:prstGeom prst="rect">
@@ -6624,7 +6783,7 @@
         </p:nvSpPr>
         <p:spPr bwMode="auto">
           <a:xfrm>
-            <a:off x="2622884" y="7208009"/>
+            <a:off x="2622884" y="7993451"/>
             <a:ext cx="4078705" cy="261610"/>
           </a:xfrm>
           <a:prstGeom prst="rect">
@@ -6843,7 +7002,7 @@
         </p:nvSpPr>
         <p:spPr bwMode="auto">
           <a:xfrm>
-            <a:off x="156411" y="7259081"/>
+            <a:off x="156411" y="8044523"/>
             <a:ext cx="6509084" cy="261610"/>
           </a:xfrm>
           <a:prstGeom prst="rect">
@@ -7081,7 +7240,7 @@
         </p:nvSpPr>
         <p:spPr bwMode="auto">
           <a:xfrm>
-            <a:off x="276725" y="5107294"/>
+            <a:off x="276725" y="5718564"/>
             <a:ext cx="6412829" cy="861774"/>
           </a:xfrm>
           <a:prstGeom prst="rect">
@@ -7482,7 +7641,7 @@
         </p:nvCxnSpPr>
         <p:spPr>
           <a:xfrm>
-            <a:off x="288760" y="5173579"/>
+            <a:off x="288760" y="5784849"/>
             <a:ext cx="0" cy="745960"/>
           </a:xfrm>
           <a:prstGeom prst="line">
@@ -7525,7 +7684,7 @@
         </p:nvSpPr>
         <p:spPr bwMode="auto">
           <a:xfrm>
-            <a:off x="156411" y="6002634"/>
+            <a:off x="156411" y="6613904"/>
             <a:ext cx="6509084" cy="1015663"/>
           </a:xfrm>
           <a:prstGeom prst="rect">
@@ -8208,7 +8367,7 @@
         </p:nvSpPr>
         <p:spPr bwMode="auto">
           <a:xfrm>
-            <a:off x="156411" y="8275963"/>
+            <a:off x="156411" y="9061405"/>
             <a:ext cx="6509084" cy="553998"/>
           </a:xfrm>
           <a:prstGeom prst="rect">
@@ -8530,48 +8689,59 @@
               <a:t> </a:t>
             </a:r>
             <a:r>
-              <a:rPr lang="en-US" altLang="ko-KR" sz="1000" dirty="0" err="1">
+              <a:rPr lang="en-US" altLang="ko-KR" sz="1000" err="1">
                 <a:latin typeface="맑은 고딕" panose="020B0503020000020004" pitchFamily="50" charset="-127"/>
                 <a:ea typeface="맑은 고딕" panose="020B0503020000020004" pitchFamily="50" charset="-127"/>
               </a:rPr>
               <a:t>keras</a:t>
             </a:r>
             <a:r>
-              <a:rPr lang="en-US" altLang="ko-KR" sz="1000" dirty="0">
+              <a:rPr lang="en-US" altLang="ko-KR" sz="1000">
                 <a:latin typeface="맑은 고딕" panose="020B0503020000020004" pitchFamily="50" charset="-127"/>
                 <a:ea typeface="맑은 고딕" panose="020B0503020000020004" pitchFamily="50" charset="-127"/>
               </a:rPr>
               <a:t>)/</a:t>
             </a:r>
-          </a:p>
-          <a:p>
-            <a:pPr marR="0" lvl="0" algn="l" defTabSz="914400" rtl="0" eaLnBrk="0" fontAlgn="base" latinLnBrk="0" hangingPunct="0">
-              <a:lnSpc>
-                <a:spcPct val="100000"/>
-              </a:lnSpc>
-              <a:spcBef>
-                <a:spcPct val="0"/>
-              </a:spcBef>
-              <a:spcAft>
-                <a:spcPct val="0"/>
-              </a:spcAft>
-              <a:buClrTx/>
-              <a:buSzTx/>
-              <a:tabLst/>
-            </a:pPr>
-            <a:r>
-              <a:rPr lang="en-US" altLang="ko-KR" sz="1000" dirty="0">
-                <a:latin typeface="맑은 고딕" panose="020B0503020000020004" pitchFamily="50" charset="-127"/>
-                <a:ea typeface="맑은 고딕" panose="020B0503020000020004" pitchFamily="50" charset="-127"/>
-              </a:rPr>
-              <a:t>Github</a:t>
+            <a:br>
+              <a:rPr lang="en-US" altLang="ko-KR" sz="1000">
+                <a:latin typeface="맑은 고딕" panose="020B0503020000020004" pitchFamily="50" charset="-127"/>
+                <a:ea typeface="맑은 고딕" panose="020B0503020000020004" pitchFamily="50" charset="-127"/>
+              </a:rPr>
+            </a:br>
+            <a:r>
+              <a:rPr lang="en-US" altLang="ko-KR" sz="1000">
+                <a:latin typeface="맑은 고딕" panose="020B0503020000020004" pitchFamily="50" charset="-127"/>
+                <a:ea typeface="맑은 고딕" panose="020B0503020000020004" pitchFamily="50" charset="-127"/>
+              </a:rPr>
+              <a:t>RNN</a:t>
+            </a:r>
+            <a:r>
+              <a:rPr lang="ko-KR" altLang="en-US" sz="1000">
+                <a:latin typeface="맑은 고딕" panose="020B0503020000020004" pitchFamily="50" charset="-127"/>
+                <a:ea typeface="맑은 고딕" panose="020B0503020000020004" pitchFamily="50" charset="-127"/>
+              </a:rPr>
+              <a:t> 모델링</a:t>
+            </a:r>
+            <a:r>
+              <a:rPr lang="en-US" altLang="ko-KR" sz="1000">
+                <a:latin typeface="맑은 고딕" panose="020B0503020000020004" pitchFamily="50" charset="-127"/>
+                <a:ea typeface="맑은 고딕" panose="020B0503020000020004" pitchFamily="50" charset="-127"/>
+              </a:rPr>
+              <a:t>/ Github</a:t>
+            </a:r>
+            <a:r>
+              <a:rPr lang="ko-KR" altLang="en-US" sz="1000">
+                <a:latin typeface="맑은 고딕" panose="020B0503020000020004" pitchFamily="50" charset="-127"/>
+                <a:ea typeface="맑은 고딕" panose="020B0503020000020004" pitchFamily="50" charset="-127"/>
+              </a:rPr>
+              <a:t> </a:t>
             </a:r>
             <a:r>
               <a:rPr lang="ko-KR" altLang="en-US" sz="1000" dirty="0">
                 <a:latin typeface="맑은 고딕" panose="020B0503020000020004" pitchFamily="50" charset="-127"/>
                 <a:ea typeface="맑은 고딕" panose="020B0503020000020004" pitchFamily="50" charset="-127"/>
               </a:rPr>
-              <a:t> 코드</a:t>
+              <a:t>코드</a:t>
             </a:r>
             <a:r>
               <a:rPr lang="en-US" altLang="ko-KR" sz="1000" dirty="0">
@@ -8610,8 +8780,8 @@
         </p:nvSpPr>
         <p:spPr bwMode="auto">
           <a:xfrm>
-            <a:off x="276725" y="7519256"/>
-            <a:ext cx="6412829" cy="707886"/>
+            <a:off x="276725" y="8381642"/>
+            <a:ext cx="6412829" cy="553998"/>
           </a:xfrm>
           <a:prstGeom prst="rect">
             <a:avLst/>
@@ -8788,31 +8958,79 @@
           <a:p>
             <a:pPr algn="l"/>
             <a:r>
-              <a:rPr lang="en-US" altLang="ko-KR" sz="1000" dirty="0">
+              <a:rPr lang="en-US" altLang="ko-KR" sz="1000" b="0" i="0">
+                <a:solidFill>
+                  <a:srgbClr val="666666"/>
+                </a:solidFill>
+                <a:effectLst/>
+                <a:latin typeface="나눔스퀘어라운드 Regular" panose="020B0600000101010101" pitchFamily="50" charset="-127"/>
+                <a:ea typeface="나눔스퀘어라운드 Regular" panose="020B0600000101010101" pitchFamily="50" charset="-127"/>
+              </a:rPr>
+              <a:t>CNN </a:t>
+            </a:r>
+            <a:r>
+              <a:rPr lang="ko-KR" altLang="en-US" sz="1000" b="0" i="0">
+                <a:solidFill>
+                  <a:srgbClr val="666666"/>
+                </a:solidFill>
+                <a:effectLst/>
+                <a:latin typeface="나눔스퀘어라운드 Regular" panose="020B0600000101010101" pitchFamily="50" charset="-127"/>
+                <a:ea typeface="나눔스퀘어라운드 Regular" panose="020B0600000101010101" pitchFamily="50" charset="-127"/>
+              </a:rPr>
+              <a:t>모델은 컴퓨터 비전을 위해 고안 되었지만</a:t>
+            </a:r>
+            <a:r>
+              <a:rPr lang="en-US" altLang="ko-KR" sz="1000" b="0" i="0">
+                <a:solidFill>
+                  <a:srgbClr val="666666"/>
+                </a:solidFill>
+                <a:effectLst/>
+                <a:latin typeface="나눔스퀘어라운드 Regular" panose="020B0600000101010101" pitchFamily="50" charset="-127"/>
+                <a:ea typeface="나눔스퀘어라운드 Regular" panose="020B0600000101010101" pitchFamily="50" charset="-127"/>
+              </a:rPr>
+              <a:t>,  </a:t>
+            </a:r>
+            <a:r>
+              <a:rPr lang="ko-KR" altLang="en-US" sz="1000" b="0" i="0">
+                <a:solidFill>
+                  <a:srgbClr val="666666"/>
+                </a:solidFill>
+                <a:effectLst/>
+                <a:latin typeface="나눔스퀘어라운드 Regular" panose="020B0600000101010101" pitchFamily="50" charset="-127"/>
+                <a:ea typeface="나눔스퀘어라운드 Regular" panose="020B0600000101010101" pitchFamily="50" charset="-127"/>
+              </a:rPr>
+              <a:t>자연어 처리에 대해서도 효과적임을 보인다</a:t>
+            </a:r>
+            <a:endParaRPr lang="ko-KR" altLang="en-US" sz="1000">
+              <a:latin typeface="나눔스퀘어라운드 Regular" panose="020B0600000101010101" pitchFamily="50" charset="-127"/>
+              <a:ea typeface="나눔스퀘어라운드 Regular" panose="020B0600000101010101" pitchFamily="50" charset="-127"/>
+            </a:endParaRPr>
+          </a:p>
+          <a:p>
+            <a:r>
+              <a:rPr lang="ko-KR" altLang="en-US" sz="1000">
                 <a:solidFill>
                   <a:schemeClr val="bg1">
                     <a:lumMod val="50000"/>
                   </a:schemeClr>
                 </a:solidFill>
-                <a:effectLst/>
                 <a:latin typeface="맑은고딕"/>
               </a:rPr>
-              <a:t>Convolution Neural Networks for Sentence Classification </a:t>
-            </a:r>
-            <a:r>
-              <a:rPr lang="ko-KR" altLang="en-US" sz="1000" dirty="0">
+              <a:t>네이버영화리뷰 </a:t>
+            </a:r>
+            <a:r>
+              <a:rPr lang="en-US" altLang="ko-KR" sz="1000">
                 <a:solidFill>
                   <a:schemeClr val="bg1">
                     <a:lumMod val="50000"/>
                   </a:schemeClr>
                 </a:solidFill>
-                <a:effectLst/>
                 <a:latin typeface="맑은고딕"/>
               </a:rPr>
-              <a:t>논문을 바탕으로 </a:t>
-            </a:r>
-            <a:r>
-              <a:rPr lang="ko-KR" altLang="en-US" sz="1000" dirty="0">
+              <a:t>training</a:t>
+            </a:r>
+            <a:r>
+              <a:rPr lang="ko-KR" altLang="en-US" sz="1000">
                 <a:solidFill>
                   <a:schemeClr val="bg1">
                     <a:lumMod val="50000"/>
@@ -8820,10 +9038,10 @@
                 </a:solidFill>
                 <a:latin typeface="맑은고딕"/>
               </a:rPr>
-              <a:t>자연어처리에 기존 </a:t>
-            </a:r>
-            <a:r>
-              <a:rPr lang="en-US" altLang="ko-KR" sz="1000" dirty="0">
+              <a:t> </a:t>
+            </a:r>
+            <a:r>
+              <a:rPr lang="en-US" altLang="ko-KR" sz="1000">
                 <a:solidFill>
                   <a:schemeClr val="bg1">
                     <a:lumMod val="50000"/>
@@ -8831,10 +9049,10 @@
                 </a:solidFill>
                 <a:latin typeface="맑은고딕"/>
               </a:rPr>
-              <a:t>RNN</a:t>
-            </a:r>
-            <a:r>
-              <a:rPr lang="ko-KR" altLang="en-US" sz="1000" dirty="0">
+              <a:t>set</a:t>
+            </a:r>
+            <a:r>
+              <a:rPr lang="ko-KR" altLang="en-US" sz="1000">
                 <a:solidFill>
                   <a:schemeClr val="bg1">
                     <a:lumMod val="50000"/>
@@ -8842,10 +9060,10 @@
                 </a:solidFill>
                 <a:latin typeface="맑은고딕"/>
               </a:rPr>
-              <a:t>기반이 아닌 </a:t>
-            </a:r>
-            <a:r>
-              <a:rPr lang="en-US" altLang="ko-KR" sz="1000" dirty="0">
+              <a:t>으로 </a:t>
+            </a:r>
+            <a:r>
+              <a:rPr lang="en-US" altLang="ko-KR" sz="1000">
                 <a:solidFill>
                   <a:schemeClr val="bg1">
                     <a:lumMod val="50000"/>
@@ -8853,10 +9071,10 @@
                 </a:solidFill>
                 <a:latin typeface="맑은고딕"/>
               </a:rPr>
-              <a:t>CNN</a:t>
-            </a:r>
-            <a:r>
-              <a:rPr lang="ko-KR" altLang="en-US" sz="1000" dirty="0">
+              <a:t>Fasttext, word2vec,</a:t>
+            </a:r>
+            <a:r>
+              <a:rPr lang="ko-KR" altLang="en-US" sz="1000">
                 <a:solidFill>
                   <a:schemeClr val="bg1">
                     <a:lumMod val="50000"/>
@@ -8864,10 +9082,10 @@
                 </a:solidFill>
                 <a:latin typeface="맑은고딕"/>
               </a:rPr>
-              <a:t>구조를 활용 </a:t>
-            </a:r>
-            <a:r>
-              <a:rPr lang="en-US" altLang="ko-KR" sz="1000" dirty="0">
+              <a:t> </a:t>
+            </a:r>
+            <a:r>
+              <a:rPr lang="en-US" altLang="ko-KR" sz="1000">
                 <a:solidFill>
                   <a:schemeClr val="bg1">
                     <a:lumMod val="50000"/>
@@ -8875,10 +9093,10 @@
                 </a:solidFill>
                 <a:latin typeface="맑은고딕"/>
               </a:rPr>
-              <a:t>,filter size</a:t>
-            </a:r>
-            <a:r>
-              <a:rPr lang="ko-KR" altLang="en-US" sz="1000" dirty="0">
+              <a:t>Contextualized Embedding </a:t>
+            </a:r>
+            <a:r>
+              <a:rPr lang="ko-KR" altLang="en-US" sz="1000">
                 <a:solidFill>
                   <a:schemeClr val="bg1">
                     <a:lumMod val="50000"/>
@@ -8886,10 +9104,10 @@
                 </a:solidFill>
                 <a:latin typeface="맑은고딕"/>
               </a:rPr>
-              <a:t>로 </a:t>
-            </a:r>
-            <a:r>
-              <a:rPr lang="en-US" altLang="ko-KR" sz="1000" dirty="0" err="1">
+              <a:t>등의 </a:t>
+            </a:r>
+            <a:r>
+              <a:rPr lang="en-US" altLang="ko-KR" sz="1000">
                 <a:solidFill>
                   <a:schemeClr val="bg1">
                     <a:lumMod val="50000"/>
@@ -8897,10 +9115,10 @@
                 </a:solidFill>
                 <a:latin typeface="맑은고딕"/>
               </a:rPr>
-              <a:t>ngram</a:t>
-            </a:r>
-            <a:r>
-              <a:rPr lang="ko-KR" altLang="en-US" sz="1000" dirty="0">
+              <a:t>Token</a:t>
+            </a:r>
+            <a:r>
+              <a:rPr lang="ko-KR" altLang="en-US" sz="1000">
                 <a:solidFill>
                   <a:schemeClr val="bg1">
                     <a:lumMod val="50000"/>
@@ -8908,10 +9126,10 @@
                 </a:solidFill>
                 <a:latin typeface="맑은고딕"/>
               </a:rPr>
-              <a:t>의 기능을 수행하며 좋은 </a:t>
-            </a:r>
-            <a:r>
-              <a:rPr lang="ko-KR" altLang="en-US" sz="1000" dirty="0" err="1">
+              <a:t> </a:t>
+            </a:r>
+            <a:r>
+              <a:rPr lang="en-US" altLang="ko-KR" sz="1000">
                 <a:solidFill>
                   <a:schemeClr val="bg1">
                     <a:lumMod val="50000"/>
@@ -8919,10 +9137,10 @@
                 </a:solidFill>
                 <a:latin typeface="맑은고딕"/>
               </a:rPr>
-              <a:t>성능낼</a:t>
-            </a:r>
-            <a:r>
-              <a:rPr lang="ko-KR" altLang="en-US" sz="1000" dirty="0">
+              <a:t>embedding</a:t>
+            </a:r>
+            <a:r>
+              <a:rPr lang="ko-KR" altLang="en-US" sz="1000">
                 <a:solidFill>
                   <a:schemeClr val="bg1">
                     <a:lumMod val="50000"/>
@@ -8930,10 +9148,10 @@
                 </a:solidFill>
                 <a:latin typeface="맑은고딕"/>
               </a:rPr>
-              <a:t> 수 있음 보임</a:t>
-            </a:r>
-            <a:r>
-              <a:rPr lang="en-US" altLang="ko-KR" sz="1000" dirty="0">
+              <a:t> 방식 차이에 따라 성능을 비교해 보았고</a:t>
+            </a:r>
+            <a:r>
+              <a:rPr lang="en-US" altLang="ko-KR" sz="1000">
                 <a:solidFill>
                   <a:schemeClr val="bg1">
                     <a:lumMod val="50000"/>
@@ -8941,12 +9159,10 @@
                 </a:solidFill>
                 <a:latin typeface="맑은고딕"/>
               </a:rPr>
-              <a:t>. </a:t>
-            </a:r>
-          </a:p>
-          <a:p>
-            <a:r>
-              <a:rPr lang="ko-KR" altLang="en-US" sz="1000" dirty="0" err="1">
+              <a:t>, </a:t>
+            </a:r>
+            <a:r>
+              <a:rPr lang="ko-KR" altLang="en-US" sz="1000">
                 <a:solidFill>
                   <a:schemeClr val="bg1">
                     <a:lumMod val="50000"/>
@@ -8954,10 +9170,10 @@
                 </a:solidFill>
                 <a:latin typeface="맑은고딕"/>
               </a:rPr>
-              <a:t>위키피디아문서</a:t>
-            </a:r>
-            <a:r>
-              <a:rPr lang="ko-KR" altLang="en-US" sz="1000" dirty="0">
+              <a:t>추가적으로 </a:t>
+            </a:r>
+            <a:r>
+              <a:rPr lang="en-US" altLang="ko-KR" sz="1000">
                 <a:solidFill>
                   <a:schemeClr val="bg1">
                     <a:lumMod val="50000"/>
@@ -8965,10 +9181,10 @@
                 </a:solidFill>
                 <a:latin typeface="맑은고딕"/>
               </a:rPr>
-              <a:t> 기반인 </a:t>
-            </a:r>
-            <a:r>
-              <a:rPr lang="en-US" altLang="ko-KR" sz="1000" dirty="0">
+              <a:t>RNN</a:t>
+            </a:r>
+            <a:r>
+              <a:rPr lang="ko-KR" altLang="en-US" sz="1000">
                 <a:solidFill>
                   <a:schemeClr val="bg1">
                     <a:lumMod val="50000"/>
@@ -8976,186 +9192,10 @@
                 </a:solidFill>
                 <a:latin typeface="맑은고딕"/>
               </a:rPr>
-              <a:t>Facebook</a:t>
-            </a:r>
-            <a:r>
-              <a:rPr lang="ko-KR" altLang="en-US" sz="1000" dirty="0">
-                <a:solidFill>
-                  <a:schemeClr val="bg1">
-                    <a:lumMod val="50000"/>
-                  </a:schemeClr>
-                </a:solidFill>
-                <a:latin typeface="맑은고딕"/>
-              </a:rPr>
-              <a:t>의 </a:t>
-            </a:r>
-            <a:r>
-              <a:rPr lang="en-US" altLang="ko-KR" sz="1000" dirty="0" err="1">
-                <a:solidFill>
-                  <a:schemeClr val="bg1">
-                    <a:lumMod val="50000"/>
-                  </a:schemeClr>
-                </a:solidFill>
-                <a:latin typeface="맑은고딕"/>
-              </a:rPr>
-              <a:t>Fasttext</a:t>
-            </a:r>
-            <a:r>
-              <a:rPr lang="en-US" altLang="ko-KR" sz="1000" dirty="0">
-                <a:solidFill>
-                  <a:schemeClr val="bg1">
-                    <a:lumMod val="50000"/>
-                  </a:schemeClr>
-                </a:solidFill>
-                <a:latin typeface="맑은고딕"/>
-              </a:rPr>
-              <a:t>, </a:t>
-            </a:r>
-            <a:r>
-              <a:rPr lang="ko-KR" altLang="en-US" sz="1000" dirty="0">
-                <a:solidFill>
-                  <a:schemeClr val="bg1">
-                    <a:lumMod val="50000"/>
-                  </a:schemeClr>
-                </a:solidFill>
-                <a:latin typeface="맑은고딕"/>
-              </a:rPr>
-              <a:t>네이버영화리뷰 </a:t>
-            </a:r>
-            <a:r>
-              <a:rPr lang="en-US" altLang="ko-KR" sz="1000" dirty="0">
-                <a:solidFill>
-                  <a:schemeClr val="bg1">
-                    <a:lumMod val="50000"/>
-                  </a:schemeClr>
-                </a:solidFill>
-                <a:latin typeface="맑은고딕"/>
-              </a:rPr>
-              <a:t>training</a:t>
-            </a:r>
-            <a:r>
-              <a:rPr lang="ko-KR" altLang="en-US" sz="1000" dirty="0">
-                <a:solidFill>
-                  <a:schemeClr val="bg1">
-                    <a:lumMod val="50000"/>
-                  </a:schemeClr>
-                </a:solidFill>
-                <a:latin typeface="맑은고딕"/>
-              </a:rPr>
-              <a:t> </a:t>
-            </a:r>
-            <a:r>
-              <a:rPr lang="en-US" altLang="ko-KR" sz="1000" dirty="0">
-                <a:solidFill>
-                  <a:schemeClr val="bg1">
-                    <a:lumMod val="50000"/>
-                  </a:schemeClr>
-                </a:solidFill>
-                <a:latin typeface="맑은고딕"/>
-              </a:rPr>
-              <a:t>set</a:t>
-            </a:r>
-            <a:r>
-              <a:rPr lang="ko-KR" altLang="en-US" sz="1000" dirty="0">
-                <a:solidFill>
-                  <a:schemeClr val="bg1">
-                    <a:lumMod val="50000"/>
-                  </a:schemeClr>
-                </a:solidFill>
-                <a:latin typeface="맑은고딕"/>
-              </a:rPr>
-              <a:t>으로 </a:t>
-            </a:r>
-            <a:r>
-              <a:rPr lang="en-US" altLang="ko-KR" sz="1000" dirty="0">
-                <a:solidFill>
-                  <a:schemeClr val="bg1">
-                    <a:lumMod val="50000"/>
-                  </a:schemeClr>
-                </a:solidFill>
-                <a:latin typeface="맑은고딕"/>
-              </a:rPr>
-              <a:t>word2vec,</a:t>
-            </a:r>
-            <a:r>
-              <a:rPr lang="ko-KR" altLang="en-US" sz="1000" dirty="0">
-                <a:solidFill>
-                  <a:schemeClr val="bg1">
-                    <a:lumMod val="50000"/>
-                  </a:schemeClr>
-                </a:solidFill>
-                <a:latin typeface="맑은고딕"/>
-              </a:rPr>
-              <a:t> </a:t>
-            </a:r>
-            <a:r>
-              <a:rPr lang="en-US" altLang="ko-KR" sz="1000" dirty="0">
-                <a:solidFill>
-                  <a:schemeClr val="bg1">
-                    <a:lumMod val="50000"/>
-                  </a:schemeClr>
-                </a:solidFill>
-                <a:latin typeface="맑은고딕"/>
-              </a:rPr>
-              <a:t>Contextualized Embedding </a:t>
-            </a:r>
-            <a:r>
-              <a:rPr lang="ko-KR" altLang="en-US" sz="1000" dirty="0">
-                <a:solidFill>
-                  <a:schemeClr val="bg1">
-                    <a:lumMod val="50000"/>
-                  </a:schemeClr>
-                </a:solidFill>
-                <a:latin typeface="맑은고딕"/>
-              </a:rPr>
-              <a:t>등의 </a:t>
-            </a:r>
-            <a:r>
-              <a:rPr lang="en-US" altLang="ko-KR" sz="1000" dirty="0">
-                <a:solidFill>
-                  <a:schemeClr val="bg1">
-                    <a:lumMod val="50000"/>
-                  </a:schemeClr>
-                </a:solidFill>
-                <a:latin typeface="맑은고딕"/>
-              </a:rPr>
-              <a:t>Token</a:t>
-            </a:r>
-            <a:r>
-              <a:rPr lang="ko-KR" altLang="en-US" sz="1000" dirty="0">
-                <a:solidFill>
-                  <a:schemeClr val="bg1">
-                    <a:lumMod val="50000"/>
-                  </a:schemeClr>
-                </a:solidFill>
-                <a:latin typeface="맑은고딕"/>
-              </a:rPr>
-              <a:t> </a:t>
-            </a:r>
-            <a:r>
-              <a:rPr lang="en-US" altLang="ko-KR" sz="1000" dirty="0">
-                <a:solidFill>
-                  <a:schemeClr val="bg1">
-                    <a:lumMod val="50000"/>
-                  </a:schemeClr>
-                </a:solidFill>
-                <a:latin typeface="맑은고딕"/>
-              </a:rPr>
-              <a:t>embedding</a:t>
-            </a:r>
-            <a:r>
-              <a:rPr lang="ko-KR" altLang="en-US" sz="1000" dirty="0">
-                <a:solidFill>
-                  <a:schemeClr val="bg1">
-                    <a:lumMod val="50000"/>
-                  </a:schemeClr>
-                </a:solidFill>
-                <a:latin typeface="맑은고딕"/>
-              </a:rPr>
-              <a:t> 방식 차이에 따라 성능을 비교해 보았다</a:t>
-            </a:r>
-            <a:r>
-              <a:rPr lang="en-US" altLang="ko-KR" sz="1000" dirty="0">
+              <a:t>모델과도 비교해 보았다</a:t>
+            </a:r>
+            <a:r>
+              <a:rPr lang="en-US" altLang="ko-KR" sz="1000">
                 <a:solidFill>
                   <a:schemeClr val="bg1">
                     <a:lumMod val="50000"/>
@@ -9193,7 +9233,7 @@
         </p:nvCxnSpPr>
         <p:spPr>
           <a:xfrm>
-            <a:off x="288760" y="7508597"/>
+            <a:off x="288760" y="8294039"/>
             <a:ext cx="0" cy="745960"/>
           </a:xfrm>
           <a:prstGeom prst="line">
@@ -9220,6 +9260,539 @@
           </a:fontRef>
         </p:style>
       </p:cxnSp>
+      <p:sp>
+        <p:nvSpPr>
+          <p:cNvPr id="38" name="Rectangle 1">
+            <a:extLst>
+              <a:ext uri="{FF2B5EF4-FFF2-40B4-BE49-F238E27FC236}">
+                <a16:creationId xmlns:a16="http://schemas.microsoft.com/office/drawing/2014/main" id="{5CBEC54A-F35C-419E-8AFE-E8891A2B44BA}"/>
+              </a:ext>
+            </a:extLst>
+          </p:cNvPr>
+          <p:cNvSpPr>
+            <a:spLocks noChangeArrowheads="1"/>
+          </p:cNvSpPr>
+          <p:nvPr/>
+        </p:nvSpPr>
+        <p:spPr bwMode="auto">
+          <a:xfrm>
+            <a:off x="156411" y="4408801"/>
+            <a:ext cx="4559968" cy="430887"/>
+          </a:xfrm>
+          <a:prstGeom prst="rect">
+            <a:avLst/>
+          </a:prstGeom>
+          <a:noFill/>
+          <a:ln>
+            <a:noFill/>
+          </a:ln>
+          <a:effectLst/>
+          <a:extLst>
+            <a:ext uri="{909E8E84-426E-40DD-AFC4-6F175D3DCCD1}">
+              <a14:hiddenFill xmlns:a14="http://schemas.microsoft.com/office/drawing/2010/main">
+                <a:solidFill>
+                  <a:schemeClr val="accent1"/>
+                </a:solidFill>
+              </a14:hiddenFill>
+            </a:ext>
+            <a:ext uri="{91240B29-F687-4F45-9708-019B960494DF}">
+              <a14:hiddenLine xmlns:a14="http://schemas.microsoft.com/office/drawing/2010/main" w="9525">
+                <a:solidFill>
+                  <a:schemeClr val="tx1"/>
+                </a:solidFill>
+                <a:miter lim="800000"/>
+                <a:headEnd/>
+                <a:tailEnd/>
+              </a14:hiddenLine>
+            </a:ext>
+            <a:ext uri="{AF507438-7753-43E0-B8FC-AC1667EBCBE1}">
+              <a14:hiddenEffects xmlns:a14="http://schemas.microsoft.com/office/drawing/2010/main">
+                <a:effectLst>
+                  <a:outerShdw dist="35921" dir="2700000" algn="ctr" rotWithShape="0">
+                    <a:schemeClr val="bg2"/>
+                  </a:outerShdw>
+                </a:effectLst>
+              </a14:hiddenEffects>
+            </a:ext>
+          </a:extLst>
+        </p:spPr>
+        <p:txBody>
+          <a:bodyPr vert="horz" wrap="square" lIns="91440" tIns="45720" rIns="91440" bIns="45720" numCol="1" anchor="ctr" anchorCtr="0" compatLnSpc="1">
+            <a:prstTxWarp prst="textNoShape">
+              <a:avLst/>
+            </a:prstTxWarp>
+            <a:spAutoFit/>
+          </a:bodyPr>
+          <a:lstStyle>
+            <a:lvl1pPr eaLnBrk="0" fontAlgn="base" hangingPunct="0">
+              <a:spcBef>
+                <a:spcPct val="0"/>
+              </a:spcBef>
+              <a:spcAft>
+                <a:spcPct val="0"/>
+              </a:spcAft>
+              <a:defRPr>
+                <a:solidFill>
+                  <a:schemeClr val="tx1"/>
+                </a:solidFill>
+                <a:latin typeface="Arial" panose="020B0604020202020204" pitchFamily="34" charset="0"/>
+              </a:defRPr>
+            </a:lvl1pPr>
+            <a:lvl2pPr eaLnBrk="0" fontAlgn="base" hangingPunct="0">
+              <a:spcBef>
+                <a:spcPct val="0"/>
+              </a:spcBef>
+              <a:spcAft>
+                <a:spcPct val="0"/>
+              </a:spcAft>
+              <a:defRPr>
+                <a:solidFill>
+                  <a:schemeClr val="tx1"/>
+                </a:solidFill>
+                <a:latin typeface="Arial" panose="020B0604020202020204" pitchFamily="34" charset="0"/>
+              </a:defRPr>
+            </a:lvl2pPr>
+            <a:lvl3pPr eaLnBrk="0" fontAlgn="base" hangingPunct="0">
+              <a:spcBef>
+                <a:spcPct val="0"/>
+              </a:spcBef>
+              <a:spcAft>
+                <a:spcPct val="0"/>
+              </a:spcAft>
+              <a:defRPr>
+                <a:solidFill>
+                  <a:schemeClr val="tx1"/>
+                </a:solidFill>
+                <a:latin typeface="Arial" panose="020B0604020202020204" pitchFamily="34" charset="0"/>
+              </a:defRPr>
+            </a:lvl3pPr>
+            <a:lvl4pPr eaLnBrk="0" fontAlgn="base" hangingPunct="0">
+              <a:spcBef>
+                <a:spcPct val="0"/>
+              </a:spcBef>
+              <a:spcAft>
+                <a:spcPct val="0"/>
+              </a:spcAft>
+              <a:defRPr>
+                <a:solidFill>
+                  <a:schemeClr val="tx1"/>
+                </a:solidFill>
+                <a:latin typeface="Arial" panose="020B0604020202020204" pitchFamily="34" charset="0"/>
+              </a:defRPr>
+            </a:lvl4pPr>
+            <a:lvl5pPr eaLnBrk="0" fontAlgn="base" hangingPunct="0">
+              <a:spcBef>
+                <a:spcPct val="0"/>
+              </a:spcBef>
+              <a:spcAft>
+                <a:spcPct val="0"/>
+              </a:spcAft>
+              <a:defRPr>
+                <a:solidFill>
+                  <a:schemeClr val="tx1"/>
+                </a:solidFill>
+                <a:latin typeface="Arial" panose="020B0604020202020204" pitchFamily="34" charset="0"/>
+              </a:defRPr>
+            </a:lvl5pPr>
+            <a:lvl6pPr eaLnBrk="0" fontAlgn="base" hangingPunct="0">
+              <a:spcBef>
+                <a:spcPct val="0"/>
+              </a:spcBef>
+              <a:spcAft>
+                <a:spcPct val="0"/>
+              </a:spcAft>
+              <a:defRPr>
+                <a:solidFill>
+                  <a:schemeClr val="tx1"/>
+                </a:solidFill>
+                <a:latin typeface="Arial" panose="020B0604020202020204" pitchFamily="34" charset="0"/>
+              </a:defRPr>
+            </a:lvl6pPr>
+            <a:lvl7pPr eaLnBrk="0" fontAlgn="base" hangingPunct="0">
+              <a:spcBef>
+                <a:spcPct val="0"/>
+              </a:spcBef>
+              <a:spcAft>
+                <a:spcPct val="0"/>
+              </a:spcAft>
+              <a:defRPr>
+                <a:solidFill>
+                  <a:schemeClr val="tx1"/>
+                </a:solidFill>
+                <a:latin typeface="Arial" panose="020B0604020202020204" pitchFamily="34" charset="0"/>
+              </a:defRPr>
+            </a:lvl7pPr>
+            <a:lvl8pPr eaLnBrk="0" fontAlgn="base" hangingPunct="0">
+              <a:spcBef>
+                <a:spcPct val="0"/>
+              </a:spcBef>
+              <a:spcAft>
+                <a:spcPct val="0"/>
+              </a:spcAft>
+              <a:defRPr>
+                <a:solidFill>
+                  <a:schemeClr val="tx1"/>
+                </a:solidFill>
+                <a:latin typeface="Arial" panose="020B0604020202020204" pitchFamily="34" charset="0"/>
+              </a:defRPr>
+            </a:lvl8pPr>
+            <a:lvl9pPr eaLnBrk="0" fontAlgn="base" hangingPunct="0">
+              <a:spcBef>
+                <a:spcPct val="0"/>
+              </a:spcBef>
+              <a:spcAft>
+                <a:spcPct val="0"/>
+              </a:spcAft>
+              <a:defRPr>
+                <a:solidFill>
+                  <a:schemeClr val="tx1"/>
+                </a:solidFill>
+                <a:latin typeface="Arial" panose="020B0604020202020204" pitchFamily="34" charset="0"/>
+              </a:defRPr>
+            </a:lvl9pPr>
+          </a:lstStyle>
+          <a:p>
+            <a:pPr marL="171450" marR="0" lvl="0" indent="-171450" algn="l" defTabSz="914400" rtl="0" eaLnBrk="0" fontAlgn="base" latinLnBrk="0" hangingPunct="0">
+              <a:lnSpc>
+                <a:spcPct val="100000"/>
+              </a:lnSpc>
+              <a:spcBef>
+                <a:spcPct val="0"/>
+              </a:spcBef>
+              <a:spcAft>
+                <a:spcPct val="0"/>
+              </a:spcAft>
+              <a:buClrTx/>
+              <a:buSzTx/>
+              <a:buFont typeface="Arial" panose="020B0604020202020204" pitchFamily="34" charset="0"/>
+              <a:buChar char="•"/>
+              <a:tabLst/>
+            </a:pPr>
+            <a:r>
+              <a:rPr lang="ko-KR" altLang="en-US" sz="1100">
+                <a:solidFill>
+                  <a:srgbClr val="333333"/>
+                </a:solidFill>
+                <a:latin typeface="맑은 고딕" panose="020B0503020000020004" pitchFamily="50" charset="-127"/>
+                <a:ea typeface="맑은 고딕" panose="020B0503020000020004" pitchFamily="50" charset="-127"/>
+              </a:rPr>
+              <a:t>한국데이터진흥원 주관 </a:t>
+            </a:r>
+            <a:r>
+              <a:rPr lang="en-US" altLang="ko-KR" sz="1100">
+                <a:solidFill>
+                  <a:srgbClr val="333333"/>
+                </a:solidFill>
+                <a:latin typeface="맑은 고딕" panose="020B0503020000020004" pitchFamily="50" charset="-127"/>
+                <a:ea typeface="맑은 고딕" panose="020B0503020000020004" pitchFamily="50" charset="-127"/>
+              </a:rPr>
+              <a:t>2020 </a:t>
+            </a:r>
+            <a:r>
+              <a:rPr lang="ko-KR" altLang="en-US" sz="1100">
+                <a:solidFill>
+                  <a:srgbClr val="333333"/>
+                </a:solidFill>
+                <a:latin typeface="맑은 고딕" panose="020B0503020000020004" pitchFamily="50" charset="-127"/>
+                <a:ea typeface="맑은 고딕" panose="020B0503020000020004" pitchFamily="50" charset="-127"/>
+              </a:rPr>
+              <a:t>빅콘테스트 공모전</a:t>
+            </a:r>
+            <a:br>
+              <a:rPr lang="en-US" altLang="ko-KR" sz="1100">
+                <a:solidFill>
+                  <a:srgbClr val="333333"/>
+                </a:solidFill>
+                <a:latin typeface="맑은 고딕" panose="020B0503020000020004" pitchFamily="50" charset="-127"/>
+                <a:ea typeface="맑은 고딕" panose="020B0503020000020004" pitchFamily="50" charset="-127"/>
+              </a:rPr>
+            </a:br>
+            <a:r>
+              <a:rPr lang="ko-KR" altLang="en-US" sz="1100">
+                <a:solidFill>
+                  <a:srgbClr val="333333"/>
+                </a:solidFill>
+                <a:latin typeface="맑은 고딕" panose="020B0503020000020004" pitchFamily="50" charset="-127"/>
+                <a:ea typeface="맑은 고딕" panose="020B0503020000020004" pitchFamily="50" charset="-127"/>
+              </a:rPr>
+              <a:t>최우수상</a:t>
+            </a:r>
+            <a:r>
+              <a:rPr lang="en-US" altLang="ko-KR" sz="1100">
+                <a:solidFill>
+                  <a:srgbClr val="333333"/>
+                </a:solidFill>
+                <a:latin typeface="맑은 고딕" panose="020B0503020000020004" pitchFamily="50" charset="-127"/>
+                <a:ea typeface="맑은 고딕" panose="020B0503020000020004" pitchFamily="50" charset="-127"/>
+              </a:rPr>
+              <a:t>(sk</a:t>
+            </a:r>
+            <a:r>
+              <a:rPr lang="ko-KR" altLang="en-US" sz="1100">
+                <a:solidFill>
+                  <a:srgbClr val="333333"/>
+                </a:solidFill>
+                <a:latin typeface="맑은 고딕" panose="020B0503020000020004" pitchFamily="50" charset="-127"/>
+                <a:ea typeface="맑은 고딕" panose="020B0503020000020004" pitchFamily="50" charset="-127"/>
+              </a:rPr>
+              <a:t>텔레콤상</a:t>
+            </a:r>
+            <a:r>
+              <a:rPr lang="en-US" altLang="ko-KR" sz="1100">
+                <a:solidFill>
+                  <a:srgbClr val="333333"/>
+                </a:solidFill>
+                <a:latin typeface="맑은 고딕" panose="020B0503020000020004" pitchFamily="50" charset="-127"/>
+                <a:ea typeface="맑은 고딕" panose="020B0503020000020004" pitchFamily="50" charset="-127"/>
+              </a:rPr>
+              <a:t>) </a:t>
+            </a:r>
+            <a:r>
+              <a:rPr lang="ko-KR" altLang="en-US" sz="1100">
+                <a:solidFill>
+                  <a:srgbClr val="333333"/>
+                </a:solidFill>
+                <a:latin typeface="맑은 고딕" panose="020B0503020000020004" pitchFamily="50" charset="-127"/>
+                <a:ea typeface="맑은 고딕" panose="020B0503020000020004" pitchFamily="50" charset="-127"/>
+              </a:rPr>
+              <a:t>수상</a:t>
+            </a:r>
+            <a:endParaRPr lang="en-US" altLang="ko-KR" sz="1100" dirty="0">
+              <a:solidFill>
+                <a:srgbClr val="333333"/>
+              </a:solidFill>
+              <a:latin typeface="맑은 고딕" panose="020B0503020000020004" pitchFamily="50" charset="-127"/>
+              <a:ea typeface="맑은 고딕" panose="020B0503020000020004" pitchFamily="50" charset="-127"/>
+            </a:endParaRPr>
+          </a:p>
+        </p:txBody>
+      </p:sp>
+      <p:sp>
+        <p:nvSpPr>
+          <p:cNvPr id="40" name="Rectangle 1">
+            <a:extLst>
+              <a:ext uri="{FF2B5EF4-FFF2-40B4-BE49-F238E27FC236}">
+                <a16:creationId xmlns:a16="http://schemas.microsoft.com/office/drawing/2014/main" id="{E4A6BA80-4174-40BA-91BA-C118DF287958}"/>
+              </a:ext>
+            </a:extLst>
+          </p:cNvPr>
+          <p:cNvSpPr>
+            <a:spLocks noChangeArrowheads="1"/>
+          </p:cNvSpPr>
+          <p:nvPr/>
+        </p:nvSpPr>
+        <p:spPr bwMode="auto">
+          <a:xfrm>
+            <a:off x="2622884" y="4501133"/>
+            <a:ext cx="4078705" cy="246221"/>
+          </a:xfrm>
+          <a:prstGeom prst="rect">
+            <a:avLst/>
+          </a:prstGeom>
+          <a:noFill/>
+          <a:ln>
+            <a:noFill/>
+          </a:ln>
+          <a:effectLst/>
+          <a:extLst>
+            <a:ext uri="{909E8E84-426E-40DD-AFC4-6F175D3DCCD1}">
+              <a14:hiddenFill xmlns:a14="http://schemas.microsoft.com/office/drawing/2010/main">
+                <a:solidFill>
+                  <a:schemeClr val="accent1"/>
+                </a:solidFill>
+              </a14:hiddenFill>
+            </a:ext>
+            <a:ext uri="{91240B29-F687-4F45-9708-019B960494DF}">
+              <a14:hiddenLine xmlns:a14="http://schemas.microsoft.com/office/drawing/2010/main" w="9525">
+                <a:solidFill>
+                  <a:schemeClr val="tx1"/>
+                </a:solidFill>
+                <a:miter lim="800000"/>
+                <a:headEnd/>
+                <a:tailEnd/>
+              </a14:hiddenLine>
+            </a:ext>
+            <a:ext uri="{AF507438-7753-43E0-B8FC-AC1667EBCBE1}">
+              <a14:hiddenEffects xmlns:a14="http://schemas.microsoft.com/office/drawing/2010/main">
+                <a:effectLst>
+                  <a:outerShdw dist="35921" dir="2700000" algn="ctr" rotWithShape="0">
+                    <a:schemeClr val="bg2"/>
+                  </a:outerShdw>
+                </a:effectLst>
+              </a14:hiddenEffects>
+            </a:ext>
+          </a:extLst>
+        </p:spPr>
+        <p:txBody>
+          <a:bodyPr vert="horz" wrap="square" lIns="91440" tIns="45720" rIns="91440" bIns="45720" numCol="1" anchor="ctr" anchorCtr="0" compatLnSpc="1">
+            <a:prstTxWarp prst="textNoShape">
+              <a:avLst/>
+            </a:prstTxWarp>
+            <a:spAutoFit/>
+          </a:bodyPr>
+          <a:lstStyle>
+            <a:lvl1pPr eaLnBrk="0" fontAlgn="base" hangingPunct="0">
+              <a:spcBef>
+                <a:spcPct val="0"/>
+              </a:spcBef>
+              <a:spcAft>
+                <a:spcPct val="0"/>
+              </a:spcAft>
+              <a:defRPr>
+                <a:solidFill>
+                  <a:schemeClr val="tx1"/>
+                </a:solidFill>
+                <a:latin typeface="Arial" panose="020B0604020202020204" pitchFamily="34" charset="0"/>
+              </a:defRPr>
+            </a:lvl1pPr>
+            <a:lvl2pPr eaLnBrk="0" fontAlgn="base" hangingPunct="0">
+              <a:spcBef>
+                <a:spcPct val="0"/>
+              </a:spcBef>
+              <a:spcAft>
+                <a:spcPct val="0"/>
+              </a:spcAft>
+              <a:defRPr>
+                <a:solidFill>
+                  <a:schemeClr val="tx1"/>
+                </a:solidFill>
+                <a:latin typeface="Arial" panose="020B0604020202020204" pitchFamily="34" charset="0"/>
+              </a:defRPr>
+            </a:lvl2pPr>
+            <a:lvl3pPr eaLnBrk="0" fontAlgn="base" hangingPunct="0">
+              <a:spcBef>
+                <a:spcPct val="0"/>
+              </a:spcBef>
+              <a:spcAft>
+                <a:spcPct val="0"/>
+              </a:spcAft>
+              <a:defRPr>
+                <a:solidFill>
+                  <a:schemeClr val="tx1"/>
+                </a:solidFill>
+                <a:latin typeface="Arial" panose="020B0604020202020204" pitchFamily="34" charset="0"/>
+              </a:defRPr>
+            </a:lvl3pPr>
+            <a:lvl4pPr eaLnBrk="0" fontAlgn="base" hangingPunct="0">
+              <a:spcBef>
+                <a:spcPct val="0"/>
+              </a:spcBef>
+              <a:spcAft>
+                <a:spcPct val="0"/>
+              </a:spcAft>
+              <a:defRPr>
+                <a:solidFill>
+                  <a:schemeClr val="tx1"/>
+                </a:solidFill>
+                <a:latin typeface="Arial" panose="020B0604020202020204" pitchFamily="34" charset="0"/>
+              </a:defRPr>
+            </a:lvl4pPr>
+            <a:lvl5pPr eaLnBrk="0" fontAlgn="base" hangingPunct="0">
+              <a:spcBef>
+                <a:spcPct val="0"/>
+              </a:spcBef>
+              <a:spcAft>
+                <a:spcPct val="0"/>
+              </a:spcAft>
+              <a:defRPr>
+                <a:solidFill>
+                  <a:schemeClr val="tx1"/>
+                </a:solidFill>
+                <a:latin typeface="Arial" panose="020B0604020202020204" pitchFamily="34" charset="0"/>
+              </a:defRPr>
+            </a:lvl5pPr>
+            <a:lvl6pPr eaLnBrk="0" fontAlgn="base" hangingPunct="0">
+              <a:spcBef>
+                <a:spcPct val="0"/>
+              </a:spcBef>
+              <a:spcAft>
+                <a:spcPct val="0"/>
+              </a:spcAft>
+              <a:defRPr>
+                <a:solidFill>
+                  <a:schemeClr val="tx1"/>
+                </a:solidFill>
+                <a:latin typeface="Arial" panose="020B0604020202020204" pitchFamily="34" charset="0"/>
+              </a:defRPr>
+            </a:lvl6pPr>
+            <a:lvl7pPr eaLnBrk="0" fontAlgn="base" hangingPunct="0">
+              <a:spcBef>
+                <a:spcPct val="0"/>
+              </a:spcBef>
+              <a:spcAft>
+                <a:spcPct val="0"/>
+              </a:spcAft>
+              <a:defRPr>
+                <a:solidFill>
+                  <a:schemeClr val="tx1"/>
+                </a:solidFill>
+                <a:latin typeface="Arial" panose="020B0604020202020204" pitchFamily="34" charset="0"/>
+              </a:defRPr>
+            </a:lvl7pPr>
+            <a:lvl8pPr eaLnBrk="0" fontAlgn="base" hangingPunct="0">
+              <a:spcBef>
+                <a:spcPct val="0"/>
+              </a:spcBef>
+              <a:spcAft>
+                <a:spcPct val="0"/>
+              </a:spcAft>
+              <a:defRPr>
+                <a:solidFill>
+                  <a:schemeClr val="tx1"/>
+                </a:solidFill>
+                <a:latin typeface="Arial" panose="020B0604020202020204" pitchFamily="34" charset="0"/>
+              </a:defRPr>
+            </a:lvl8pPr>
+            <a:lvl9pPr eaLnBrk="0" fontAlgn="base" hangingPunct="0">
+              <a:spcBef>
+                <a:spcPct val="0"/>
+              </a:spcBef>
+              <a:spcAft>
+                <a:spcPct val="0"/>
+              </a:spcAft>
+              <a:defRPr>
+                <a:solidFill>
+                  <a:schemeClr val="tx1"/>
+                </a:solidFill>
+                <a:latin typeface="Arial" panose="020B0604020202020204" pitchFamily="34" charset="0"/>
+              </a:defRPr>
+            </a:lvl9pPr>
+          </a:lstStyle>
+          <a:p>
+            <a:pPr marR="0" lvl="0" algn="r" defTabSz="914400" rtl="0" eaLnBrk="0" fontAlgn="base" latinLnBrk="0" hangingPunct="0">
+              <a:lnSpc>
+                <a:spcPct val="100000"/>
+              </a:lnSpc>
+              <a:spcBef>
+                <a:spcPct val="0"/>
+              </a:spcBef>
+              <a:spcAft>
+                <a:spcPct val="0"/>
+              </a:spcAft>
+              <a:buClrTx/>
+              <a:buSzTx/>
+              <a:tabLst/>
+            </a:pPr>
+            <a:r>
+              <a:rPr lang="en-US" altLang="ko-KR" sz="1000">
+                <a:solidFill>
+                  <a:srgbClr val="333333"/>
+                </a:solidFill>
+                <a:latin typeface="맑은 고딕" panose="020B0503020000020004" pitchFamily="50" charset="-127"/>
+                <a:ea typeface="맑은 고딕" panose="020B0503020000020004" pitchFamily="50" charset="-127"/>
+              </a:rPr>
+              <a:t>2020.12.15</a:t>
+            </a:r>
+            <a:endParaRPr lang="en-US" altLang="ko-KR" sz="1000" dirty="0">
+              <a:solidFill>
+                <a:srgbClr val="333333"/>
+              </a:solidFill>
+              <a:latin typeface="맑은 고딕" panose="020B0503020000020004" pitchFamily="50" charset="-127"/>
+              <a:ea typeface="맑은 고딕" panose="020B0503020000020004" pitchFamily="50" charset="-127"/>
+            </a:endParaRPr>
+          </a:p>
+        </p:txBody>
+      </p:sp>
     </p:spTree>
     <p:extLst>
       <p:ext uri="{BB962C8B-B14F-4D97-AF65-F5344CB8AC3E}">
@@ -10033,7 +10606,7 @@
         </p:nvSpPr>
         <p:spPr bwMode="auto">
           <a:xfrm>
-            <a:off x="2310063" y="3106695"/>
+            <a:off x="2610849" y="3513095"/>
             <a:ext cx="4078705" cy="261610"/>
           </a:xfrm>
           <a:prstGeom prst="rect">
@@ -10224,15 +10797,22 @@
               <a:tabLst/>
             </a:pPr>
             <a:r>
-              <a:rPr lang="en-US" altLang="ko-KR" sz="1050" dirty="0">
-                <a:solidFill>
-                  <a:srgbClr val="333333"/>
-                </a:solidFill>
-                <a:latin typeface="맑은 고딕" panose="020B0503020000020004" pitchFamily="50" charset="-127"/>
-                <a:ea typeface="맑은 고딕" panose="020B0503020000020004" pitchFamily="50" charset="-127"/>
-              </a:rPr>
-              <a:t>20.08.23.~   </a:t>
-            </a:r>
+              <a:rPr lang="en-US" altLang="ko-KR" sz="1050">
+                <a:solidFill>
+                  <a:srgbClr val="333333"/>
+                </a:solidFill>
+                <a:latin typeface="맑은 고딕" panose="020B0503020000020004" pitchFamily="50" charset="-127"/>
+                <a:ea typeface="맑은 고딕" panose="020B0503020000020004" pitchFamily="50" charset="-127"/>
+              </a:rPr>
+              <a:t>20.08.23.~20.09.28   </a:t>
+            </a:r>
+            <a:endParaRPr lang="en-US" altLang="ko-KR" sz="1050" dirty="0">
+              <a:solidFill>
+                <a:srgbClr val="333333"/>
+              </a:solidFill>
+              <a:latin typeface="맑은 고딕" panose="020B0503020000020004" pitchFamily="50" charset="-127"/>
+              <a:ea typeface="맑은 고딕" panose="020B0503020000020004" pitchFamily="50" charset="-127"/>
+            </a:endParaRPr>
           </a:p>
         </p:txBody>
       </p:sp>
@@ -10252,7 +10832,7 @@
         </p:nvSpPr>
         <p:spPr bwMode="auto">
           <a:xfrm>
-            <a:off x="156411" y="3121675"/>
+            <a:off x="156411" y="3528075"/>
             <a:ext cx="6509084" cy="261610"/>
           </a:xfrm>
           <a:prstGeom prst="rect">
@@ -10510,8 +11090,8 @@
         </p:nvSpPr>
         <p:spPr bwMode="auto">
           <a:xfrm>
-            <a:off x="156411" y="3960012"/>
-            <a:ext cx="6509084" cy="1169551"/>
+            <a:off x="156411" y="4289468"/>
+            <a:ext cx="6509084" cy="1323439"/>
           </a:xfrm>
           <a:prstGeom prst="rect">
             <a:avLst/>
@@ -10754,7 +11334,7 @@
             </a:endParaRPr>
           </a:p>
           <a:p>
-            <a:pPr marR="0" lvl="0" algn="just" defTabSz="914400" rtl="0" eaLnBrk="0" fontAlgn="base" latinLnBrk="0" hangingPunct="0">
+            <a:pPr marL="171450" marR="0" lvl="0" indent="-171450" algn="just" defTabSz="914400" rtl="0" eaLnBrk="0" fontAlgn="base" latinLnBrk="0" hangingPunct="0">
               <a:lnSpc>
                 <a:spcPct val="100000"/>
               </a:lnSpc>
@@ -10766,9 +11346,240 @@
               </a:spcAft>
               <a:buClrTx/>
               <a:buSzTx/>
+              <a:buFontTx/>
+              <a:buChar char="-"/>
               <a:tabLst/>
             </a:pPr>
             <a:r>
+              <a:rPr lang="ko-KR" altLang="en-US" sz="1000">
+                <a:solidFill>
+                  <a:srgbClr val="333333"/>
+                </a:solidFill>
+                <a:latin typeface="맑은 고딕" panose="020B0503020000020004" pitchFamily="50" charset="-127"/>
+                <a:ea typeface="맑은 고딕" panose="020B0503020000020004" pitchFamily="50" charset="-127"/>
+              </a:rPr>
+              <a:t>공공데이터 포털 서울시 상권데이터</a:t>
+            </a:r>
+            <a:r>
+              <a:rPr lang="en-US" altLang="ko-KR" sz="1000">
+                <a:solidFill>
+                  <a:srgbClr val="333333"/>
+                </a:solidFill>
+                <a:latin typeface="맑은 고딕" panose="020B0503020000020004" pitchFamily="50" charset="-127"/>
+                <a:ea typeface="맑은 고딕" panose="020B0503020000020004" pitchFamily="50" charset="-127"/>
+              </a:rPr>
+              <a:t>, </a:t>
+            </a:r>
+            <a:r>
+              <a:rPr lang="ko-KR" altLang="en-US" sz="1000">
+                <a:solidFill>
+                  <a:srgbClr val="333333"/>
+                </a:solidFill>
+                <a:latin typeface="맑은 고딕" panose="020B0503020000020004" pitchFamily="50" charset="-127"/>
+                <a:ea typeface="맑은 고딕" panose="020B0503020000020004" pitchFamily="50" charset="-127"/>
+              </a:rPr>
+              <a:t>지하철 하차인원데이터를 이용하여</a:t>
+            </a:r>
+            <a:r>
+              <a:rPr lang="en-US" altLang="ko-KR" sz="1000">
+                <a:solidFill>
+                  <a:srgbClr val="333333"/>
+                </a:solidFill>
+                <a:latin typeface="맑은 고딕" panose="020B0503020000020004" pitchFamily="50" charset="-127"/>
+                <a:ea typeface="맑은 고딕" panose="020B0503020000020004" pitchFamily="50" charset="-127"/>
+              </a:rPr>
+              <a:t> </a:t>
+            </a:r>
+            <a:r>
+              <a:rPr lang="ko-KR" altLang="en-US" sz="1000">
+                <a:solidFill>
+                  <a:srgbClr val="333333"/>
+                </a:solidFill>
+                <a:latin typeface="맑은 고딕" panose="020B0503020000020004" pitchFamily="50" charset="-127"/>
+                <a:ea typeface="맑은 고딕" panose="020B0503020000020004" pitchFamily="50" charset="-127"/>
+              </a:rPr>
+              <a:t>코로나 전후</a:t>
+            </a:r>
+            <a:r>
+              <a:rPr lang="en-US" altLang="ko-KR" sz="1000">
+                <a:solidFill>
+                  <a:srgbClr val="333333"/>
+                </a:solidFill>
+                <a:latin typeface="맑은 고딕" panose="020B0503020000020004" pitchFamily="50" charset="-127"/>
+                <a:ea typeface="맑은 고딕" panose="020B0503020000020004" pitchFamily="50" charset="-127"/>
+              </a:rPr>
+              <a:t> </a:t>
+            </a:r>
+            <a:r>
+              <a:rPr lang="ko-KR" altLang="en-US" sz="1000">
+                <a:solidFill>
+                  <a:srgbClr val="333333"/>
+                </a:solidFill>
+                <a:latin typeface="맑은 고딕" panose="020B0503020000020004" pitchFamily="50" charset="-127"/>
+                <a:ea typeface="맑은 고딕" panose="020B0503020000020004" pitchFamily="50" charset="-127"/>
+              </a:rPr>
+              <a:t>동별 상권 수 변화량과</a:t>
+            </a:r>
+            <a:br>
+              <a:rPr lang="en-US" altLang="ko-KR" sz="1000">
+                <a:solidFill>
+                  <a:srgbClr val="333333"/>
+                </a:solidFill>
+                <a:latin typeface="맑은 고딕" panose="020B0503020000020004" pitchFamily="50" charset="-127"/>
+                <a:ea typeface="맑은 고딕" panose="020B0503020000020004" pitchFamily="50" charset="-127"/>
+              </a:rPr>
+            </a:br>
+            <a:r>
+              <a:rPr lang="ko-KR" altLang="en-US" sz="1000">
+                <a:solidFill>
+                  <a:srgbClr val="333333"/>
+                </a:solidFill>
+                <a:latin typeface="맑은 고딕" panose="020B0503020000020004" pitchFamily="50" charset="-127"/>
+                <a:ea typeface="맑은 고딕" panose="020B0503020000020004" pitchFamily="50" charset="-127"/>
+              </a:rPr>
+              <a:t>    유동인구 간의 상관관계 분석</a:t>
+            </a:r>
+            <a:endParaRPr lang="en-US" altLang="ko-KR" sz="1000">
+              <a:solidFill>
+                <a:srgbClr val="333333"/>
+              </a:solidFill>
+              <a:latin typeface="맑은 고딕" panose="020B0503020000020004" pitchFamily="50" charset="-127"/>
+              <a:ea typeface="맑은 고딕" panose="020B0503020000020004" pitchFamily="50" charset="-127"/>
+            </a:endParaRPr>
+          </a:p>
+          <a:p>
+            <a:pPr marL="171450" marR="0" lvl="0" indent="-171450" algn="just" defTabSz="914400" rtl="0" eaLnBrk="0" fontAlgn="base" latinLnBrk="0" hangingPunct="0">
+              <a:lnSpc>
+                <a:spcPct val="100000"/>
+              </a:lnSpc>
+              <a:spcBef>
+                <a:spcPct val="0"/>
+              </a:spcBef>
+              <a:spcAft>
+                <a:spcPct val="0"/>
+              </a:spcAft>
+              <a:buClrTx/>
+              <a:buSzTx/>
+              <a:buFontTx/>
+              <a:buChar char="-"/>
+              <a:tabLst/>
+            </a:pPr>
+            <a:r>
+              <a:rPr lang="ko-KR" altLang="en-US" sz="1000">
+                <a:solidFill>
+                  <a:srgbClr val="333333"/>
+                </a:solidFill>
+                <a:latin typeface="맑은 고딕" panose="020B0503020000020004" pitchFamily="50" charset="-127"/>
+                <a:ea typeface="맑은 고딕" panose="020B0503020000020004" pitchFamily="50" charset="-127"/>
+              </a:rPr>
+              <a:t>지하철 하차 인원수</a:t>
+            </a:r>
+            <a:r>
+              <a:rPr lang="en-US" altLang="ko-KR" sz="1000">
+                <a:solidFill>
+                  <a:srgbClr val="333333"/>
+                </a:solidFill>
+                <a:latin typeface="맑은 고딕" panose="020B0503020000020004" pitchFamily="50" charset="-127"/>
+                <a:ea typeface="맑은 고딕" panose="020B0503020000020004" pitchFamily="50" charset="-127"/>
+              </a:rPr>
+              <a:t>(</a:t>
+            </a:r>
+            <a:r>
+              <a:rPr lang="ko-KR" altLang="en-US" sz="1000">
+                <a:solidFill>
+                  <a:srgbClr val="333333"/>
+                </a:solidFill>
+                <a:latin typeface="맑은 고딕" panose="020B0503020000020004" pitchFamily="50" charset="-127"/>
+                <a:ea typeface="맑은 고딕" panose="020B0503020000020004" pitchFamily="50" charset="-127"/>
+              </a:rPr>
+              <a:t>유동인구</a:t>
+            </a:r>
+            <a:r>
+              <a:rPr lang="en-US" altLang="ko-KR" sz="1000">
+                <a:solidFill>
+                  <a:srgbClr val="333333"/>
+                </a:solidFill>
+                <a:latin typeface="맑은 고딕" panose="020B0503020000020004" pitchFamily="50" charset="-127"/>
+                <a:ea typeface="맑은 고딕" panose="020B0503020000020004" pitchFamily="50" charset="-127"/>
+              </a:rPr>
+              <a:t>) </a:t>
+            </a:r>
+            <a:r>
+              <a:rPr lang="ko-KR" altLang="en-US" sz="1000">
+                <a:solidFill>
+                  <a:srgbClr val="333333"/>
+                </a:solidFill>
+                <a:latin typeface="맑은 고딕" panose="020B0503020000020004" pitchFamily="50" charset="-127"/>
+                <a:ea typeface="맑은 고딕" panose="020B0503020000020004" pitchFamily="50" charset="-127"/>
+              </a:rPr>
+              <a:t>예측</a:t>
+            </a:r>
+            <a:r>
+              <a:rPr lang="en-US" altLang="ko-KR" sz="1000">
+                <a:solidFill>
+                  <a:srgbClr val="333333"/>
+                </a:solidFill>
+                <a:latin typeface="맑은 고딕" panose="020B0503020000020004" pitchFamily="50" charset="-127"/>
+                <a:ea typeface="맑은 고딕" panose="020B0503020000020004" pitchFamily="50" charset="-127"/>
+              </a:rPr>
+              <a:t> </a:t>
+            </a:r>
+            <a:r>
+              <a:rPr lang="ko-KR" altLang="en-US" sz="1000">
+                <a:solidFill>
+                  <a:srgbClr val="333333"/>
+                </a:solidFill>
+                <a:latin typeface="맑은 고딕" panose="020B0503020000020004" pitchFamily="50" charset="-127"/>
+                <a:ea typeface="맑은 고딕" panose="020B0503020000020004" pitchFamily="50" charset="-127"/>
+              </a:rPr>
+              <a:t>모델링</a:t>
+            </a:r>
+            <a:endParaRPr lang="en-US" altLang="ko-KR" sz="1000">
+              <a:solidFill>
+                <a:srgbClr val="333333"/>
+              </a:solidFill>
+              <a:latin typeface="맑은 고딕" panose="020B0503020000020004" pitchFamily="50" charset="-127"/>
+              <a:ea typeface="맑은 고딕" panose="020B0503020000020004" pitchFamily="50" charset="-127"/>
+            </a:endParaRPr>
+          </a:p>
+          <a:p>
+            <a:pPr marL="171450" marR="0" lvl="0" indent="-171450" algn="just" defTabSz="914400" rtl="0" eaLnBrk="0" fontAlgn="base" latinLnBrk="0" hangingPunct="0">
+              <a:lnSpc>
+                <a:spcPct val="100000"/>
+              </a:lnSpc>
+              <a:spcBef>
+                <a:spcPct val="0"/>
+              </a:spcBef>
+              <a:spcAft>
+                <a:spcPct val="0"/>
+              </a:spcAft>
+              <a:buClrTx/>
+              <a:buSzTx/>
+              <a:buFontTx/>
+              <a:buChar char="-"/>
+              <a:tabLst/>
+            </a:pPr>
+            <a:r>
+              <a:rPr lang="en-US" altLang="ko-KR" sz="1000">
+                <a:solidFill>
+                  <a:srgbClr val="333333"/>
+                </a:solidFill>
+                <a:latin typeface="맑은 고딕" panose="020B0503020000020004" pitchFamily="50" charset="-127"/>
+                <a:ea typeface="맑은 고딕" panose="020B0503020000020004" pitchFamily="50" charset="-127"/>
+              </a:rPr>
+              <a:t>google</a:t>
+            </a:r>
+            <a:r>
+              <a:rPr lang="ko-KR" altLang="en-US" sz="1000">
+                <a:solidFill>
+                  <a:srgbClr val="333333"/>
+                </a:solidFill>
+                <a:latin typeface="맑은 고딕" panose="020B0503020000020004" pitchFamily="50" charset="-127"/>
+                <a:ea typeface="맑은 고딕" panose="020B0503020000020004" pitchFamily="50" charset="-127"/>
+              </a:rPr>
+              <a:t> </a:t>
+            </a:r>
+            <a:r>
               <a:rPr lang="en-US" altLang="ko-KR" sz="1000" dirty="0">
                 <a:solidFill>
                   <a:srgbClr val="333333"/>
@@ -10776,7 +11587,17 @@
                 <a:latin typeface="맑은 고딕" panose="020B0503020000020004" pitchFamily="50" charset="-127"/>
                 <a:ea typeface="맑은 고딕" panose="020B0503020000020004" pitchFamily="50" charset="-127"/>
               </a:rPr>
-              <a:t>-</a:t>
+              <a:t>map </a:t>
+            </a:r>
+            <a:r>
+              <a:rPr lang="en-US" altLang="ko-KR" sz="1000" dirty="0" err="1">
+                <a:solidFill>
+                  <a:srgbClr val="333333"/>
+                </a:solidFill>
+                <a:latin typeface="맑은 고딕" panose="020B0503020000020004" pitchFamily="50" charset="-127"/>
+                <a:ea typeface="맑은 고딕" panose="020B0503020000020004" pitchFamily="50" charset="-127"/>
+              </a:rPr>
+              <a:t>api</a:t>
             </a:r>
             <a:r>
               <a:rPr lang="ko-KR" altLang="en-US" sz="1000" dirty="0">
@@ -10786,57 +11607,7 @@
                 <a:latin typeface="맑은 고딕" panose="020B0503020000020004" pitchFamily="50" charset="-127"/>
                 <a:ea typeface="맑은 고딕" panose="020B0503020000020004" pitchFamily="50" charset="-127"/>
               </a:rPr>
-              <a:t>  공공데이터 포털 서울시 상권데이터</a:t>
-            </a:r>
-            <a:r>
-              <a:rPr lang="en-US" altLang="ko-KR" sz="1000" dirty="0">
-                <a:solidFill>
-                  <a:srgbClr val="333333"/>
-                </a:solidFill>
-                <a:latin typeface="맑은 고딕" panose="020B0503020000020004" pitchFamily="50" charset="-127"/>
-                <a:ea typeface="맑은 고딕" panose="020B0503020000020004" pitchFamily="50" charset="-127"/>
-              </a:rPr>
-              <a:t>, </a:t>
-            </a:r>
-            <a:r>
-              <a:rPr lang="ko-KR" altLang="en-US" sz="1000" dirty="0">
-                <a:solidFill>
-                  <a:srgbClr val="333333"/>
-                </a:solidFill>
-                <a:latin typeface="맑은 고딕" panose="020B0503020000020004" pitchFamily="50" charset="-127"/>
-                <a:ea typeface="맑은 고딕" panose="020B0503020000020004" pitchFamily="50" charset="-127"/>
-              </a:rPr>
-              <a:t>지하철 하차인원데이터를 이용하여</a:t>
-            </a:r>
-            <a:r>
-              <a:rPr lang="en-US" altLang="ko-KR" sz="1000" dirty="0">
-                <a:solidFill>
-                  <a:srgbClr val="333333"/>
-                </a:solidFill>
-                <a:latin typeface="맑은 고딕" panose="020B0503020000020004" pitchFamily="50" charset="-127"/>
-                <a:ea typeface="맑은 고딕" panose="020B0503020000020004" pitchFamily="50" charset="-127"/>
-              </a:rPr>
-              <a:t> </a:t>
-            </a:r>
-            <a:r>
-              <a:rPr lang="ko-KR" altLang="en-US" sz="1000" dirty="0">
-                <a:solidFill>
-                  <a:srgbClr val="333333"/>
-                </a:solidFill>
-                <a:latin typeface="맑은 고딕" panose="020B0503020000020004" pitchFamily="50" charset="-127"/>
-                <a:ea typeface="맑은 고딕" panose="020B0503020000020004" pitchFamily="50" charset="-127"/>
-              </a:rPr>
-              <a:t>코로나 전후</a:t>
-            </a:r>
-            <a:r>
-              <a:rPr lang="en-US" altLang="ko-KR" sz="1000" dirty="0">
-                <a:solidFill>
-                  <a:srgbClr val="333333"/>
-                </a:solidFill>
-                <a:latin typeface="맑은 고딕" panose="020B0503020000020004" pitchFamily="50" charset="-127"/>
-                <a:ea typeface="맑은 고딕" panose="020B0503020000020004" pitchFamily="50" charset="-127"/>
-              </a:rPr>
-              <a:t> </a:t>
+              <a:t>이용하여 상권정보 및 이용자 데이터 수집 및 데이터 </a:t>
             </a:r>
             <a:r>
               <a:rPr lang="ko-KR" altLang="en-US" sz="1000" dirty="0" err="1">
@@ -10846,36 +11617,7 @@
                 <a:latin typeface="맑은 고딕" panose="020B0503020000020004" pitchFamily="50" charset="-127"/>
                 <a:ea typeface="맑은 고딕" panose="020B0503020000020004" pitchFamily="50" charset="-127"/>
               </a:rPr>
-              <a:t>동별</a:t>
-            </a:r>
-            <a:r>
-              <a:rPr lang="ko-KR" altLang="en-US" sz="1000" dirty="0">
-                <a:solidFill>
-                  <a:srgbClr val="333333"/>
-                </a:solidFill>
-                <a:latin typeface="맑은 고딕" panose="020B0503020000020004" pitchFamily="50" charset="-127"/>
-                <a:ea typeface="맑은 고딕" panose="020B0503020000020004" pitchFamily="50" charset="-127"/>
-              </a:rPr>
-              <a:t> 상권 수 변화량과</a:t>
-            </a:r>
-            <a:br>
-              <a:rPr lang="en-US" altLang="ko-KR" sz="1000" dirty="0">
-                <a:solidFill>
-                  <a:srgbClr val="333333"/>
-                </a:solidFill>
-                <a:latin typeface="맑은 고딕" panose="020B0503020000020004" pitchFamily="50" charset="-127"/>
-                <a:ea typeface="맑은 고딕" panose="020B0503020000020004" pitchFamily="50" charset="-127"/>
-              </a:rPr>
-            </a:br>
-            <a:r>
-              <a:rPr lang="ko-KR" altLang="en-US" sz="1000" dirty="0">
-                <a:solidFill>
-                  <a:srgbClr val="333333"/>
-                </a:solidFill>
-                <a:latin typeface="맑은 고딕" panose="020B0503020000020004" pitchFamily="50" charset="-127"/>
-                <a:ea typeface="맑은 고딕" panose="020B0503020000020004" pitchFamily="50" charset="-127"/>
-              </a:rPr>
-              <a:t>    지하철역 하차 인원수 변화량과의 상관관계 분석</a:t>
+              <a:t>전처리</a:t>
             </a:r>
             <a:endParaRPr lang="en-US" altLang="ko-KR" sz="1000" dirty="0">
               <a:solidFill>
@@ -10886,89 +11628,6 @@
             </a:endParaRPr>
           </a:p>
           <a:p>
-            <a:pPr marR="0" lvl="0" algn="l" defTabSz="914400" rtl="0" eaLnBrk="0" fontAlgn="base" latinLnBrk="0" hangingPunct="0">
-              <a:lnSpc>
-                <a:spcPct val="100000"/>
-              </a:lnSpc>
-              <a:spcBef>
-                <a:spcPct val="0"/>
-              </a:spcBef>
-              <a:spcAft>
-                <a:spcPct val="0"/>
-              </a:spcAft>
-              <a:buClrTx/>
-              <a:buSzTx/>
-              <a:tabLst/>
-            </a:pPr>
-            <a:r>
-              <a:rPr lang="en-US" altLang="ko-KR" sz="1000" dirty="0">
-                <a:solidFill>
-                  <a:srgbClr val="333333"/>
-                </a:solidFill>
-                <a:latin typeface="맑은 고딕" panose="020B0503020000020004" pitchFamily="50" charset="-127"/>
-                <a:ea typeface="맑은 고딕" panose="020B0503020000020004" pitchFamily="50" charset="-127"/>
-              </a:rPr>
-              <a:t>- google</a:t>
-            </a:r>
-            <a:r>
-              <a:rPr lang="ko-KR" altLang="en-US" sz="1000" dirty="0">
-                <a:solidFill>
-                  <a:srgbClr val="333333"/>
-                </a:solidFill>
-                <a:latin typeface="맑은 고딕" panose="020B0503020000020004" pitchFamily="50" charset="-127"/>
-                <a:ea typeface="맑은 고딕" panose="020B0503020000020004" pitchFamily="50" charset="-127"/>
-              </a:rPr>
-              <a:t> </a:t>
-            </a:r>
-            <a:r>
-              <a:rPr lang="en-US" altLang="ko-KR" sz="1000" dirty="0">
-                <a:solidFill>
-                  <a:srgbClr val="333333"/>
-                </a:solidFill>
-                <a:latin typeface="맑은 고딕" panose="020B0503020000020004" pitchFamily="50" charset="-127"/>
-                <a:ea typeface="맑은 고딕" panose="020B0503020000020004" pitchFamily="50" charset="-127"/>
-              </a:rPr>
-              <a:t>map </a:t>
-            </a:r>
-            <a:r>
-              <a:rPr lang="en-US" altLang="ko-KR" sz="1000" dirty="0" err="1">
-                <a:solidFill>
-                  <a:srgbClr val="333333"/>
-                </a:solidFill>
-                <a:latin typeface="맑은 고딕" panose="020B0503020000020004" pitchFamily="50" charset="-127"/>
-                <a:ea typeface="맑은 고딕" panose="020B0503020000020004" pitchFamily="50" charset="-127"/>
-              </a:rPr>
-              <a:t>api</a:t>
-            </a:r>
-            <a:r>
-              <a:rPr lang="ko-KR" altLang="en-US" sz="1000" dirty="0">
-                <a:solidFill>
-                  <a:srgbClr val="333333"/>
-                </a:solidFill>
-                <a:latin typeface="맑은 고딕" panose="020B0503020000020004" pitchFamily="50" charset="-127"/>
-                <a:ea typeface="맑은 고딕" panose="020B0503020000020004" pitchFamily="50" charset="-127"/>
-              </a:rPr>
-              <a:t>이용하여 상권정보 및 이용자 데이터 수집 및 데이터 </a:t>
-            </a:r>
-            <a:r>
-              <a:rPr lang="ko-KR" altLang="en-US" sz="1000" dirty="0" err="1">
-                <a:solidFill>
-                  <a:srgbClr val="333333"/>
-                </a:solidFill>
-                <a:latin typeface="맑은 고딕" panose="020B0503020000020004" pitchFamily="50" charset="-127"/>
-                <a:ea typeface="맑은 고딕" panose="020B0503020000020004" pitchFamily="50" charset="-127"/>
-              </a:rPr>
-              <a:t>전처리</a:t>
-            </a:r>
-            <a:endParaRPr lang="en-US" altLang="ko-KR" sz="1000" dirty="0">
-              <a:solidFill>
-                <a:srgbClr val="333333"/>
-              </a:solidFill>
-              <a:latin typeface="맑은 고딕" panose="020B0503020000020004" pitchFamily="50" charset="-127"/>
-              <a:ea typeface="맑은 고딕" panose="020B0503020000020004" pitchFamily="50" charset="-127"/>
-            </a:endParaRPr>
-          </a:p>
-          <a:p>
             <a:pPr marL="171450" marR="0" lvl="0" indent="-171450" algn="l" defTabSz="914400" rtl="0" eaLnBrk="0" fontAlgn="base" latinLnBrk="0" hangingPunct="0">
               <a:lnSpc>
                 <a:spcPct val="100000"/>
@@ -11111,17 +11770,27 @@
                 <a:latin typeface="맑은 고딕" panose="020B0503020000020004" pitchFamily="50" charset="-127"/>
                 <a:ea typeface="맑은 고딕" panose="020B0503020000020004" pitchFamily="50" charset="-127"/>
               </a:rPr>
-              <a:t>list up </a:t>
-            </a:r>
-            <a:r>
-              <a:rPr lang="ko-KR" altLang="en-US" sz="1000" dirty="0">
-                <a:solidFill>
-                  <a:srgbClr val="333333"/>
-                </a:solidFill>
-                <a:latin typeface="맑은 고딕" panose="020B0503020000020004" pitchFamily="50" charset="-127"/>
-                <a:ea typeface="맑은 고딕" panose="020B0503020000020004" pitchFamily="50" charset="-127"/>
-              </a:rPr>
-              <a:t>구현</a:t>
+              <a:t>list </a:t>
+            </a:r>
+            <a:r>
+              <a:rPr lang="en-US" altLang="ko-KR" sz="1000">
+                <a:solidFill>
+                  <a:srgbClr val="333333"/>
+                </a:solidFill>
+                <a:latin typeface="맑은 고딕" panose="020B0503020000020004" pitchFamily="50" charset="-127"/>
+                <a:ea typeface="맑은 고딕" panose="020B0503020000020004" pitchFamily="50" charset="-127"/>
+              </a:rPr>
+              <a:t>up </a:t>
+            </a:r>
+            <a:r>
+              <a:rPr lang="ko-KR" altLang="en-US" sz="1000">
+                <a:solidFill>
+                  <a:srgbClr val="333333"/>
+                </a:solidFill>
+                <a:latin typeface="맑은 고딕" panose="020B0503020000020004" pitchFamily="50" charset="-127"/>
+                <a:ea typeface="맑은 고딕" panose="020B0503020000020004" pitchFamily="50" charset="-127"/>
+              </a:rPr>
+              <a:t>알고리즘 구현</a:t>
             </a:r>
             <a:endParaRPr lang="en-US" altLang="ko-KR" sz="1000" dirty="0">
               <a:solidFill>
@@ -11149,8 +11818,8 @@
         </p:nvSpPr>
         <p:spPr bwMode="auto">
           <a:xfrm>
-            <a:off x="156411" y="1775421"/>
-            <a:ext cx="6509084" cy="707886"/>
+            <a:off x="156411" y="1633719"/>
+            <a:ext cx="6509084" cy="1169551"/>
           </a:xfrm>
           <a:prstGeom prst="rect">
             <a:avLst/>
@@ -11400,14 +12069,155 @@
               <a:t>코드 기반으로 전체 </a:t>
             </a:r>
             <a:r>
-              <a:rPr lang="en-US" altLang="ko-KR" sz="1000" dirty="0">
-                <a:solidFill>
-                  <a:srgbClr val="333333"/>
-                </a:solidFill>
-                <a:latin typeface="맑은 고딕" panose="020B0503020000020004" pitchFamily="50" charset="-127"/>
-                <a:ea typeface="맑은 고딕" panose="020B0503020000020004" pitchFamily="50" charset="-127"/>
-              </a:rPr>
-              <a:t>flow modeling/</a:t>
+              <a:rPr lang="en-US" altLang="ko-KR" sz="1000">
+                <a:solidFill>
+                  <a:srgbClr val="333333"/>
+                </a:solidFill>
+                <a:latin typeface="맑은 고딕" panose="020B0503020000020004" pitchFamily="50" charset="-127"/>
+                <a:ea typeface="맑은 고딕" panose="020B0503020000020004" pitchFamily="50" charset="-127"/>
+              </a:rPr>
+              <a:t>flow modeling</a:t>
+            </a:r>
+            <a:br>
+              <a:rPr lang="en-US" altLang="ko-KR" sz="1000">
+                <a:solidFill>
+                  <a:srgbClr val="333333"/>
+                </a:solidFill>
+                <a:latin typeface="맑은 고딕" panose="020B0503020000020004" pitchFamily="50" charset="-127"/>
+                <a:ea typeface="맑은 고딕" panose="020B0503020000020004" pitchFamily="50" charset="-127"/>
+              </a:rPr>
+            </a:br>
+            <a:r>
+              <a:rPr lang="en-US" altLang="ko-KR" sz="1000">
+                <a:solidFill>
+                  <a:srgbClr val="333333"/>
+                </a:solidFill>
+                <a:latin typeface="나눔스퀘어라운드 Regular" panose="020B0600000101010101" pitchFamily="50" charset="-127"/>
+                <a:ea typeface="나눔스퀘어라운드 Regular" panose="020B0600000101010101" pitchFamily="50" charset="-127"/>
+              </a:rPr>
+              <a:t>Preprocessing-&gt; Keras</a:t>
+            </a:r>
+            <a:r>
+              <a:rPr lang="ko-KR" altLang="en-US" sz="1000">
+                <a:solidFill>
+                  <a:srgbClr val="333333"/>
+                </a:solidFill>
+                <a:latin typeface="나눔스퀘어라운드 Regular" panose="020B0600000101010101" pitchFamily="50" charset="-127"/>
+                <a:ea typeface="나눔스퀘어라운드 Regular" panose="020B0600000101010101" pitchFamily="50" charset="-127"/>
+              </a:rPr>
+              <a:t> </a:t>
+            </a:r>
+            <a:r>
+              <a:rPr lang="en-US" altLang="ko-KR" sz="1000">
+                <a:solidFill>
+                  <a:srgbClr val="333333"/>
+                </a:solidFill>
+                <a:latin typeface="나눔스퀘어라운드 Regular" panose="020B0600000101010101" pitchFamily="50" charset="-127"/>
+                <a:ea typeface="나눔스퀘어라운드 Regular" panose="020B0600000101010101" pitchFamily="50" charset="-127"/>
+              </a:rPr>
+              <a:t>tokenize </a:t>
+            </a:r>
+            <a:r>
+              <a:rPr lang="ko-KR" altLang="en-US" sz="1000">
+                <a:solidFill>
+                  <a:srgbClr val="333333"/>
+                </a:solidFill>
+                <a:latin typeface="나눔스퀘어라운드 Regular" panose="020B0600000101010101" pitchFamily="50" charset="-127"/>
+                <a:ea typeface="나눔스퀘어라운드 Regular" panose="020B0600000101010101" pitchFamily="50" charset="-127"/>
+              </a:rPr>
+              <a:t>이용하여 </a:t>
+            </a:r>
+            <a:r>
+              <a:rPr lang="en-US" altLang="ko-KR" sz="1000">
+                <a:solidFill>
+                  <a:srgbClr val="333333"/>
+                </a:solidFill>
+                <a:latin typeface="나눔스퀘어라운드 Regular" panose="020B0600000101010101" pitchFamily="50" charset="-127"/>
+                <a:ea typeface="나눔스퀘어라운드 Regular" panose="020B0600000101010101" pitchFamily="50" charset="-127"/>
+              </a:rPr>
+              <a:t>training set fitting -&gt; model </a:t>
+            </a:r>
+            <a:r>
+              <a:rPr lang="ko-KR" altLang="en-US" sz="1000">
+                <a:solidFill>
+                  <a:srgbClr val="333333"/>
+                </a:solidFill>
+                <a:latin typeface="나눔스퀘어라운드 Regular" panose="020B0600000101010101" pitchFamily="50" charset="-127"/>
+                <a:ea typeface="나눔스퀘어라운드 Regular" panose="020B0600000101010101" pitchFamily="50" charset="-127"/>
+              </a:rPr>
+              <a:t>훈련 </a:t>
+            </a:r>
+            <a:r>
+              <a:rPr lang="en-US" altLang="ko-KR" sz="1000">
+                <a:solidFill>
+                  <a:srgbClr val="333333"/>
+                </a:solidFill>
+                <a:latin typeface="나눔스퀘어라운드 Regular" panose="020B0600000101010101" pitchFamily="50" charset="-127"/>
+                <a:ea typeface="나눔스퀘어라운드 Regular" panose="020B0600000101010101" pitchFamily="50" charset="-127"/>
+              </a:rPr>
+              <a:t>-&gt; Blue score </a:t>
+            </a:r>
+            <a:r>
+              <a:rPr lang="ko-KR" altLang="en-US" sz="1000">
+                <a:solidFill>
+                  <a:srgbClr val="333333"/>
+                </a:solidFill>
+                <a:latin typeface="나눔스퀘어라운드 Regular" panose="020B0600000101010101" pitchFamily="50" charset="-127"/>
+                <a:ea typeface="나눔스퀘어라운드 Regular" panose="020B0600000101010101" pitchFamily="50" charset="-127"/>
+              </a:rPr>
+              <a:t>계산</a:t>
+            </a:r>
+            <a:endParaRPr lang="en-US" altLang="ko-KR" sz="1000">
+              <a:solidFill>
+                <a:srgbClr val="333333"/>
+              </a:solidFill>
+              <a:latin typeface="나눔스퀘어라운드 Regular" panose="020B0600000101010101" pitchFamily="50" charset="-127"/>
+              <a:ea typeface="나눔스퀘어라운드 Regular" panose="020B0600000101010101" pitchFamily="50" charset="-127"/>
+            </a:endParaRPr>
+          </a:p>
+          <a:p>
+            <a:pPr defTabSz="914400"/>
+            <a:endParaRPr lang="en-US" altLang="ko-KR" sz="1000">
+              <a:solidFill>
+                <a:srgbClr val="333333"/>
+              </a:solidFill>
+              <a:latin typeface="맑은 고딕" panose="020B0503020000020004" pitchFamily="50" charset="-127"/>
+              <a:ea typeface="맑은 고딕" panose="020B0503020000020004" pitchFamily="50" charset="-127"/>
+            </a:endParaRPr>
+          </a:p>
+          <a:p>
+            <a:pPr defTabSz="914400"/>
+            <a:r>
+              <a:rPr lang="en-US" altLang="ko-KR" sz="1000">
+                <a:solidFill>
+                  <a:srgbClr val="333333"/>
+                </a:solidFill>
+                <a:latin typeface="맑은 고딕" panose="020B0503020000020004" pitchFamily="50" charset="-127"/>
+                <a:ea typeface="맑은 고딕" panose="020B0503020000020004" pitchFamily="50" charset="-127"/>
+              </a:rPr>
+              <a:t>-</a:t>
+            </a:r>
+            <a:r>
+              <a:rPr lang="en-US" altLang="ko-KR" sz="1000" i="0">
+                <a:solidFill>
+                  <a:srgbClr val="24292E"/>
+                </a:solidFill>
+                <a:effectLst/>
+                <a:latin typeface="나눔스퀘어라운드 Regular" panose="020B0600000101010101" pitchFamily="50" charset="-127"/>
+                <a:ea typeface="나눔스퀘어라운드 Regular" panose="020B0600000101010101" pitchFamily="50" charset="-127"/>
+              </a:rPr>
+              <a:t>Score </a:t>
+            </a:r>
+            <a:r>
+              <a:rPr lang="ko-KR" altLang="en-US" sz="1000" i="0">
+                <a:solidFill>
+                  <a:srgbClr val="24292E"/>
+                </a:solidFill>
+                <a:effectLst/>
+                <a:latin typeface="나눔스퀘어라운드 Regular" panose="020B0600000101010101" pitchFamily="50" charset="-127"/>
+                <a:ea typeface="나눔스퀘어라운드 Regular" panose="020B0600000101010101" pitchFamily="50" charset="-127"/>
+              </a:rPr>
+              <a:t>를 높이기 위한 여러 시도 및 결과 비교</a:t>
             </a:r>
             <a:br>
               <a:rPr lang="en-US" altLang="ko-KR" sz="1000" dirty="0">
@@ -11430,7 +12240,7 @@
               <a:t>input </a:t>
             </a:r>
             <a:r>
-              <a:rPr lang="ko-KR" altLang="en-US" sz="1000" kern="0" spc="0" dirty="0">
+              <a:rPr lang="ko-KR" altLang="en-US" sz="1000" kern="0" spc="0">
                 <a:solidFill>
                   <a:srgbClr val="000000"/>
                 </a:solidFill>
@@ -11438,10 +12248,10 @@
                 <a:latin typeface="+mj-ea"/>
                 <a:ea typeface="+mj-ea"/>
               </a:rPr>
-              <a:t>문장의 </a:t>
-            </a:r>
-            <a:r>
-              <a:rPr lang="ko-KR" altLang="en-US" sz="1000" kern="0" spc="0" dirty="0" err="1">
+              <a:t>문장의 토큰화 방법</a:t>
+            </a:r>
+            <a:r>
+              <a:rPr lang="en-US" altLang="ko-KR" sz="1000" kern="0" spc="0">
                 <a:solidFill>
                   <a:srgbClr val="000000"/>
                 </a:solidFill>
@@ -11449,10 +12259,20 @@
                 <a:latin typeface="+mj-ea"/>
                 <a:ea typeface="+mj-ea"/>
               </a:rPr>
-              <a:t>전처리</a:t>
-            </a:r>
-            <a:r>
-              <a:rPr lang="ko-KR" altLang="en-US" sz="1000" kern="0" spc="0" dirty="0">
+              <a:t>, </a:t>
+            </a:r>
+            <a:r>
+              <a:rPr lang="en-US" altLang="ko-KR" sz="1000" kern="0">
+                <a:solidFill>
+                  <a:srgbClr val="000000"/>
+                </a:solidFill>
+                <a:latin typeface="+mj-ea"/>
+                <a:ea typeface="+mj-ea"/>
+              </a:rPr>
+              <a:t>inp</a:t>
+            </a:r>
+            <a:r>
+              <a:rPr lang="en-US" altLang="ko-KR" sz="1000" kern="0" spc="0">
                 <a:solidFill>
                   <a:srgbClr val="000000"/>
                 </a:solidFill>
@@ -11460,10 +12280,10 @@
                 <a:latin typeface="+mj-ea"/>
                 <a:ea typeface="+mj-ea"/>
               </a:rPr>
-              <a:t> 방법</a:t>
-            </a:r>
-            <a:r>
-              <a:rPr lang="en-US" altLang="ko-KR" sz="1000" kern="0" spc="0" dirty="0">
+              <a:t>ut</a:t>
+            </a:r>
+            <a:r>
+              <a:rPr lang="ko-KR" altLang="en-US" sz="1000" kern="0" spc="0">
                 <a:solidFill>
                   <a:srgbClr val="000000"/>
                 </a:solidFill>
@@ -11471,10 +12291,10 @@
                 <a:latin typeface="+mj-ea"/>
                 <a:ea typeface="+mj-ea"/>
               </a:rPr>
-              <a:t>(</a:t>
-            </a:r>
-            <a:r>
-              <a:rPr lang="ko-KR" altLang="en-US" sz="1000" kern="0" spc="0" dirty="0">
+              <a:t>문장배열순서</a:t>
+            </a:r>
+            <a:r>
+              <a:rPr lang="en-US" altLang="ko-KR" sz="1000" kern="0" spc="0">
                 <a:solidFill>
                   <a:srgbClr val="000000"/>
                 </a:solidFill>
@@ -11482,10 +12302,10 @@
                 <a:latin typeface="+mj-ea"/>
                 <a:ea typeface="+mj-ea"/>
               </a:rPr>
-              <a:t>글자단위</a:t>
-            </a:r>
-            <a:r>
-              <a:rPr lang="en-US" altLang="ko-KR" sz="1000" kern="0" spc="0" dirty="0">
+              <a:t>(</a:t>
+            </a:r>
+            <a:r>
+              <a:rPr lang="ko-KR" altLang="en-US" sz="1000" kern="0" spc="0" dirty="0" err="1">
                 <a:solidFill>
                   <a:srgbClr val="000000"/>
                 </a:solidFill>
@@ -11493,10 +12313,10 @@
                 <a:latin typeface="+mj-ea"/>
                 <a:ea typeface="+mj-ea"/>
               </a:rPr>
-              <a:t>,</a:t>
-            </a:r>
-            <a:r>
-              <a:rPr lang="ko-KR" altLang="en-US" sz="1000" kern="0" spc="0" dirty="0">
+              <a:t>정방향</a:t>
+            </a:r>
+            <a:r>
+              <a:rPr lang="en-US" altLang="ko-KR" sz="1000" kern="0" spc="0">
                 <a:solidFill>
                   <a:srgbClr val="000000"/>
                 </a:solidFill>
@@ -11504,10 +12324,10 @@
                 <a:latin typeface="+mj-ea"/>
                 <a:ea typeface="+mj-ea"/>
               </a:rPr>
-              <a:t> </a:t>
-            </a:r>
-            <a:r>
-              <a:rPr lang="en-US" altLang="ko-KR" sz="1000" kern="0" spc="0" dirty="0" err="1">
+              <a:t>/</a:t>
+            </a:r>
+            <a:r>
+              <a:rPr lang="ko-KR" altLang="en-US" sz="1000" kern="0" spc="0">
                 <a:solidFill>
                   <a:srgbClr val="000000"/>
                 </a:solidFill>
@@ -11515,10 +12335,10 @@
                 <a:latin typeface="+mj-ea"/>
                 <a:ea typeface="+mj-ea"/>
               </a:rPr>
-              <a:t>Okt</a:t>
-            </a:r>
-            <a:r>
-              <a:rPr lang="en-US" altLang="ko-KR" sz="1000" kern="0" spc="0" dirty="0">
+              <a:t>역방향</a:t>
+            </a:r>
+            <a:r>
+              <a:rPr lang="en-US" altLang="ko-KR" sz="900" kern="0" spc="0">
                 <a:solidFill>
                   <a:srgbClr val="000000"/>
                 </a:solidFill>
@@ -11526,10 +12346,10 @@
                 <a:latin typeface="+mj-ea"/>
                 <a:ea typeface="+mj-ea"/>
               </a:rPr>
-              <a:t>, </a:t>
-            </a:r>
-            <a:r>
-              <a:rPr lang="en-US" altLang="ko-KR" sz="1000" kern="0" spc="0" dirty="0" err="1">
+              <a:t>)</a:t>
+            </a:r>
+            <a:r>
+              <a:rPr lang="en-US" altLang="ko-KR" sz="1000" kern="0" spc="0">
                 <a:solidFill>
                   <a:srgbClr val="000000"/>
                 </a:solidFill>
@@ -11537,10 +12357,10 @@
                 <a:latin typeface="+mj-ea"/>
                 <a:ea typeface="+mj-ea"/>
               </a:rPr>
-              <a:t>mecab</a:t>
-            </a:r>
-            <a:r>
-              <a:rPr lang="en-US" altLang="ko-KR" sz="1000" kern="0" spc="0" dirty="0">
+              <a:t>, </a:t>
+            </a:r>
+            <a:r>
+              <a:rPr lang="ko-KR" altLang="en-US" sz="1000" kern="0" spc="0" dirty="0">
                 <a:solidFill>
                   <a:srgbClr val="000000"/>
                 </a:solidFill>
@@ -11548,30 +12368,10 @@
                 <a:latin typeface="+mj-ea"/>
                 <a:ea typeface="+mj-ea"/>
               </a:rPr>
-              <a:t>)</a:t>
-            </a:r>
-            <a:r>
-              <a:rPr lang="ko-KR" altLang="en-US" sz="1000" kern="0" dirty="0">
-                <a:solidFill>
-                  <a:srgbClr val="000000"/>
-                </a:solidFill>
-                <a:latin typeface="+mj-ea"/>
-                <a:ea typeface="+mj-ea"/>
-              </a:rPr>
-              <a:t> </a:t>
-            </a:r>
-            <a:r>
-              <a:rPr lang="en-US" altLang="ko-KR" sz="1000" kern="0" dirty="0">
-                <a:solidFill>
-                  <a:srgbClr val="000000"/>
-                </a:solidFill>
-                <a:latin typeface="+mj-ea"/>
-                <a:ea typeface="+mj-ea"/>
-              </a:rPr>
-              <a:t>inp</a:t>
-            </a:r>
-            <a:r>
-              <a:rPr lang="en-US" altLang="ko-KR" sz="1000" kern="0" spc="0" dirty="0">
+              <a:t>은닉층의 초기화방법을 달리하면서 번역기의 </a:t>
+            </a:r>
+            <a:r>
+              <a:rPr lang="ko-KR" altLang="en-US" sz="1000" kern="0" spc="0">
                 <a:solidFill>
                   <a:srgbClr val="000000"/>
                 </a:solidFill>
@@ -11579,159 +12379,7 @@
                 <a:latin typeface="+mj-ea"/>
                 <a:ea typeface="+mj-ea"/>
               </a:rPr>
-              <a:t>ut</a:t>
-            </a:r>
-            <a:r>
-              <a:rPr lang="ko-KR" altLang="en-US" sz="1000" kern="0" spc="0" dirty="0">
-                <a:solidFill>
-                  <a:srgbClr val="000000"/>
-                </a:solidFill>
-                <a:effectLst/>
-                <a:latin typeface="+mj-ea"/>
-                <a:ea typeface="+mj-ea"/>
-              </a:rPr>
-              <a:t>문장배열순서 </a:t>
-            </a:r>
-            <a:r>
-              <a:rPr lang="en-US" altLang="ko-KR" sz="1000" kern="0" spc="0" dirty="0">
-                <a:solidFill>
-                  <a:srgbClr val="000000"/>
-                </a:solidFill>
-                <a:effectLst/>
-                <a:latin typeface="+mj-ea"/>
-                <a:ea typeface="+mj-ea"/>
-              </a:rPr>
-              <a:t>(</a:t>
-            </a:r>
-            <a:r>
-              <a:rPr lang="ko-KR" altLang="en-US" sz="1000" kern="0" spc="0" dirty="0" err="1">
-                <a:solidFill>
-                  <a:srgbClr val="000000"/>
-                </a:solidFill>
-                <a:effectLst/>
-                <a:latin typeface="+mj-ea"/>
-                <a:ea typeface="+mj-ea"/>
-              </a:rPr>
-              <a:t>정방향</a:t>
-            </a:r>
-            <a:r>
-              <a:rPr lang="en-US" altLang="ko-KR" sz="1000" kern="0" spc="0" dirty="0">
-                <a:solidFill>
-                  <a:srgbClr val="000000"/>
-                </a:solidFill>
-                <a:effectLst/>
-                <a:latin typeface="+mj-ea"/>
-                <a:ea typeface="+mj-ea"/>
-              </a:rPr>
-              <a:t>/</a:t>
-            </a:r>
-            <a:r>
-              <a:rPr lang="ko-KR" altLang="en-US" sz="1000" kern="0" spc="0" dirty="0">
-                <a:solidFill>
-                  <a:srgbClr val="000000"/>
-                </a:solidFill>
-                <a:effectLst/>
-                <a:latin typeface="+mj-ea"/>
-                <a:ea typeface="+mj-ea"/>
-              </a:rPr>
-              <a:t>역방향</a:t>
-            </a:r>
-            <a:r>
-              <a:rPr lang="en-US" altLang="ko-KR" sz="1000" kern="0" dirty="0">
-                <a:solidFill>
-                  <a:srgbClr val="000000"/>
-                </a:solidFill>
-                <a:latin typeface="+mj-ea"/>
-                <a:ea typeface="+mj-ea"/>
-              </a:rPr>
-              <a:t>-</a:t>
-            </a:r>
-            <a:r>
-              <a:rPr lang="ko-KR" altLang="en-US" sz="900" kern="0" spc="0" dirty="0">
-                <a:solidFill>
-                  <a:srgbClr val="000000"/>
-                </a:solidFill>
-                <a:effectLst/>
-                <a:latin typeface="+mj-ea"/>
-                <a:ea typeface="+mj-ea"/>
-              </a:rPr>
-              <a:t>논문 참고</a:t>
-            </a:r>
-            <a:r>
-              <a:rPr lang="en-US" altLang="ko-KR" sz="900" kern="0" spc="0" dirty="0">
-                <a:solidFill>
-                  <a:srgbClr val="000000"/>
-                </a:solidFill>
-                <a:effectLst/>
-                <a:latin typeface="+mj-ea"/>
-                <a:ea typeface="+mj-ea"/>
-              </a:rPr>
-              <a:t>)</a:t>
-            </a:r>
-            <a:r>
-              <a:rPr lang="en-US" altLang="ko-KR" sz="1000" kern="0" spc="0" dirty="0">
-                <a:solidFill>
-                  <a:srgbClr val="000000"/>
-                </a:solidFill>
-                <a:effectLst/>
-                <a:latin typeface="+mj-ea"/>
-                <a:ea typeface="+mj-ea"/>
-              </a:rPr>
-              <a:t>, </a:t>
-            </a:r>
-            <a:r>
-              <a:rPr lang="ko-KR" altLang="en-US" sz="1000" kern="0" spc="0" dirty="0">
-                <a:solidFill>
-                  <a:srgbClr val="000000"/>
-                </a:solidFill>
-                <a:effectLst/>
-                <a:latin typeface="+mj-ea"/>
-                <a:ea typeface="+mj-ea"/>
-              </a:rPr>
-              <a:t>은닉층의 초기화방법을 달리하면서 번역기의 성능을 </a:t>
-            </a:r>
-            <a:r>
-              <a:rPr lang="ko-KR" altLang="en-US" sz="1000" kern="0" spc="0" dirty="0" err="1">
-                <a:solidFill>
-                  <a:srgbClr val="000000"/>
-                </a:solidFill>
-                <a:effectLst/>
-                <a:latin typeface="+mj-ea"/>
-                <a:ea typeface="+mj-ea"/>
-              </a:rPr>
-              <a:t>높여나감</a:t>
-            </a:r>
-            <a:r>
-              <a:rPr lang="en-US" altLang="ko-KR" sz="1000" kern="0" spc="0" dirty="0">
-                <a:solidFill>
-                  <a:srgbClr val="000000"/>
-                </a:solidFill>
-                <a:effectLst/>
-                <a:latin typeface="+mj-ea"/>
-                <a:ea typeface="+mj-ea"/>
-              </a:rPr>
-              <a:t>/ github </a:t>
-            </a:r>
-            <a:r>
-              <a:rPr lang="ko-KR" altLang="en-US" sz="1000" kern="0" spc="0" dirty="0">
-                <a:solidFill>
-                  <a:srgbClr val="000000"/>
-                </a:solidFill>
-                <a:effectLst/>
-                <a:latin typeface="+mj-ea"/>
-                <a:ea typeface="+mj-ea"/>
-              </a:rPr>
-              <a:t>정리</a:t>
-            </a:r>
-            <a:r>
-              <a:rPr lang="ko-KR" altLang="en-US" sz="1000" dirty="0">
-                <a:solidFill>
-                  <a:srgbClr val="333333"/>
-                </a:solidFill>
-                <a:latin typeface="맑은 고딕" panose="020B0503020000020004" pitchFamily="50" charset="-127"/>
-                <a:ea typeface="맑은 고딕" panose="020B0503020000020004" pitchFamily="50" charset="-127"/>
-              </a:rPr>
-              <a:t> </a:t>
+              <a:t>성능을 높여나감</a:t>
             </a:r>
             <a:endParaRPr lang="en-US" altLang="ko-KR" sz="1000" dirty="0">
               <a:solidFill>
@@ -12068,10 +12716,10 @@
                 <a:latin typeface="+mj-ea"/>
                 <a:ea typeface="+mj-ea"/>
               </a:rPr>
-              <a:t>로 성능을 테스트 해보고</a:t>
-            </a:r>
-            <a:r>
-              <a:rPr lang="en-US" altLang="ko-KR" sz="1000" b="0" i="0" dirty="0">
+              <a:t>로 성능을 </a:t>
+            </a:r>
+            <a:r>
+              <a:rPr lang="ko-KR" altLang="en-US" sz="1000" b="0" i="0">
                 <a:solidFill>
                   <a:srgbClr val="6A737D"/>
                 </a:solidFill>
@@ -12079,10 +12727,10 @@
                 <a:latin typeface="+mj-ea"/>
                 <a:ea typeface="+mj-ea"/>
               </a:rPr>
-              <a:t>, </a:t>
-            </a:r>
-            <a:r>
-              <a:rPr lang="ko-KR" altLang="en-US" sz="1000" b="0" i="0" dirty="0">
+              <a:t>테스트 해보았다</a:t>
+            </a:r>
+            <a:r>
+              <a:rPr lang="en-US" altLang="ko-KR" sz="1000" b="0" i="0">
                 <a:solidFill>
                   <a:srgbClr val="6A737D"/>
                 </a:solidFill>
@@ -12090,10 +12738,10 @@
                 <a:latin typeface="+mj-ea"/>
                 <a:ea typeface="+mj-ea"/>
               </a:rPr>
-              <a:t>논문리뷰 및 코드 정리를 하였습니다</a:t>
-            </a:r>
-            <a:r>
-              <a:rPr lang="en-US" altLang="ko-KR" sz="1000" b="0" i="0" dirty="0">
+              <a:t>. korpus</a:t>
+            </a:r>
+            <a:r>
+              <a:rPr lang="ko-KR" altLang="en-US" sz="1000" b="0" i="0" dirty="0">
                 <a:solidFill>
                   <a:srgbClr val="6A737D"/>
                 </a:solidFill>
@@ -12101,7 +12749,7 @@
                 <a:latin typeface="+mj-ea"/>
                 <a:ea typeface="+mj-ea"/>
               </a:rPr>
-              <a:t>. </a:t>
+              <a:t>는 </a:t>
             </a:r>
             <a:r>
               <a:rPr lang="en-US" altLang="ko-KR" sz="1000" b="0" i="0" dirty="0" err="1">
@@ -12112,7 +12760,7 @@
                 <a:latin typeface="+mj-ea"/>
                 <a:ea typeface="+mj-ea"/>
               </a:rPr>
-              <a:t>korpus</a:t>
+              <a:t>aihub</a:t>
             </a:r>
             <a:r>
               <a:rPr lang="ko-KR" altLang="en-US" sz="1000" b="0" i="0" dirty="0">
@@ -12123,10 +12771,10 @@
                 <a:latin typeface="+mj-ea"/>
                 <a:ea typeface="+mj-ea"/>
               </a:rPr>
-              <a:t>는 </a:t>
-            </a:r>
-            <a:r>
-              <a:rPr lang="en-US" altLang="ko-KR" sz="1000" b="0" i="0" dirty="0" err="1">
+              <a:t>의 한국어</a:t>
+            </a:r>
+            <a:r>
+              <a:rPr lang="en-US" altLang="ko-KR" sz="1000" b="0" i="0" dirty="0">
                 <a:solidFill>
                   <a:srgbClr val="6A737D"/>
                 </a:solidFill>
@@ -12134,7 +12782,7 @@
                 <a:latin typeface="+mj-ea"/>
                 <a:ea typeface="+mj-ea"/>
               </a:rPr>
-              <a:t>aihub</a:t>
+              <a:t>-</a:t>
             </a:r>
             <a:r>
               <a:rPr lang="ko-KR" altLang="en-US" sz="1000" b="0" i="0" dirty="0">
@@ -12145,10 +12793,10 @@
                 <a:latin typeface="+mj-ea"/>
                 <a:ea typeface="+mj-ea"/>
               </a:rPr>
-              <a:t>의 한국어</a:t>
-            </a:r>
-            <a:r>
-              <a:rPr lang="en-US" altLang="ko-KR" sz="1000" b="0" i="0" dirty="0">
+              <a:t>영어 번역 </a:t>
+            </a:r>
+            <a:r>
+              <a:rPr lang="ko-KR" altLang="en-US" sz="1000" b="0" i="0">
                 <a:solidFill>
                   <a:srgbClr val="6A737D"/>
                 </a:solidFill>
@@ -12156,21 +12804,10 @@
                 <a:latin typeface="+mj-ea"/>
                 <a:ea typeface="+mj-ea"/>
               </a:rPr>
-              <a:t>-</a:t>
-            </a:r>
-            <a:r>
-              <a:rPr lang="ko-KR" altLang="en-US" sz="1000" b="0" i="0" dirty="0">
-                <a:solidFill>
-                  <a:srgbClr val="6A737D"/>
-                </a:solidFill>
-                <a:effectLst/>
-                <a:latin typeface="+mj-ea"/>
-                <a:ea typeface="+mj-ea"/>
-              </a:rPr>
-              <a:t>영어 번역 말뭉치를 사용하였습니다</a:t>
-            </a:r>
-            <a:r>
-              <a:rPr lang="en-US" altLang="ko-KR" sz="1000" b="0" i="0" dirty="0">
+              <a:t>말뭉치를 사용하였다</a:t>
+            </a:r>
+            <a:r>
+              <a:rPr lang="en-US" altLang="ko-KR" sz="1000" b="0" i="0">
                 <a:solidFill>
                   <a:srgbClr val="6A737D"/>
                 </a:solidFill>
@@ -12251,7 +12888,7 @@
         </p:nvSpPr>
         <p:spPr bwMode="auto">
           <a:xfrm>
-            <a:off x="276725" y="3382973"/>
+            <a:off x="276725" y="3789373"/>
             <a:ext cx="6412829" cy="400110"/>
           </a:xfrm>
           <a:prstGeom prst="rect">
@@ -12632,10 +13269,10 @@
                 <a:latin typeface="+mj-ea"/>
                 <a:ea typeface="+mj-ea"/>
               </a:rPr>
-              <a:t>인구 밀집도 기반 카페</a:t>
-            </a:r>
-            <a:r>
-              <a:rPr lang="en-US" altLang="ko-KR" sz="1000" dirty="0">
+              <a:t>인구 밀집도 </a:t>
+            </a:r>
+            <a:r>
+              <a:rPr lang="ko-KR" altLang="en-US" sz="1000">
                 <a:solidFill>
                   <a:schemeClr val="bg1">
                     <a:lumMod val="50000"/>
@@ -12644,10 +13281,10 @@
                 <a:latin typeface="+mj-ea"/>
                 <a:ea typeface="+mj-ea"/>
               </a:rPr>
-              <a:t>/</a:t>
-            </a:r>
-            <a:r>
-              <a:rPr lang="ko-KR" altLang="en-US" sz="1000" dirty="0">
+              <a:t>기반 카페</a:t>
+            </a:r>
+            <a:r>
+              <a:rPr lang="en-US" altLang="ko-KR" sz="1000">
                 <a:solidFill>
                   <a:schemeClr val="bg1">
                     <a:lumMod val="50000"/>
@@ -12656,7 +13293,31 @@
                 <a:latin typeface="+mj-ea"/>
                 <a:ea typeface="+mj-ea"/>
               </a:rPr>
-              <a:t>음식점 추천 서비스</a:t>
+              <a:t>/</a:t>
+            </a:r>
+            <a:r>
+              <a:rPr lang="ko-KR" altLang="en-US" sz="1000">
+                <a:solidFill>
+                  <a:schemeClr val="bg1">
+                    <a:lumMod val="50000"/>
+                  </a:schemeClr>
+                </a:solidFill>
+                <a:latin typeface="+mj-ea"/>
+                <a:ea typeface="+mj-ea"/>
+              </a:rPr>
+              <a:t>음식점 추천 </a:t>
+            </a:r>
+            <a:r>
+              <a:rPr lang="ko-KR" altLang="en-US" sz="1000" dirty="0">
+                <a:solidFill>
+                  <a:schemeClr val="bg1">
+                    <a:lumMod val="50000"/>
+                  </a:schemeClr>
+                </a:solidFill>
+                <a:latin typeface="+mj-ea"/>
+                <a:ea typeface="+mj-ea"/>
+              </a:rPr>
+              <a:t>서비스</a:t>
             </a:r>
             <a:endParaRPr lang="en-US" altLang="ko-KR" sz="1000" dirty="0">
               <a:solidFill>
@@ -12686,8 +13347,1390 @@
         </p:nvCxnSpPr>
         <p:spPr>
           <a:xfrm>
-            <a:off x="288760" y="3424114"/>
+            <a:off x="288760" y="3830514"/>
             <a:ext cx="0" cy="358969"/>
+          </a:xfrm>
+          <a:prstGeom prst="line">
+            <a:avLst/>
+          </a:prstGeom>
+          <a:ln w="38100">
+            <a:solidFill>
+              <a:schemeClr val="bg2"/>
+            </a:solidFill>
+          </a:ln>
+        </p:spPr>
+        <p:style>
+          <a:lnRef idx="1">
+            <a:schemeClr val="accent1"/>
+          </a:lnRef>
+          <a:fillRef idx="0">
+            <a:schemeClr val="accent1"/>
+          </a:fillRef>
+          <a:effectRef idx="0">
+            <a:schemeClr val="accent1"/>
+          </a:effectRef>
+          <a:fontRef idx="minor">
+            <a:schemeClr val="tx1"/>
+          </a:fontRef>
+        </p:style>
+      </p:cxnSp>
+      <p:sp>
+        <p:nvSpPr>
+          <p:cNvPr id="18" name="Rectangle 1">
+            <a:extLst>
+              <a:ext uri="{FF2B5EF4-FFF2-40B4-BE49-F238E27FC236}">
+                <a16:creationId xmlns:a16="http://schemas.microsoft.com/office/drawing/2014/main" id="{7C290938-9DC9-4D49-BEEF-57D163A9EE3B}"/>
+              </a:ext>
+            </a:extLst>
+          </p:cNvPr>
+          <p:cNvSpPr>
+            <a:spLocks noChangeArrowheads="1"/>
+          </p:cNvSpPr>
+          <p:nvPr/>
+        </p:nvSpPr>
+        <p:spPr bwMode="auto">
+          <a:xfrm>
+            <a:off x="2622884" y="6325798"/>
+            <a:ext cx="4078705" cy="261610"/>
+          </a:xfrm>
+          <a:prstGeom prst="rect">
+            <a:avLst/>
+          </a:prstGeom>
+          <a:noFill/>
+          <a:ln>
+            <a:noFill/>
+          </a:ln>
+          <a:effectLst/>
+          <a:extLst>
+            <a:ext uri="{909E8E84-426E-40DD-AFC4-6F175D3DCCD1}">
+              <a14:hiddenFill xmlns:a14="http://schemas.microsoft.com/office/drawing/2010/main">
+                <a:solidFill>
+                  <a:schemeClr val="accent1"/>
+                </a:solidFill>
+              </a14:hiddenFill>
+            </a:ext>
+            <a:ext uri="{91240B29-F687-4F45-9708-019B960494DF}">
+              <a14:hiddenLine xmlns:a14="http://schemas.microsoft.com/office/drawing/2010/main" w="9525">
+                <a:solidFill>
+                  <a:schemeClr val="tx1"/>
+                </a:solidFill>
+                <a:miter lim="800000"/>
+                <a:headEnd/>
+                <a:tailEnd/>
+              </a14:hiddenLine>
+            </a:ext>
+            <a:ext uri="{AF507438-7753-43E0-B8FC-AC1667EBCBE1}">
+              <a14:hiddenEffects xmlns:a14="http://schemas.microsoft.com/office/drawing/2010/main">
+                <a:effectLst>
+                  <a:outerShdw dist="35921" dir="2700000" algn="ctr" rotWithShape="0">
+                    <a:schemeClr val="bg2"/>
+                  </a:outerShdw>
+                </a:effectLst>
+              </a14:hiddenEffects>
+            </a:ext>
+          </a:extLst>
+        </p:spPr>
+        <p:txBody>
+          <a:bodyPr vert="horz" wrap="square" lIns="91440" tIns="45720" rIns="91440" bIns="45720" numCol="1" anchor="ctr" anchorCtr="0" compatLnSpc="1">
+            <a:prstTxWarp prst="textNoShape">
+              <a:avLst/>
+            </a:prstTxWarp>
+            <a:spAutoFit/>
+          </a:bodyPr>
+          <a:lstStyle>
+            <a:lvl1pPr eaLnBrk="0" fontAlgn="base" hangingPunct="0">
+              <a:spcBef>
+                <a:spcPct val="0"/>
+              </a:spcBef>
+              <a:spcAft>
+                <a:spcPct val="0"/>
+              </a:spcAft>
+              <a:defRPr>
+                <a:solidFill>
+                  <a:schemeClr val="tx1"/>
+                </a:solidFill>
+                <a:latin typeface="Arial" panose="020B0604020202020204" pitchFamily="34" charset="0"/>
+              </a:defRPr>
+            </a:lvl1pPr>
+            <a:lvl2pPr eaLnBrk="0" fontAlgn="base" hangingPunct="0">
+              <a:spcBef>
+                <a:spcPct val="0"/>
+              </a:spcBef>
+              <a:spcAft>
+                <a:spcPct val="0"/>
+              </a:spcAft>
+              <a:defRPr>
+                <a:solidFill>
+                  <a:schemeClr val="tx1"/>
+                </a:solidFill>
+                <a:latin typeface="Arial" panose="020B0604020202020204" pitchFamily="34" charset="0"/>
+              </a:defRPr>
+            </a:lvl2pPr>
+            <a:lvl3pPr eaLnBrk="0" fontAlgn="base" hangingPunct="0">
+              <a:spcBef>
+                <a:spcPct val="0"/>
+              </a:spcBef>
+              <a:spcAft>
+                <a:spcPct val="0"/>
+              </a:spcAft>
+              <a:defRPr>
+                <a:solidFill>
+                  <a:schemeClr val="tx1"/>
+                </a:solidFill>
+                <a:latin typeface="Arial" panose="020B0604020202020204" pitchFamily="34" charset="0"/>
+              </a:defRPr>
+            </a:lvl3pPr>
+            <a:lvl4pPr eaLnBrk="0" fontAlgn="base" hangingPunct="0">
+              <a:spcBef>
+                <a:spcPct val="0"/>
+              </a:spcBef>
+              <a:spcAft>
+                <a:spcPct val="0"/>
+              </a:spcAft>
+              <a:defRPr>
+                <a:solidFill>
+                  <a:schemeClr val="tx1"/>
+                </a:solidFill>
+                <a:latin typeface="Arial" panose="020B0604020202020204" pitchFamily="34" charset="0"/>
+              </a:defRPr>
+            </a:lvl4pPr>
+            <a:lvl5pPr eaLnBrk="0" fontAlgn="base" hangingPunct="0">
+              <a:spcBef>
+                <a:spcPct val="0"/>
+              </a:spcBef>
+              <a:spcAft>
+                <a:spcPct val="0"/>
+              </a:spcAft>
+              <a:defRPr>
+                <a:solidFill>
+                  <a:schemeClr val="tx1"/>
+                </a:solidFill>
+                <a:latin typeface="Arial" panose="020B0604020202020204" pitchFamily="34" charset="0"/>
+              </a:defRPr>
+            </a:lvl5pPr>
+            <a:lvl6pPr eaLnBrk="0" fontAlgn="base" hangingPunct="0">
+              <a:spcBef>
+                <a:spcPct val="0"/>
+              </a:spcBef>
+              <a:spcAft>
+                <a:spcPct val="0"/>
+              </a:spcAft>
+              <a:defRPr>
+                <a:solidFill>
+                  <a:schemeClr val="tx1"/>
+                </a:solidFill>
+                <a:latin typeface="Arial" panose="020B0604020202020204" pitchFamily="34" charset="0"/>
+              </a:defRPr>
+            </a:lvl6pPr>
+            <a:lvl7pPr eaLnBrk="0" fontAlgn="base" hangingPunct="0">
+              <a:spcBef>
+                <a:spcPct val="0"/>
+              </a:spcBef>
+              <a:spcAft>
+                <a:spcPct val="0"/>
+              </a:spcAft>
+              <a:defRPr>
+                <a:solidFill>
+                  <a:schemeClr val="tx1"/>
+                </a:solidFill>
+                <a:latin typeface="Arial" panose="020B0604020202020204" pitchFamily="34" charset="0"/>
+              </a:defRPr>
+            </a:lvl7pPr>
+            <a:lvl8pPr eaLnBrk="0" fontAlgn="base" hangingPunct="0">
+              <a:spcBef>
+                <a:spcPct val="0"/>
+              </a:spcBef>
+              <a:spcAft>
+                <a:spcPct val="0"/>
+              </a:spcAft>
+              <a:defRPr>
+                <a:solidFill>
+                  <a:schemeClr val="tx1"/>
+                </a:solidFill>
+                <a:latin typeface="Arial" panose="020B0604020202020204" pitchFamily="34" charset="0"/>
+              </a:defRPr>
+            </a:lvl8pPr>
+            <a:lvl9pPr eaLnBrk="0" fontAlgn="base" hangingPunct="0">
+              <a:spcBef>
+                <a:spcPct val="0"/>
+              </a:spcBef>
+              <a:spcAft>
+                <a:spcPct val="0"/>
+              </a:spcAft>
+              <a:defRPr>
+                <a:solidFill>
+                  <a:schemeClr val="tx1"/>
+                </a:solidFill>
+                <a:latin typeface="Arial" panose="020B0604020202020204" pitchFamily="34" charset="0"/>
+              </a:defRPr>
+            </a:lvl9pPr>
+          </a:lstStyle>
+          <a:p>
+            <a:pPr marR="0" lvl="0" algn="r" defTabSz="914400" rtl="0" eaLnBrk="0" fontAlgn="base" latinLnBrk="0" hangingPunct="0">
+              <a:lnSpc>
+                <a:spcPct val="100000"/>
+              </a:lnSpc>
+              <a:spcBef>
+                <a:spcPct val="0"/>
+              </a:spcBef>
+              <a:spcAft>
+                <a:spcPct val="0"/>
+              </a:spcAft>
+              <a:buClrTx/>
+              <a:buSzTx/>
+              <a:tabLst/>
+            </a:pPr>
+            <a:r>
+              <a:rPr lang="en-US" altLang="ko-KR" sz="1050">
+                <a:solidFill>
+                  <a:srgbClr val="333333"/>
+                </a:solidFill>
+                <a:latin typeface="맑은 고딕" panose="020B0503020000020004" pitchFamily="50" charset="-127"/>
+                <a:ea typeface="맑은 고딕" panose="020B0503020000020004" pitchFamily="50" charset="-127"/>
+              </a:rPr>
+              <a:t>20.10. 01~20.10.22</a:t>
+            </a:r>
+            <a:endParaRPr lang="en-US" altLang="ko-KR" sz="1050" dirty="0">
+              <a:solidFill>
+                <a:srgbClr val="333333"/>
+              </a:solidFill>
+              <a:latin typeface="맑은 고딕" panose="020B0503020000020004" pitchFamily="50" charset="-127"/>
+              <a:ea typeface="맑은 고딕" panose="020B0503020000020004" pitchFamily="50" charset="-127"/>
+            </a:endParaRPr>
+          </a:p>
+        </p:txBody>
+      </p:sp>
+      <p:sp>
+        <p:nvSpPr>
+          <p:cNvPr id="20" name="Rectangle 1">
+            <a:extLst>
+              <a:ext uri="{FF2B5EF4-FFF2-40B4-BE49-F238E27FC236}">
+                <a16:creationId xmlns:a16="http://schemas.microsoft.com/office/drawing/2014/main" id="{EC4498AB-8E13-47E9-A8CD-3EFBD9A17253}"/>
+              </a:ext>
+            </a:extLst>
+          </p:cNvPr>
+          <p:cNvSpPr>
+            <a:spLocks noChangeArrowheads="1"/>
+          </p:cNvSpPr>
+          <p:nvPr/>
+        </p:nvSpPr>
+        <p:spPr bwMode="auto">
+          <a:xfrm>
+            <a:off x="156411" y="6304682"/>
+            <a:ext cx="6509084" cy="261610"/>
+          </a:xfrm>
+          <a:prstGeom prst="rect">
+            <a:avLst/>
+          </a:prstGeom>
+          <a:noFill/>
+          <a:ln>
+            <a:noFill/>
+          </a:ln>
+          <a:effectLst/>
+          <a:extLst>
+            <a:ext uri="{909E8E84-426E-40DD-AFC4-6F175D3DCCD1}">
+              <a14:hiddenFill xmlns:a14="http://schemas.microsoft.com/office/drawing/2010/main">
+                <a:solidFill>
+                  <a:schemeClr val="accent1"/>
+                </a:solidFill>
+              </a14:hiddenFill>
+            </a:ext>
+            <a:ext uri="{91240B29-F687-4F45-9708-019B960494DF}">
+              <a14:hiddenLine xmlns:a14="http://schemas.microsoft.com/office/drawing/2010/main" w="9525">
+                <a:solidFill>
+                  <a:schemeClr val="tx1"/>
+                </a:solidFill>
+                <a:miter lim="800000"/>
+                <a:headEnd/>
+                <a:tailEnd/>
+              </a14:hiddenLine>
+            </a:ext>
+            <a:ext uri="{AF507438-7753-43E0-B8FC-AC1667EBCBE1}">
+              <a14:hiddenEffects xmlns:a14="http://schemas.microsoft.com/office/drawing/2010/main">
+                <a:effectLst>
+                  <a:outerShdw dist="35921" dir="2700000" algn="ctr" rotWithShape="0">
+                    <a:schemeClr val="bg2"/>
+                  </a:outerShdw>
+                </a:effectLst>
+              </a14:hiddenEffects>
+            </a:ext>
+          </a:extLst>
+        </p:spPr>
+        <p:txBody>
+          <a:bodyPr vert="horz" wrap="square" lIns="91440" tIns="45720" rIns="91440" bIns="45720" numCol="1" anchor="ctr" anchorCtr="0" compatLnSpc="1">
+            <a:prstTxWarp prst="textNoShape">
+              <a:avLst/>
+            </a:prstTxWarp>
+            <a:spAutoFit/>
+          </a:bodyPr>
+          <a:lstStyle>
+            <a:lvl1pPr eaLnBrk="0" fontAlgn="base" hangingPunct="0">
+              <a:spcBef>
+                <a:spcPct val="0"/>
+              </a:spcBef>
+              <a:spcAft>
+                <a:spcPct val="0"/>
+              </a:spcAft>
+              <a:defRPr>
+                <a:solidFill>
+                  <a:schemeClr val="tx1"/>
+                </a:solidFill>
+                <a:latin typeface="Arial" panose="020B0604020202020204" pitchFamily="34" charset="0"/>
+              </a:defRPr>
+            </a:lvl1pPr>
+            <a:lvl2pPr eaLnBrk="0" fontAlgn="base" hangingPunct="0">
+              <a:spcBef>
+                <a:spcPct val="0"/>
+              </a:spcBef>
+              <a:spcAft>
+                <a:spcPct val="0"/>
+              </a:spcAft>
+              <a:defRPr>
+                <a:solidFill>
+                  <a:schemeClr val="tx1"/>
+                </a:solidFill>
+                <a:latin typeface="Arial" panose="020B0604020202020204" pitchFamily="34" charset="0"/>
+              </a:defRPr>
+            </a:lvl2pPr>
+            <a:lvl3pPr eaLnBrk="0" fontAlgn="base" hangingPunct="0">
+              <a:spcBef>
+                <a:spcPct val="0"/>
+              </a:spcBef>
+              <a:spcAft>
+                <a:spcPct val="0"/>
+              </a:spcAft>
+              <a:defRPr>
+                <a:solidFill>
+                  <a:schemeClr val="tx1"/>
+                </a:solidFill>
+                <a:latin typeface="Arial" panose="020B0604020202020204" pitchFamily="34" charset="0"/>
+              </a:defRPr>
+            </a:lvl3pPr>
+            <a:lvl4pPr eaLnBrk="0" fontAlgn="base" hangingPunct="0">
+              <a:spcBef>
+                <a:spcPct val="0"/>
+              </a:spcBef>
+              <a:spcAft>
+                <a:spcPct val="0"/>
+              </a:spcAft>
+              <a:defRPr>
+                <a:solidFill>
+                  <a:schemeClr val="tx1"/>
+                </a:solidFill>
+                <a:latin typeface="Arial" panose="020B0604020202020204" pitchFamily="34" charset="0"/>
+              </a:defRPr>
+            </a:lvl4pPr>
+            <a:lvl5pPr eaLnBrk="0" fontAlgn="base" hangingPunct="0">
+              <a:spcBef>
+                <a:spcPct val="0"/>
+              </a:spcBef>
+              <a:spcAft>
+                <a:spcPct val="0"/>
+              </a:spcAft>
+              <a:defRPr>
+                <a:solidFill>
+                  <a:schemeClr val="tx1"/>
+                </a:solidFill>
+                <a:latin typeface="Arial" panose="020B0604020202020204" pitchFamily="34" charset="0"/>
+              </a:defRPr>
+            </a:lvl5pPr>
+            <a:lvl6pPr eaLnBrk="0" fontAlgn="base" hangingPunct="0">
+              <a:spcBef>
+                <a:spcPct val="0"/>
+              </a:spcBef>
+              <a:spcAft>
+                <a:spcPct val="0"/>
+              </a:spcAft>
+              <a:defRPr>
+                <a:solidFill>
+                  <a:schemeClr val="tx1"/>
+                </a:solidFill>
+                <a:latin typeface="Arial" panose="020B0604020202020204" pitchFamily="34" charset="0"/>
+              </a:defRPr>
+            </a:lvl6pPr>
+            <a:lvl7pPr eaLnBrk="0" fontAlgn="base" hangingPunct="0">
+              <a:spcBef>
+                <a:spcPct val="0"/>
+              </a:spcBef>
+              <a:spcAft>
+                <a:spcPct val="0"/>
+              </a:spcAft>
+              <a:defRPr>
+                <a:solidFill>
+                  <a:schemeClr val="tx1"/>
+                </a:solidFill>
+                <a:latin typeface="Arial" panose="020B0604020202020204" pitchFamily="34" charset="0"/>
+              </a:defRPr>
+            </a:lvl7pPr>
+            <a:lvl8pPr eaLnBrk="0" fontAlgn="base" hangingPunct="0">
+              <a:spcBef>
+                <a:spcPct val="0"/>
+              </a:spcBef>
+              <a:spcAft>
+                <a:spcPct val="0"/>
+              </a:spcAft>
+              <a:defRPr>
+                <a:solidFill>
+                  <a:schemeClr val="tx1"/>
+                </a:solidFill>
+                <a:latin typeface="Arial" panose="020B0604020202020204" pitchFamily="34" charset="0"/>
+              </a:defRPr>
+            </a:lvl8pPr>
+            <a:lvl9pPr eaLnBrk="0" fontAlgn="base" hangingPunct="0">
+              <a:spcBef>
+                <a:spcPct val="0"/>
+              </a:spcBef>
+              <a:spcAft>
+                <a:spcPct val="0"/>
+              </a:spcAft>
+              <a:defRPr>
+                <a:solidFill>
+                  <a:schemeClr val="tx1"/>
+                </a:solidFill>
+                <a:latin typeface="Arial" panose="020B0604020202020204" pitchFamily="34" charset="0"/>
+              </a:defRPr>
+            </a:lvl9pPr>
+          </a:lstStyle>
+          <a:p>
+            <a:pPr marL="171450" marR="0" lvl="0" indent="-171450" algn="l" defTabSz="914400" rtl="0" eaLnBrk="0" fontAlgn="base" latinLnBrk="0" hangingPunct="0">
+              <a:lnSpc>
+                <a:spcPct val="100000"/>
+              </a:lnSpc>
+              <a:spcBef>
+                <a:spcPct val="0"/>
+              </a:spcBef>
+              <a:spcAft>
+                <a:spcPct val="0"/>
+              </a:spcAft>
+              <a:buClrTx/>
+              <a:buSzTx/>
+              <a:buFont typeface="Arial" panose="020B0604020202020204" pitchFamily="34" charset="0"/>
+              <a:buChar char="•"/>
+              <a:tabLst/>
+            </a:pPr>
+            <a:r>
+              <a:rPr lang="ko-KR" altLang="en-US" sz="1100">
+                <a:solidFill>
+                  <a:srgbClr val="333333"/>
+                </a:solidFill>
+                <a:latin typeface="맑은 고딕" panose="020B0503020000020004" pitchFamily="50" charset="-127"/>
+                <a:ea typeface="맑은 고딕" panose="020B0503020000020004" pitchFamily="50" charset="-127"/>
+              </a:rPr>
+              <a:t>비지도학습을 통한 영한번역구현</a:t>
+            </a:r>
+            <a:endParaRPr lang="en-US" altLang="ko-KR" sz="1100" dirty="0">
+              <a:solidFill>
+                <a:srgbClr val="333333"/>
+              </a:solidFill>
+              <a:latin typeface="맑은 고딕" panose="020B0503020000020004" pitchFamily="50" charset="-127"/>
+              <a:ea typeface="맑은 고딕" panose="020B0503020000020004" pitchFamily="50" charset="-127"/>
+            </a:endParaRPr>
+          </a:p>
+        </p:txBody>
+      </p:sp>
+      <p:sp>
+        <p:nvSpPr>
+          <p:cNvPr id="21" name="Rectangle 1">
+            <a:extLst>
+              <a:ext uri="{FF2B5EF4-FFF2-40B4-BE49-F238E27FC236}">
+                <a16:creationId xmlns:a16="http://schemas.microsoft.com/office/drawing/2014/main" id="{C27AADB4-4961-4326-9A2F-E01994832D4B}"/>
+              </a:ext>
+            </a:extLst>
+          </p:cNvPr>
+          <p:cNvSpPr>
+            <a:spLocks noChangeArrowheads="1"/>
+          </p:cNvSpPr>
+          <p:nvPr/>
+        </p:nvSpPr>
+        <p:spPr bwMode="auto">
+          <a:xfrm>
+            <a:off x="156411" y="7255156"/>
+            <a:ext cx="6509084" cy="1169551"/>
+          </a:xfrm>
+          <a:prstGeom prst="rect">
+            <a:avLst/>
+          </a:prstGeom>
+          <a:noFill/>
+          <a:ln>
+            <a:noFill/>
+          </a:ln>
+          <a:effectLst/>
+          <a:extLst>
+            <a:ext uri="{909E8E84-426E-40DD-AFC4-6F175D3DCCD1}">
+              <a14:hiddenFill xmlns:a14="http://schemas.microsoft.com/office/drawing/2010/main">
+                <a:solidFill>
+                  <a:schemeClr val="accent1"/>
+                </a:solidFill>
+              </a14:hiddenFill>
+            </a:ext>
+            <a:ext uri="{91240B29-F687-4F45-9708-019B960494DF}">
+              <a14:hiddenLine xmlns:a14="http://schemas.microsoft.com/office/drawing/2010/main" w="9525">
+                <a:solidFill>
+                  <a:schemeClr val="tx1"/>
+                </a:solidFill>
+                <a:miter lim="800000"/>
+                <a:headEnd/>
+                <a:tailEnd/>
+              </a14:hiddenLine>
+            </a:ext>
+            <a:ext uri="{AF507438-7753-43E0-B8FC-AC1667EBCBE1}">
+              <a14:hiddenEffects xmlns:a14="http://schemas.microsoft.com/office/drawing/2010/main">
+                <a:effectLst>
+                  <a:outerShdw dist="35921" dir="2700000" algn="ctr" rotWithShape="0">
+                    <a:schemeClr val="bg2"/>
+                  </a:outerShdw>
+                </a:effectLst>
+              </a14:hiddenEffects>
+            </a:ext>
+          </a:extLst>
+        </p:spPr>
+        <p:txBody>
+          <a:bodyPr vert="horz" wrap="square" lIns="91440" tIns="45720" rIns="91440" bIns="45720" numCol="1" anchor="ctr" anchorCtr="0" compatLnSpc="1">
+            <a:prstTxWarp prst="textNoShape">
+              <a:avLst/>
+            </a:prstTxWarp>
+            <a:spAutoFit/>
+          </a:bodyPr>
+          <a:lstStyle>
+            <a:lvl1pPr eaLnBrk="0" fontAlgn="base" hangingPunct="0">
+              <a:spcBef>
+                <a:spcPct val="0"/>
+              </a:spcBef>
+              <a:spcAft>
+                <a:spcPct val="0"/>
+              </a:spcAft>
+              <a:defRPr>
+                <a:solidFill>
+                  <a:schemeClr val="tx1"/>
+                </a:solidFill>
+                <a:latin typeface="Arial" panose="020B0604020202020204" pitchFamily="34" charset="0"/>
+              </a:defRPr>
+            </a:lvl1pPr>
+            <a:lvl2pPr eaLnBrk="0" fontAlgn="base" hangingPunct="0">
+              <a:spcBef>
+                <a:spcPct val="0"/>
+              </a:spcBef>
+              <a:spcAft>
+                <a:spcPct val="0"/>
+              </a:spcAft>
+              <a:defRPr>
+                <a:solidFill>
+                  <a:schemeClr val="tx1"/>
+                </a:solidFill>
+                <a:latin typeface="Arial" panose="020B0604020202020204" pitchFamily="34" charset="0"/>
+              </a:defRPr>
+            </a:lvl2pPr>
+            <a:lvl3pPr eaLnBrk="0" fontAlgn="base" hangingPunct="0">
+              <a:spcBef>
+                <a:spcPct val="0"/>
+              </a:spcBef>
+              <a:spcAft>
+                <a:spcPct val="0"/>
+              </a:spcAft>
+              <a:defRPr>
+                <a:solidFill>
+                  <a:schemeClr val="tx1"/>
+                </a:solidFill>
+                <a:latin typeface="Arial" panose="020B0604020202020204" pitchFamily="34" charset="0"/>
+              </a:defRPr>
+            </a:lvl3pPr>
+            <a:lvl4pPr eaLnBrk="0" fontAlgn="base" hangingPunct="0">
+              <a:spcBef>
+                <a:spcPct val="0"/>
+              </a:spcBef>
+              <a:spcAft>
+                <a:spcPct val="0"/>
+              </a:spcAft>
+              <a:defRPr>
+                <a:solidFill>
+                  <a:schemeClr val="tx1"/>
+                </a:solidFill>
+                <a:latin typeface="Arial" panose="020B0604020202020204" pitchFamily="34" charset="0"/>
+              </a:defRPr>
+            </a:lvl4pPr>
+            <a:lvl5pPr eaLnBrk="0" fontAlgn="base" hangingPunct="0">
+              <a:spcBef>
+                <a:spcPct val="0"/>
+              </a:spcBef>
+              <a:spcAft>
+                <a:spcPct val="0"/>
+              </a:spcAft>
+              <a:defRPr>
+                <a:solidFill>
+                  <a:schemeClr val="tx1"/>
+                </a:solidFill>
+                <a:latin typeface="Arial" panose="020B0604020202020204" pitchFamily="34" charset="0"/>
+              </a:defRPr>
+            </a:lvl5pPr>
+            <a:lvl6pPr eaLnBrk="0" fontAlgn="base" hangingPunct="0">
+              <a:spcBef>
+                <a:spcPct val="0"/>
+              </a:spcBef>
+              <a:spcAft>
+                <a:spcPct val="0"/>
+              </a:spcAft>
+              <a:defRPr>
+                <a:solidFill>
+                  <a:schemeClr val="tx1"/>
+                </a:solidFill>
+                <a:latin typeface="Arial" panose="020B0604020202020204" pitchFamily="34" charset="0"/>
+              </a:defRPr>
+            </a:lvl6pPr>
+            <a:lvl7pPr eaLnBrk="0" fontAlgn="base" hangingPunct="0">
+              <a:spcBef>
+                <a:spcPct val="0"/>
+              </a:spcBef>
+              <a:spcAft>
+                <a:spcPct val="0"/>
+              </a:spcAft>
+              <a:defRPr>
+                <a:solidFill>
+                  <a:schemeClr val="tx1"/>
+                </a:solidFill>
+                <a:latin typeface="Arial" panose="020B0604020202020204" pitchFamily="34" charset="0"/>
+              </a:defRPr>
+            </a:lvl7pPr>
+            <a:lvl8pPr eaLnBrk="0" fontAlgn="base" hangingPunct="0">
+              <a:spcBef>
+                <a:spcPct val="0"/>
+              </a:spcBef>
+              <a:spcAft>
+                <a:spcPct val="0"/>
+              </a:spcAft>
+              <a:defRPr>
+                <a:solidFill>
+                  <a:schemeClr val="tx1"/>
+                </a:solidFill>
+                <a:latin typeface="Arial" panose="020B0604020202020204" pitchFamily="34" charset="0"/>
+              </a:defRPr>
+            </a:lvl8pPr>
+            <a:lvl9pPr eaLnBrk="0" fontAlgn="base" hangingPunct="0">
+              <a:spcBef>
+                <a:spcPct val="0"/>
+              </a:spcBef>
+              <a:spcAft>
+                <a:spcPct val="0"/>
+              </a:spcAft>
+              <a:defRPr>
+                <a:solidFill>
+                  <a:schemeClr val="tx1"/>
+                </a:solidFill>
+                <a:latin typeface="Arial" panose="020B0604020202020204" pitchFamily="34" charset="0"/>
+              </a:defRPr>
+            </a:lvl9pPr>
+          </a:lstStyle>
+          <a:p>
+            <a:pPr marR="0" lvl="0" algn="l" defTabSz="914400" rtl="0" eaLnBrk="0" fontAlgn="base" latinLnBrk="0" hangingPunct="0">
+              <a:lnSpc>
+                <a:spcPct val="100000"/>
+              </a:lnSpc>
+              <a:spcBef>
+                <a:spcPct val="0"/>
+              </a:spcBef>
+              <a:spcAft>
+                <a:spcPct val="0"/>
+              </a:spcAft>
+              <a:buClrTx/>
+              <a:buSzTx/>
+              <a:tabLst/>
+            </a:pPr>
+            <a:r>
+              <a:rPr lang="ko-KR" altLang="en-US" sz="1000" b="1">
+                <a:solidFill>
+                  <a:srgbClr val="333333"/>
+                </a:solidFill>
+                <a:latin typeface="맑은 고딕" panose="020B0503020000020004" pitchFamily="50" charset="-127"/>
+                <a:ea typeface="맑은 고딕" panose="020B0503020000020004" pitchFamily="50" charset="-127"/>
+              </a:rPr>
+              <a:t>맡은 부분</a:t>
+            </a:r>
+            <a:endParaRPr lang="en-US" altLang="ko-KR" sz="1000" b="1">
+              <a:solidFill>
+                <a:srgbClr val="333333"/>
+              </a:solidFill>
+              <a:latin typeface="맑은 고딕" panose="020B0503020000020004" pitchFamily="50" charset="-127"/>
+              <a:ea typeface="맑은 고딕" panose="020B0503020000020004" pitchFamily="50" charset="-127"/>
+            </a:endParaRPr>
+          </a:p>
+          <a:p>
+            <a:pPr marL="171450" marR="0" lvl="0" indent="-171450" algn="l" defTabSz="914400" rtl="0" eaLnBrk="0" fontAlgn="base" latinLnBrk="0" hangingPunct="0">
+              <a:lnSpc>
+                <a:spcPct val="100000"/>
+              </a:lnSpc>
+              <a:spcBef>
+                <a:spcPct val="0"/>
+              </a:spcBef>
+              <a:spcAft>
+                <a:spcPct val="0"/>
+              </a:spcAft>
+              <a:buClrTx/>
+              <a:buSzTx/>
+              <a:buFontTx/>
+              <a:buChar char="-"/>
+              <a:tabLst/>
+            </a:pPr>
+            <a:r>
+              <a:rPr lang="ko-KR" altLang="en-US" sz="1000">
+                <a:solidFill>
+                  <a:srgbClr val="333333"/>
+                </a:solidFill>
+                <a:latin typeface="맑은 고딕" panose="020B0503020000020004" pitchFamily="50" charset="-127"/>
+                <a:ea typeface="맑은 고딕" panose="020B0503020000020004" pitchFamily="50" charset="-127"/>
+              </a:rPr>
+              <a:t>영어 문서</a:t>
+            </a:r>
+            <a:r>
+              <a:rPr lang="en-US" altLang="ko-KR" sz="1000">
+                <a:solidFill>
+                  <a:srgbClr val="333333"/>
+                </a:solidFill>
+                <a:latin typeface="맑은 고딕" panose="020B0503020000020004" pitchFamily="50" charset="-127"/>
+                <a:ea typeface="맑은 고딕" panose="020B0503020000020004" pitchFamily="50" charset="-127"/>
+              </a:rPr>
+              <a:t>, </a:t>
+            </a:r>
+            <a:r>
+              <a:rPr lang="ko-KR" altLang="en-US" sz="1000">
+                <a:solidFill>
+                  <a:srgbClr val="333333"/>
+                </a:solidFill>
+                <a:latin typeface="맑은 고딕" panose="020B0503020000020004" pitchFamily="50" charset="-127"/>
+                <a:ea typeface="맑은 고딕" panose="020B0503020000020004" pitchFamily="50" charset="-127"/>
+              </a:rPr>
+              <a:t>한글 문서 각각 약 </a:t>
+            </a:r>
+            <a:r>
+              <a:rPr lang="en-US" altLang="ko-KR" sz="1000">
+                <a:solidFill>
+                  <a:srgbClr val="333333"/>
+                </a:solidFill>
+                <a:latin typeface="맑은 고딕" panose="020B0503020000020004" pitchFamily="50" charset="-127"/>
+                <a:ea typeface="맑은 고딕" panose="020B0503020000020004" pitchFamily="50" charset="-127"/>
+              </a:rPr>
+              <a:t>500</a:t>
+            </a:r>
+            <a:r>
+              <a:rPr lang="ko-KR" altLang="en-US" sz="1000">
+                <a:solidFill>
+                  <a:srgbClr val="333333"/>
+                </a:solidFill>
+                <a:latin typeface="맑은 고딕" panose="020B0503020000020004" pitchFamily="50" charset="-127"/>
+                <a:ea typeface="맑은 고딕" panose="020B0503020000020004" pitchFamily="50" charset="-127"/>
+              </a:rPr>
+              <a:t>만문장 전처리 및 토큰화 진행</a:t>
+            </a:r>
+            <a:r>
+              <a:rPr lang="en-US" altLang="ko-KR" sz="1000">
+                <a:solidFill>
+                  <a:srgbClr val="333333"/>
+                </a:solidFill>
+                <a:latin typeface="맑은 고딕" panose="020B0503020000020004" pitchFamily="50" charset="-127"/>
+                <a:ea typeface="맑은 고딕" panose="020B0503020000020004" pitchFamily="50" charset="-127"/>
+              </a:rPr>
+              <a:t>(</a:t>
+            </a:r>
+            <a:r>
+              <a:rPr lang="ko-KR" altLang="en-US" sz="1000">
+                <a:solidFill>
+                  <a:srgbClr val="333333"/>
+                </a:solidFill>
+                <a:latin typeface="맑은 고딕" panose="020B0503020000020004" pitchFamily="50" charset="-127"/>
+                <a:ea typeface="맑은 고딕" panose="020B0503020000020004" pitchFamily="50" charset="-127"/>
+              </a:rPr>
+              <a:t>한글</a:t>
+            </a:r>
+            <a:r>
+              <a:rPr lang="en-US" altLang="ko-KR" sz="1000">
+                <a:solidFill>
+                  <a:srgbClr val="333333"/>
+                </a:solidFill>
+                <a:latin typeface="맑은 고딕" panose="020B0503020000020004" pitchFamily="50" charset="-127"/>
+                <a:ea typeface="맑은 고딕" panose="020B0503020000020004" pitchFamily="50" charset="-127"/>
+              </a:rPr>
+              <a:t>-kkma/</a:t>
+            </a:r>
+            <a:r>
+              <a:rPr lang="ko-KR" altLang="en-US" sz="1000">
+                <a:solidFill>
+                  <a:srgbClr val="333333"/>
+                </a:solidFill>
+                <a:latin typeface="맑은 고딕" panose="020B0503020000020004" pitchFamily="50" charset="-127"/>
+                <a:ea typeface="맑은 고딕" panose="020B0503020000020004" pitchFamily="50" charset="-127"/>
+              </a:rPr>
+              <a:t>영어</a:t>
+            </a:r>
+            <a:r>
+              <a:rPr lang="en-US" altLang="ko-KR" sz="1000">
+                <a:solidFill>
+                  <a:srgbClr val="333333"/>
+                </a:solidFill>
+                <a:latin typeface="맑은 고딕" panose="020B0503020000020004" pitchFamily="50" charset="-127"/>
+                <a:ea typeface="맑은 고딕" panose="020B0503020000020004" pitchFamily="50" charset="-127"/>
+              </a:rPr>
+              <a:t>-nltk)</a:t>
+            </a:r>
+          </a:p>
+          <a:p>
+            <a:pPr marL="171450" marR="0" lvl="0" indent="-171450" algn="l" defTabSz="914400" rtl="0" eaLnBrk="0" fontAlgn="base" latinLnBrk="0" hangingPunct="0">
+              <a:lnSpc>
+                <a:spcPct val="100000"/>
+              </a:lnSpc>
+              <a:spcBef>
+                <a:spcPct val="0"/>
+              </a:spcBef>
+              <a:spcAft>
+                <a:spcPct val="0"/>
+              </a:spcAft>
+              <a:buClrTx/>
+              <a:buSzTx/>
+              <a:buFontTx/>
+              <a:buChar char="-"/>
+              <a:tabLst/>
+            </a:pPr>
+            <a:r>
+              <a:rPr lang="en-US" altLang="ko-KR" sz="1000">
+                <a:solidFill>
+                  <a:srgbClr val="333333"/>
+                </a:solidFill>
+                <a:latin typeface="맑은 고딕" panose="020B0503020000020004" pitchFamily="50" charset="-127"/>
+                <a:ea typeface="맑은 고딕" panose="020B0503020000020004" pitchFamily="50" charset="-127"/>
+              </a:rPr>
+              <a:t>Word2vec </a:t>
+            </a:r>
+            <a:r>
+              <a:rPr lang="ko-KR" altLang="en-US" sz="1000">
+                <a:solidFill>
+                  <a:srgbClr val="333333"/>
+                </a:solidFill>
+                <a:latin typeface="맑은 고딕" panose="020B0503020000020004" pitchFamily="50" charset="-127"/>
+                <a:ea typeface="맑은 고딕" panose="020B0503020000020004" pitchFamily="50" charset="-127"/>
+              </a:rPr>
+              <a:t>을 이용하여 영어</a:t>
+            </a:r>
+            <a:r>
+              <a:rPr lang="en-US" altLang="ko-KR" sz="1000">
+                <a:solidFill>
+                  <a:srgbClr val="333333"/>
+                </a:solidFill>
+                <a:latin typeface="맑은 고딕" panose="020B0503020000020004" pitchFamily="50" charset="-127"/>
+                <a:ea typeface="맑은 고딕" panose="020B0503020000020004" pitchFamily="50" charset="-127"/>
+              </a:rPr>
+              <a:t>, </a:t>
+            </a:r>
+            <a:r>
+              <a:rPr lang="ko-KR" altLang="en-US" sz="1000">
+                <a:solidFill>
+                  <a:srgbClr val="333333"/>
+                </a:solidFill>
+                <a:latin typeface="맑은 고딕" panose="020B0503020000020004" pitchFamily="50" charset="-127"/>
+                <a:ea typeface="맑은 고딕" panose="020B0503020000020004" pitchFamily="50" charset="-127"/>
+              </a:rPr>
+              <a:t>한국어 데이터 </a:t>
+            </a:r>
+            <a:r>
+              <a:rPr lang="en-US" altLang="ko-KR" sz="1000">
+                <a:solidFill>
+                  <a:srgbClr val="333333"/>
+                </a:solidFill>
+                <a:latin typeface="맑은 고딕" panose="020B0503020000020004" pitchFamily="50" charset="-127"/>
+                <a:ea typeface="맑은 고딕" panose="020B0503020000020004" pitchFamily="50" charset="-127"/>
+              </a:rPr>
+              <a:t>embedding</a:t>
+            </a:r>
+          </a:p>
+          <a:p>
+            <a:pPr marL="171450" marR="0" lvl="0" indent="-171450" algn="l" defTabSz="914400" rtl="0" eaLnBrk="0" fontAlgn="base" latinLnBrk="0" hangingPunct="0">
+              <a:lnSpc>
+                <a:spcPct val="100000"/>
+              </a:lnSpc>
+              <a:spcBef>
+                <a:spcPct val="0"/>
+              </a:spcBef>
+              <a:spcAft>
+                <a:spcPct val="0"/>
+              </a:spcAft>
+              <a:buClrTx/>
+              <a:buSzTx/>
+              <a:buFontTx/>
+              <a:buChar char="-"/>
+              <a:tabLst/>
+            </a:pPr>
+            <a:r>
+              <a:rPr lang="ko-KR" altLang="en-US" sz="1000">
+                <a:solidFill>
+                  <a:srgbClr val="333333"/>
+                </a:solidFill>
+                <a:latin typeface="맑은 고딕" panose="020B0503020000020004" pitchFamily="50" charset="-127"/>
+                <a:ea typeface="맑은 고딕" panose="020B0503020000020004" pitchFamily="50" charset="-127"/>
+              </a:rPr>
+              <a:t>이용한 모델의 </a:t>
+            </a:r>
+            <a:r>
+              <a:rPr lang="en-US" altLang="ko-KR" sz="1000">
+                <a:solidFill>
+                  <a:srgbClr val="333333"/>
+                </a:solidFill>
+                <a:latin typeface="맑은 고딕" panose="020B0503020000020004" pitchFamily="50" charset="-127"/>
+                <a:ea typeface="맑은 고딕" panose="020B0503020000020004" pitchFamily="50" charset="-127"/>
+              </a:rPr>
+              <a:t>pytorch </a:t>
+            </a:r>
+            <a:r>
+              <a:rPr lang="ko-KR" altLang="en-US" sz="1000">
+                <a:solidFill>
+                  <a:srgbClr val="333333"/>
+                </a:solidFill>
+                <a:latin typeface="맑은 고딕" panose="020B0503020000020004" pitchFamily="50" charset="-127"/>
+                <a:ea typeface="맑은 고딕" panose="020B0503020000020004" pitchFamily="50" charset="-127"/>
+              </a:rPr>
+              <a:t>기반 코드를 현재 </a:t>
+            </a:r>
+            <a:r>
+              <a:rPr lang="en-US" altLang="ko-KR" sz="1000">
+                <a:solidFill>
+                  <a:srgbClr val="333333"/>
+                </a:solidFill>
+                <a:latin typeface="맑은 고딕" panose="020B0503020000020004" pitchFamily="50" charset="-127"/>
+                <a:ea typeface="맑은 고딕" panose="020B0503020000020004" pitchFamily="50" charset="-127"/>
+              </a:rPr>
+              <a:t>version</a:t>
+            </a:r>
+            <a:r>
+              <a:rPr lang="ko-KR" altLang="en-US" sz="1000">
+                <a:solidFill>
+                  <a:srgbClr val="333333"/>
+                </a:solidFill>
+                <a:latin typeface="맑은 고딕" panose="020B0503020000020004" pitchFamily="50" charset="-127"/>
+                <a:ea typeface="맑은 고딕" panose="020B0503020000020004" pitchFamily="50" charset="-127"/>
+              </a:rPr>
+              <a:t>에 맞게 수정</a:t>
+            </a:r>
+            <a:endParaRPr lang="en-US" altLang="ko-KR" sz="1000">
+              <a:solidFill>
+                <a:srgbClr val="333333"/>
+              </a:solidFill>
+              <a:latin typeface="맑은 고딕" panose="020B0503020000020004" pitchFamily="50" charset="-127"/>
+              <a:ea typeface="맑은 고딕" panose="020B0503020000020004" pitchFamily="50" charset="-127"/>
+            </a:endParaRPr>
+          </a:p>
+          <a:p>
+            <a:pPr marL="171450" marR="0" lvl="0" indent="-171450" algn="l" defTabSz="914400" rtl="0" eaLnBrk="0" fontAlgn="base" latinLnBrk="0" hangingPunct="0">
+              <a:lnSpc>
+                <a:spcPct val="100000"/>
+              </a:lnSpc>
+              <a:spcBef>
+                <a:spcPct val="0"/>
+              </a:spcBef>
+              <a:spcAft>
+                <a:spcPct val="0"/>
+              </a:spcAft>
+              <a:buClrTx/>
+              <a:buSzTx/>
+              <a:buFontTx/>
+              <a:buChar char="-"/>
+              <a:tabLst/>
+            </a:pPr>
+            <a:r>
+              <a:rPr lang="en-US" altLang="ko-KR" sz="1000">
+                <a:solidFill>
+                  <a:srgbClr val="333333"/>
+                </a:solidFill>
+                <a:latin typeface="맑은 고딕" panose="020B0503020000020004" pitchFamily="50" charset="-127"/>
+                <a:ea typeface="맑은 고딕" panose="020B0503020000020004" pitchFamily="50" charset="-127"/>
+              </a:rPr>
+              <a:t>AWS gpu </a:t>
+            </a:r>
+            <a:r>
+              <a:rPr lang="ko-KR" altLang="en-US" sz="1000">
+                <a:solidFill>
+                  <a:srgbClr val="333333"/>
+                </a:solidFill>
+                <a:latin typeface="맑은 고딕" panose="020B0503020000020004" pitchFamily="50" charset="-127"/>
+                <a:ea typeface="맑은 고딕" panose="020B0503020000020004" pitchFamily="50" charset="-127"/>
+              </a:rPr>
+              <a:t>서버를 이용하여 학습진행 및 결과 정리</a:t>
+            </a:r>
+          </a:p>
+          <a:p>
+            <a:pPr marR="0" lvl="0" algn="l" defTabSz="914400" rtl="0" eaLnBrk="0" fontAlgn="base" latinLnBrk="0" hangingPunct="0">
+              <a:lnSpc>
+                <a:spcPct val="100000"/>
+              </a:lnSpc>
+              <a:spcBef>
+                <a:spcPct val="0"/>
+              </a:spcBef>
+              <a:spcAft>
+                <a:spcPct val="0"/>
+              </a:spcAft>
+              <a:buClrTx/>
+              <a:buSzTx/>
+              <a:tabLst/>
+            </a:pPr>
+            <a:endParaRPr lang="en-US" altLang="ko-KR" sz="1000" b="1">
+              <a:solidFill>
+                <a:srgbClr val="333333"/>
+              </a:solidFill>
+              <a:latin typeface="맑은 고딕" panose="020B0503020000020004" pitchFamily="50" charset="-127"/>
+              <a:ea typeface="맑은 고딕" panose="020B0503020000020004" pitchFamily="50" charset="-127"/>
+            </a:endParaRPr>
+          </a:p>
+          <a:p>
+            <a:pPr marR="0" lvl="0" algn="l" defTabSz="914400" rtl="0" eaLnBrk="0" fontAlgn="base" latinLnBrk="0" hangingPunct="0">
+              <a:lnSpc>
+                <a:spcPct val="100000"/>
+              </a:lnSpc>
+              <a:spcBef>
+                <a:spcPct val="0"/>
+              </a:spcBef>
+              <a:spcAft>
+                <a:spcPct val="0"/>
+              </a:spcAft>
+              <a:buClrTx/>
+              <a:buSzTx/>
+              <a:tabLst/>
+            </a:pPr>
+            <a:endParaRPr lang="en-US" altLang="ko-KR" sz="1000" b="1" dirty="0">
+              <a:solidFill>
+                <a:srgbClr val="333333"/>
+              </a:solidFill>
+              <a:latin typeface="맑은 고딕" panose="020B0503020000020004" pitchFamily="50" charset="-127"/>
+              <a:ea typeface="맑은 고딕" panose="020B0503020000020004" pitchFamily="50" charset="-127"/>
+            </a:endParaRPr>
+          </a:p>
+        </p:txBody>
+      </p:sp>
+      <p:sp>
+        <p:nvSpPr>
+          <p:cNvPr id="25" name="Rectangle 1">
+            <a:extLst>
+              <a:ext uri="{FF2B5EF4-FFF2-40B4-BE49-F238E27FC236}">
+                <a16:creationId xmlns:a16="http://schemas.microsoft.com/office/drawing/2014/main" id="{6E728E59-90C4-414E-ACA3-1ADBCAE7A540}"/>
+              </a:ext>
+            </a:extLst>
+          </p:cNvPr>
+          <p:cNvSpPr>
+            <a:spLocks noChangeArrowheads="1"/>
+          </p:cNvSpPr>
+          <p:nvPr/>
+        </p:nvSpPr>
+        <p:spPr bwMode="auto">
+          <a:xfrm>
+            <a:off x="276725" y="6633725"/>
+            <a:ext cx="6412829" cy="400110"/>
+          </a:xfrm>
+          <a:prstGeom prst="rect">
+            <a:avLst/>
+          </a:prstGeom>
+          <a:noFill/>
+          <a:ln>
+            <a:noFill/>
+          </a:ln>
+          <a:effectLst/>
+          <a:extLst>
+            <a:ext uri="{909E8E84-426E-40DD-AFC4-6F175D3DCCD1}">
+              <a14:hiddenFill xmlns:a14="http://schemas.microsoft.com/office/drawing/2010/main">
+                <a:solidFill>
+                  <a:schemeClr val="accent1"/>
+                </a:solidFill>
+              </a14:hiddenFill>
+            </a:ext>
+            <a:ext uri="{91240B29-F687-4F45-9708-019B960494DF}">
+              <a14:hiddenLine xmlns:a14="http://schemas.microsoft.com/office/drawing/2010/main" w="9525">
+                <a:solidFill>
+                  <a:schemeClr val="tx1"/>
+                </a:solidFill>
+                <a:miter lim="800000"/>
+                <a:headEnd/>
+                <a:tailEnd/>
+              </a14:hiddenLine>
+            </a:ext>
+            <a:ext uri="{AF507438-7753-43E0-B8FC-AC1667EBCBE1}">
+              <a14:hiddenEffects xmlns:a14="http://schemas.microsoft.com/office/drawing/2010/main">
+                <a:effectLst>
+                  <a:outerShdw dist="35921" dir="2700000" algn="ctr" rotWithShape="0">
+                    <a:schemeClr val="bg2"/>
+                  </a:outerShdw>
+                </a:effectLst>
+              </a14:hiddenEffects>
+            </a:ext>
+          </a:extLst>
+        </p:spPr>
+        <p:txBody>
+          <a:bodyPr vert="horz" wrap="square" lIns="91440" tIns="45720" rIns="91440" bIns="45720" numCol="1" anchor="ctr" anchorCtr="0" compatLnSpc="1">
+            <a:prstTxWarp prst="textNoShape">
+              <a:avLst/>
+            </a:prstTxWarp>
+            <a:spAutoFit/>
+          </a:bodyPr>
+          <a:lstStyle>
+            <a:lvl1pPr eaLnBrk="0" fontAlgn="base" hangingPunct="0">
+              <a:spcBef>
+                <a:spcPct val="0"/>
+              </a:spcBef>
+              <a:spcAft>
+                <a:spcPct val="0"/>
+              </a:spcAft>
+              <a:defRPr>
+                <a:solidFill>
+                  <a:schemeClr val="tx1"/>
+                </a:solidFill>
+                <a:latin typeface="Arial" panose="020B0604020202020204" pitchFamily="34" charset="0"/>
+              </a:defRPr>
+            </a:lvl1pPr>
+            <a:lvl2pPr eaLnBrk="0" fontAlgn="base" hangingPunct="0">
+              <a:spcBef>
+                <a:spcPct val="0"/>
+              </a:spcBef>
+              <a:spcAft>
+                <a:spcPct val="0"/>
+              </a:spcAft>
+              <a:defRPr>
+                <a:solidFill>
+                  <a:schemeClr val="tx1"/>
+                </a:solidFill>
+                <a:latin typeface="Arial" panose="020B0604020202020204" pitchFamily="34" charset="0"/>
+              </a:defRPr>
+            </a:lvl2pPr>
+            <a:lvl3pPr eaLnBrk="0" fontAlgn="base" hangingPunct="0">
+              <a:spcBef>
+                <a:spcPct val="0"/>
+              </a:spcBef>
+              <a:spcAft>
+                <a:spcPct val="0"/>
+              </a:spcAft>
+              <a:defRPr>
+                <a:solidFill>
+                  <a:schemeClr val="tx1"/>
+                </a:solidFill>
+                <a:latin typeface="Arial" panose="020B0604020202020204" pitchFamily="34" charset="0"/>
+              </a:defRPr>
+            </a:lvl3pPr>
+            <a:lvl4pPr eaLnBrk="0" fontAlgn="base" hangingPunct="0">
+              <a:spcBef>
+                <a:spcPct val="0"/>
+              </a:spcBef>
+              <a:spcAft>
+                <a:spcPct val="0"/>
+              </a:spcAft>
+              <a:defRPr>
+                <a:solidFill>
+                  <a:schemeClr val="tx1"/>
+                </a:solidFill>
+                <a:latin typeface="Arial" panose="020B0604020202020204" pitchFamily="34" charset="0"/>
+              </a:defRPr>
+            </a:lvl4pPr>
+            <a:lvl5pPr eaLnBrk="0" fontAlgn="base" hangingPunct="0">
+              <a:spcBef>
+                <a:spcPct val="0"/>
+              </a:spcBef>
+              <a:spcAft>
+                <a:spcPct val="0"/>
+              </a:spcAft>
+              <a:defRPr>
+                <a:solidFill>
+                  <a:schemeClr val="tx1"/>
+                </a:solidFill>
+                <a:latin typeface="Arial" panose="020B0604020202020204" pitchFamily="34" charset="0"/>
+              </a:defRPr>
+            </a:lvl5pPr>
+            <a:lvl6pPr eaLnBrk="0" fontAlgn="base" hangingPunct="0">
+              <a:spcBef>
+                <a:spcPct val="0"/>
+              </a:spcBef>
+              <a:spcAft>
+                <a:spcPct val="0"/>
+              </a:spcAft>
+              <a:defRPr>
+                <a:solidFill>
+                  <a:schemeClr val="tx1"/>
+                </a:solidFill>
+                <a:latin typeface="Arial" panose="020B0604020202020204" pitchFamily="34" charset="0"/>
+              </a:defRPr>
+            </a:lvl6pPr>
+            <a:lvl7pPr eaLnBrk="0" fontAlgn="base" hangingPunct="0">
+              <a:spcBef>
+                <a:spcPct val="0"/>
+              </a:spcBef>
+              <a:spcAft>
+                <a:spcPct val="0"/>
+              </a:spcAft>
+              <a:defRPr>
+                <a:solidFill>
+                  <a:schemeClr val="tx1"/>
+                </a:solidFill>
+                <a:latin typeface="Arial" panose="020B0604020202020204" pitchFamily="34" charset="0"/>
+              </a:defRPr>
+            </a:lvl7pPr>
+            <a:lvl8pPr eaLnBrk="0" fontAlgn="base" hangingPunct="0">
+              <a:spcBef>
+                <a:spcPct val="0"/>
+              </a:spcBef>
+              <a:spcAft>
+                <a:spcPct val="0"/>
+              </a:spcAft>
+              <a:defRPr>
+                <a:solidFill>
+                  <a:schemeClr val="tx1"/>
+                </a:solidFill>
+                <a:latin typeface="Arial" panose="020B0604020202020204" pitchFamily="34" charset="0"/>
+              </a:defRPr>
+            </a:lvl8pPr>
+            <a:lvl9pPr eaLnBrk="0" fontAlgn="base" hangingPunct="0">
+              <a:spcBef>
+                <a:spcPct val="0"/>
+              </a:spcBef>
+              <a:spcAft>
+                <a:spcPct val="0"/>
+              </a:spcAft>
+              <a:defRPr>
+                <a:solidFill>
+                  <a:schemeClr val="tx1"/>
+                </a:solidFill>
+                <a:latin typeface="Arial" panose="020B0604020202020204" pitchFamily="34" charset="0"/>
+              </a:defRPr>
+            </a:lvl9pPr>
+          </a:lstStyle>
+          <a:p>
+            <a:pPr marR="0" lvl="0" algn="just" defTabSz="914400" rtl="0" eaLnBrk="0" fontAlgn="base" latinLnBrk="0" hangingPunct="0">
+              <a:lnSpc>
+                <a:spcPct val="100000"/>
+              </a:lnSpc>
+              <a:spcBef>
+                <a:spcPct val="0"/>
+              </a:spcBef>
+              <a:spcAft>
+                <a:spcPct val="0"/>
+              </a:spcAft>
+              <a:buClrTx/>
+              <a:buSzTx/>
+              <a:tabLst/>
+            </a:pPr>
+            <a:r>
+              <a:rPr lang="ko-KR" altLang="en-US" sz="1000">
+                <a:solidFill>
+                  <a:schemeClr val="bg1">
+                    <a:lumMod val="50000"/>
+                  </a:schemeClr>
+                </a:solidFill>
+                <a:latin typeface="+mj-ea"/>
+                <a:ea typeface="+mj-ea"/>
+              </a:rPr>
+              <a:t>많은 양의 병렬코퍼스 수집의 어려움이 </a:t>
+            </a:r>
+            <a:r>
+              <a:rPr lang="en-US" altLang="ko-KR" sz="1000">
+                <a:solidFill>
+                  <a:schemeClr val="bg1">
+                    <a:lumMod val="50000"/>
+                  </a:schemeClr>
+                </a:solidFill>
+                <a:latin typeface="+mj-ea"/>
+                <a:ea typeface="+mj-ea"/>
+              </a:rPr>
+              <a:t>NMT</a:t>
+            </a:r>
+            <a:r>
+              <a:rPr lang="ko-KR" altLang="en-US" sz="1000">
+                <a:solidFill>
+                  <a:schemeClr val="bg1">
+                    <a:lumMod val="50000"/>
+                  </a:schemeClr>
+                </a:solidFill>
+                <a:latin typeface="+mj-ea"/>
+                <a:ea typeface="+mj-ea"/>
+              </a:rPr>
+              <a:t>에서 실질적 문제로 대두되었다</a:t>
+            </a:r>
+            <a:r>
+              <a:rPr lang="en-US" altLang="ko-KR" sz="1000">
+                <a:solidFill>
+                  <a:schemeClr val="bg1">
+                    <a:lumMod val="50000"/>
+                  </a:schemeClr>
+                </a:solidFill>
+                <a:latin typeface="+mj-ea"/>
+                <a:ea typeface="+mj-ea"/>
+              </a:rPr>
+              <a:t>. </a:t>
+            </a:r>
+            <a:r>
+              <a:rPr lang="ko-KR" altLang="en-US" sz="1000">
+                <a:solidFill>
+                  <a:schemeClr val="bg1">
+                    <a:lumMod val="50000"/>
+                  </a:schemeClr>
+                </a:solidFill>
+                <a:latin typeface="+mj-ea"/>
+                <a:ea typeface="+mj-ea"/>
+              </a:rPr>
+              <a:t>따라서 병렬 데이터를 전혀 사용하지 않고 단일 언어 코퍼스만을 사용하는 </a:t>
+            </a:r>
+            <a:r>
+              <a:rPr lang="en-US" altLang="ko-KR" sz="1000">
+                <a:solidFill>
+                  <a:schemeClr val="bg1">
+                    <a:lumMod val="50000"/>
+                  </a:schemeClr>
+                </a:solidFill>
+                <a:latin typeface="+mj-ea"/>
+                <a:ea typeface="+mj-ea"/>
+              </a:rPr>
+              <a:t>NMT </a:t>
+            </a:r>
+            <a:r>
+              <a:rPr lang="ko-KR" altLang="en-US" sz="1000">
+                <a:solidFill>
+                  <a:schemeClr val="bg1">
+                    <a:lumMod val="50000"/>
+                  </a:schemeClr>
+                </a:solidFill>
+                <a:latin typeface="+mj-ea"/>
+                <a:ea typeface="+mj-ea"/>
+              </a:rPr>
+              <a:t>시스템을 이용한 기계번역을 구현해 보았다</a:t>
+            </a:r>
+            <a:r>
+              <a:rPr lang="en-US" altLang="ko-KR" sz="1000">
+                <a:solidFill>
+                  <a:schemeClr val="bg1">
+                    <a:lumMod val="50000"/>
+                  </a:schemeClr>
+                </a:solidFill>
+                <a:latin typeface="+mj-ea"/>
+                <a:ea typeface="+mj-ea"/>
+              </a:rPr>
+              <a:t>.</a:t>
+            </a:r>
+            <a:endParaRPr lang="en-US" altLang="ko-KR" sz="1000" dirty="0">
+              <a:solidFill>
+                <a:schemeClr val="bg1">
+                  <a:lumMod val="50000"/>
+                </a:schemeClr>
+              </a:solidFill>
+              <a:latin typeface="+mj-ea"/>
+              <a:ea typeface="+mj-ea"/>
+            </a:endParaRPr>
+          </a:p>
+        </p:txBody>
+      </p:sp>
+      <p:cxnSp>
+        <p:nvCxnSpPr>
+          <p:cNvPr id="28" name="직선 연결선 27">
+            <a:extLst>
+              <a:ext uri="{FF2B5EF4-FFF2-40B4-BE49-F238E27FC236}">
+                <a16:creationId xmlns:a16="http://schemas.microsoft.com/office/drawing/2014/main" id="{5E55FEFD-005E-4EEC-85F7-8D35241A69A4}"/>
+              </a:ext>
+            </a:extLst>
+          </p:cNvPr>
+          <p:cNvCxnSpPr>
+            <a:cxnSpLocks/>
+          </p:cNvCxnSpPr>
+          <p:nvPr/>
+        </p:nvCxnSpPr>
+        <p:spPr>
+          <a:xfrm>
+            <a:off x="288760" y="6625589"/>
+            <a:ext cx="0" cy="485190"/>
           </a:xfrm>
           <a:prstGeom prst="line">
             <a:avLst/>
@@ -12988,21 +15031,6 @@
 </file>
 
 <file path=customXml/item1.xml><?xml version="1.0" encoding="utf-8"?>
-<p:properties xmlns:p="http://schemas.microsoft.com/office/2006/metadata/properties" xmlns:xsi="http://www.w3.org/2001/XMLSchema-instance" xmlns:pc="http://schemas.microsoft.com/office/infopath/2007/PartnerControls">
-  <documentManagement/>
-</p:properties>
-</file>
-
-<file path=customXml/item2.xml><?xml version="1.0" encoding="utf-8"?>
-<?mso-contentType ?>
-<FormTemplates xmlns="http://schemas.microsoft.com/sharepoint/v3/contenttype/forms">
-  <Display>DocumentLibraryForm</Display>
-  <Edit>DocumentLibraryForm</Edit>
-  <New>DocumentLibraryForm</New>
-</FormTemplates>
-</file>
-
-<file path=customXml/item3.xml><?xml version="1.0" encoding="utf-8"?>
 <ct:contentTypeSchema xmlns:ct="http://schemas.microsoft.com/office/2006/metadata/contentType" xmlns:ma="http://schemas.microsoft.com/office/2006/metadata/properties/metaAttributes" ct:_="" ma:_="" ma:contentTypeName="문서" ma:contentTypeID="0x010100AB0332B0A385E94B807D70B3C2DD7F7B" ma:contentTypeVersion="2" ma:contentTypeDescription="새 문서를 만듭니다." ma:contentTypeScope="" ma:versionID="96cf4451611b8f8de5712967cf96ee29">
   <xsd:schema xmlns:xsd="http://www.w3.org/2001/XMLSchema" xmlns:xs="http://www.w3.org/2001/XMLSchema" xmlns:p="http://schemas.microsoft.com/office/2006/metadata/properties" xmlns:ns3="b35b42e8-84bb-4999-a127-46c3e9b9aeb6" targetNamespace="http://schemas.microsoft.com/office/2006/metadata/properties" ma:root="true" ma:fieldsID="78657f65c5c0e9ec42d84544dced70cc" ns3:_="">
     <xsd:import namespace="b35b42e8-84bb-4999-a127-46c3e9b9aeb6"/>
@@ -13134,31 +15162,22 @@
 </ct:contentTypeSchema>
 </file>
 
-<file path=customXml/itemProps1.xml><?xml version="1.0" encoding="utf-8"?>
-<ds:datastoreItem xmlns:ds="http://schemas.openxmlformats.org/officeDocument/2006/customXml" ds:itemID="{A3544500-C9BE-4E90-86F2-9D24B7C80C45}">
-  <ds:schemaRefs>
-    <ds:schemaRef ds:uri="http://schemas.microsoft.com/office/2006/documentManagement/types"/>
-    <ds:schemaRef ds:uri="http://schemas.microsoft.com/office/infopath/2007/PartnerControls"/>
-    <ds:schemaRef ds:uri="http://schemas.microsoft.com/office/2006/metadata/properties"/>
-    <ds:schemaRef ds:uri="http://schemas.openxmlformats.org/package/2006/metadata/core-properties"/>
-    <ds:schemaRef ds:uri="http://purl.org/dc/terms/"/>
-    <ds:schemaRef ds:uri="http://purl.org/dc/elements/1.1/"/>
-    <ds:schemaRef ds:uri="b35b42e8-84bb-4999-a127-46c3e9b9aeb6"/>
-    <ds:schemaRef ds:uri="http://www.w3.org/XML/1998/namespace"/>
-    <ds:schemaRef ds:uri="http://purl.org/dc/dcmitype/"/>
-  </ds:schemaRefs>
-</ds:datastoreItem>
+<file path=customXml/item2.xml><?xml version="1.0" encoding="utf-8"?>
+<?mso-contentType ?>
+<FormTemplates xmlns="http://schemas.microsoft.com/sharepoint/v3/contenttype/forms">
+  <Display>DocumentLibraryForm</Display>
+  <Edit>DocumentLibraryForm</Edit>
+  <New>DocumentLibraryForm</New>
+</FormTemplates>
 </file>
 
-<file path=customXml/itemProps2.xml><?xml version="1.0" encoding="utf-8"?>
-<ds:datastoreItem xmlns:ds="http://schemas.openxmlformats.org/officeDocument/2006/customXml" ds:itemID="{981D9428-CF29-460C-A5D3-C6EE483171F0}">
-  <ds:schemaRefs>
-    <ds:schemaRef ds:uri="http://schemas.microsoft.com/sharepoint/v3/contenttype/forms"/>
-  </ds:schemaRefs>
-</ds:datastoreItem>
+<file path=customXml/item3.xml><?xml version="1.0" encoding="utf-8"?>
+<p:properties xmlns:p="http://schemas.microsoft.com/office/2006/metadata/properties" xmlns:xsi="http://www.w3.org/2001/XMLSchema-instance" xmlns:pc="http://schemas.microsoft.com/office/infopath/2007/PartnerControls">
+  <documentManagement/>
+</p:properties>
 </file>
 
-<file path=customXml/itemProps3.xml><?xml version="1.0" encoding="utf-8"?>
+<file path=customXml/itemProps1.xml><?xml version="1.0" encoding="utf-8"?>
 <ds:datastoreItem xmlns:ds="http://schemas.openxmlformats.org/officeDocument/2006/customXml" ds:itemID="{8FB2622F-2C3E-4609-9388-EF6310F23EC8}">
   <ds:schemaRefs>
     <ds:schemaRef ds:uri="http://schemas.microsoft.com/office/2006/metadata/contentType"/>
@@ -13174,4 +15193,28 @@
     <ds:schemaRef ds:uri="http://schemas.microsoft.com/internal/obd"/>
   </ds:schemaRefs>
 </ds:datastoreItem>
+</file>
+
+<file path=customXml/itemProps2.xml><?xml version="1.0" encoding="utf-8"?>
+<ds:datastoreItem xmlns:ds="http://schemas.openxmlformats.org/officeDocument/2006/customXml" ds:itemID="{981D9428-CF29-460C-A5D3-C6EE483171F0}">
+  <ds:schemaRefs>
+    <ds:schemaRef ds:uri="http://schemas.microsoft.com/sharepoint/v3/contenttype/forms"/>
+  </ds:schemaRefs>
+</ds:datastoreItem>
+</file>
+
+<file path=customXml/itemProps3.xml><?xml version="1.0" encoding="utf-8"?>
+<ds:datastoreItem xmlns:ds="http://schemas.openxmlformats.org/officeDocument/2006/customXml" ds:itemID="{A3544500-C9BE-4E90-86F2-9D24B7C80C45}">
+  <ds:schemaRefs>
+    <ds:schemaRef ds:uri="http://schemas.microsoft.com/office/2006/documentManagement/types"/>
+    <ds:schemaRef ds:uri="http://schemas.microsoft.com/office/infopath/2007/PartnerControls"/>
+    <ds:schemaRef ds:uri="http://schemas.microsoft.com/office/2006/metadata/properties"/>
+    <ds:schemaRef ds:uri="http://schemas.openxmlformats.org/package/2006/metadata/core-properties"/>
+    <ds:schemaRef ds:uri="http://purl.org/dc/terms/"/>
+    <ds:schemaRef ds:uri="http://purl.org/dc/elements/1.1/"/>
+    <ds:schemaRef ds:uri="b35b42e8-84bb-4999-a127-46c3e9b9aeb6"/>
+    <ds:schemaRef ds:uri="http://www.w3.org/XML/1998/namespace"/>
+    <ds:schemaRef ds:uri="http://purl.org/dc/dcmitype/"/>
+  </ds:schemaRefs>
+</ds:datastoreItem>
 </file>
--- a/이력서.pptx
+++ b/이력서.pptx
@@ -252,7 +252,7 @@
           <a:p>
             <a:fld id="{EDE86C09-8350-46A3-A934-715D20D4F05E}" type="datetimeFigureOut">
               <a:rPr lang="ko-KR" altLang="en-US" smtClean="0"/>
-              <a:t>2020-12-29</a:t>
+              <a:t>2021-01-05</a:t>
             </a:fld>
             <a:endParaRPr lang="ko-KR" altLang="en-US"/>
           </a:p>
@@ -422,7 +422,7 @@
           <a:p>
             <a:fld id="{EDE86C09-8350-46A3-A934-715D20D4F05E}" type="datetimeFigureOut">
               <a:rPr lang="ko-KR" altLang="en-US" smtClean="0"/>
-              <a:t>2020-12-29</a:t>
+              <a:t>2021-01-05</a:t>
             </a:fld>
             <a:endParaRPr lang="ko-KR" altLang="en-US"/>
           </a:p>
@@ -602,7 +602,7 @@
           <a:p>
             <a:fld id="{EDE86C09-8350-46A3-A934-715D20D4F05E}" type="datetimeFigureOut">
               <a:rPr lang="ko-KR" altLang="en-US" smtClean="0"/>
-              <a:t>2020-12-29</a:t>
+              <a:t>2021-01-05</a:t>
             </a:fld>
             <a:endParaRPr lang="ko-KR" altLang="en-US"/>
           </a:p>
@@ -772,7 +772,7 @@
           <a:p>
             <a:fld id="{EDE86C09-8350-46A3-A934-715D20D4F05E}" type="datetimeFigureOut">
               <a:rPr lang="ko-KR" altLang="en-US" smtClean="0"/>
-              <a:t>2020-12-29</a:t>
+              <a:t>2021-01-05</a:t>
             </a:fld>
             <a:endParaRPr lang="ko-KR" altLang="en-US"/>
           </a:p>
@@ -1016,7 +1016,7 @@
           <a:p>
             <a:fld id="{EDE86C09-8350-46A3-A934-715D20D4F05E}" type="datetimeFigureOut">
               <a:rPr lang="ko-KR" altLang="en-US" smtClean="0"/>
-              <a:t>2020-12-29</a:t>
+              <a:t>2021-01-05</a:t>
             </a:fld>
             <a:endParaRPr lang="ko-KR" altLang="en-US"/>
           </a:p>
@@ -1248,7 +1248,7 @@
           <a:p>
             <a:fld id="{EDE86C09-8350-46A3-A934-715D20D4F05E}" type="datetimeFigureOut">
               <a:rPr lang="ko-KR" altLang="en-US" smtClean="0"/>
-              <a:t>2020-12-29</a:t>
+              <a:t>2021-01-05</a:t>
             </a:fld>
             <a:endParaRPr lang="ko-KR" altLang="en-US"/>
           </a:p>
@@ -1615,7 +1615,7 @@
           <a:p>
             <a:fld id="{EDE86C09-8350-46A3-A934-715D20D4F05E}" type="datetimeFigureOut">
               <a:rPr lang="ko-KR" altLang="en-US" smtClean="0"/>
-              <a:t>2020-12-29</a:t>
+              <a:t>2021-01-05</a:t>
             </a:fld>
             <a:endParaRPr lang="ko-KR" altLang="en-US"/>
           </a:p>
@@ -1733,7 +1733,7 @@
           <a:p>
             <a:fld id="{EDE86C09-8350-46A3-A934-715D20D4F05E}" type="datetimeFigureOut">
               <a:rPr lang="ko-KR" altLang="en-US" smtClean="0"/>
-              <a:t>2020-12-29</a:t>
+              <a:t>2021-01-05</a:t>
             </a:fld>
             <a:endParaRPr lang="ko-KR" altLang="en-US"/>
           </a:p>
@@ -1828,7 +1828,7 @@
           <a:p>
             <a:fld id="{EDE86C09-8350-46A3-A934-715D20D4F05E}" type="datetimeFigureOut">
               <a:rPr lang="ko-KR" altLang="en-US" smtClean="0"/>
-              <a:t>2020-12-29</a:t>
+              <a:t>2021-01-05</a:t>
             </a:fld>
             <a:endParaRPr lang="ko-KR" altLang="en-US"/>
           </a:p>
@@ -2105,7 +2105,7 @@
           <a:p>
             <a:fld id="{EDE86C09-8350-46A3-A934-715D20D4F05E}" type="datetimeFigureOut">
               <a:rPr lang="ko-KR" altLang="en-US" smtClean="0"/>
-              <a:t>2020-12-29</a:t>
+              <a:t>2021-01-05</a:t>
             </a:fld>
             <a:endParaRPr lang="ko-KR" altLang="en-US"/>
           </a:p>
@@ -2362,7 +2362,7 @@
           <a:p>
             <a:fld id="{EDE86C09-8350-46A3-A934-715D20D4F05E}" type="datetimeFigureOut">
               <a:rPr lang="ko-KR" altLang="en-US" smtClean="0"/>
-              <a:t>2020-12-29</a:t>
+              <a:t>2021-01-05</a:t>
             </a:fld>
             <a:endParaRPr lang="ko-KR" altLang="en-US"/>
           </a:p>
@@ -2575,7 +2575,7 @@
           <a:p>
             <a:fld id="{EDE86C09-8350-46A3-A934-715D20D4F05E}" type="datetimeFigureOut">
               <a:rPr lang="ko-KR" altLang="en-US" smtClean="0"/>
-              <a:t>2020-12-29</a:t>
+              <a:t>2021-01-05</a:t>
             </a:fld>
             <a:endParaRPr lang="ko-KR" altLang="en-US"/>
           </a:p>
@@ -4496,7 +4496,7 @@
         </p:nvGrpSpPr>
         <p:grpSpPr>
           <a:xfrm>
-            <a:off x="72189" y="2351272"/>
+            <a:off x="72189" y="2206891"/>
             <a:ext cx="6593306" cy="276999"/>
             <a:chOff x="72189" y="1052625"/>
             <a:chExt cx="6593306" cy="276999"/>
@@ -4794,7 +4794,7 @@
         </p:nvSpPr>
         <p:spPr bwMode="auto">
           <a:xfrm>
-            <a:off x="156411" y="2698100"/>
+            <a:off x="156411" y="2553719"/>
             <a:ext cx="6509084" cy="661720"/>
           </a:xfrm>
           <a:prstGeom prst="rect">
@@ -5144,7 +5144,7 @@
         </p:nvGrpSpPr>
         <p:grpSpPr>
           <a:xfrm>
-            <a:off x="72189" y="3590523"/>
+            <a:off x="72189" y="3446142"/>
             <a:ext cx="6593306" cy="276999"/>
             <a:chOff x="72189" y="1052625"/>
             <a:chExt cx="6593306" cy="276999"/>
@@ -5400,6 +5400,34 @@
                 </a:rPr>
                 <a:t>활동</a:t>
               </a:r>
+              <a:r>
+                <a:rPr kumimoji="0" lang="en-US" altLang="ko-KR" sz="1200" b="1" i="0" u="none" strike="noStrike" cap="none" normalizeH="0" baseline="0">
+                  <a:ln>
+                    <a:noFill/>
+                  </a:ln>
+                  <a:solidFill>
+                    <a:srgbClr val="333333"/>
+                  </a:solidFill>
+                  <a:effectLst/>
+                  <a:latin typeface="맑은 고딕" panose="020B0503020000020004" pitchFamily="50" charset="-127"/>
+                  <a:ea typeface="맑은 고딕" panose="020B0503020000020004" pitchFamily="50" charset="-127"/>
+                </a:rPr>
+                <a:t>/</a:t>
+              </a:r>
+              <a:r>
+                <a:rPr kumimoji="0" lang="ko-KR" altLang="en-US" sz="1200" b="1" i="0" u="none" strike="noStrike" cap="none" normalizeH="0" baseline="0">
+                  <a:ln>
+                    <a:noFill/>
+                  </a:ln>
+                  <a:solidFill>
+                    <a:srgbClr val="333333"/>
+                  </a:solidFill>
+                  <a:effectLst/>
+                  <a:latin typeface="맑은 고딕" panose="020B0503020000020004" pitchFamily="50" charset="-127"/>
+                  <a:ea typeface="맑은 고딕" panose="020B0503020000020004" pitchFamily="50" charset="-127"/>
+                </a:rPr>
+                <a:t>자격증</a:t>
+              </a:r>
               <a:endParaRPr kumimoji="0" lang="ko-KR" altLang="ko-KR" sz="1200" b="1" i="0" u="none" strike="noStrike" cap="none" normalizeH="0" baseline="0" dirty="0">
                 <a:ln>
                   <a:noFill/>
@@ -5474,7 +5502,7 @@
         </p:nvSpPr>
         <p:spPr bwMode="auto">
           <a:xfrm>
-            <a:off x="156411" y="3944482"/>
+            <a:off x="156411" y="3800101"/>
             <a:ext cx="4559968" cy="430887"/>
           </a:xfrm>
           <a:prstGeom prst="rect">
@@ -5761,7 +5789,7 @@
         </p:nvSpPr>
         <p:spPr bwMode="auto">
           <a:xfrm>
-            <a:off x="2622884" y="3959870"/>
+            <a:off x="2622884" y="3815489"/>
             <a:ext cx="4078705" cy="400110"/>
           </a:xfrm>
           <a:prstGeom prst="rect">
@@ -9276,7 +9304,7 @@
         </p:nvSpPr>
         <p:spPr bwMode="auto">
           <a:xfrm>
-            <a:off x="156411" y="4408801"/>
+            <a:off x="156411" y="4264420"/>
             <a:ext cx="4559968" cy="430887"/>
           </a:xfrm>
           <a:prstGeom prst="rect">
@@ -9583,7 +9611,7 @@
         </p:nvSpPr>
         <p:spPr bwMode="auto">
           <a:xfrm>
-            <a:off x="2622884" y="4501133"/>
+            <a:off x="2622884" y="4356752"/>
             <a:ext cx="4078705" cy="246221"/>
           </a:xfrm>
           <a:prstGeom prst="rect">
@@ -9782,6 +9810,490 @@
                 <a:ea typeface="맑은 고딕" panose="020B0503020000020004" pitchFamily="50" charset="-127"/>
               </a:rPr>
               <a:t>2020.12.15</a:t>
+            </a:r>
+            <a:endParaRPr lang="en-US" altLang="ko-KR" sz="1000" dirty="0">
+              <a:solidFill>
+                <a:srgbClr val="333333"/>
+              </a:solidFill>
+              <a:latin typeface="맑은 고딕" panose="020B0503020000020004" pitchFamily="50" charset="-127"/>
+              <a:ea typeface="맑은 고딕" panose="020B0503020000020004" pitchFamily="50" charset="-127"/>
+            </a:endParaRPr>
+          </a:p>
+        </p:txBody>
+      </p:sp>
+      <p:sp>
+        <p:nvSpPr>
+          <p:cNvPr id="33" name="Rectangle 1">
+            <a:extLst>
+              <a:ext uri="{FF2B5EF4-FFF2-40B4-BE49-F238E27FC236}">
+                <a16:creationId xmlns:a16="http://schemas.microsoft.com/office/drawing/2014/main" id="{2EE7B853-9A1E-4EA0-9608-068636518F0C}"/>
+              </a:ext>
+            </a:extLst>
+          </p:cNvPr>
+          <p:cNvSpPr>
+            <a:spLocks noChangeArrowheads="1"/>
+          </p:cNvSpPr>
+          <p:nvPr/>
+        </p:nvSpPr>
+        <p:spPr bwMode="auto">
+          <a:xfrm>
+            <a:off x="156411" y="4734302"/>
+            <a:ext cx="4559968" cy="261610"/>
+          </a:xfrm>
+          <a:prstGeom prst="rect">
+            <a:avLst/>
+          </a:prstGeom>
+          <a:noFill/>
+          <a:ln>
+            <a:noFill/>
+          </a:ln>
+          <a:effectLst/>
+          <a:extLst>
+            <a:ext uri="{909E8E84-426E-40DD-AFC4-6F175D3DCCD1}">
+              <a14:hiddenFill xmlns:a14="http://schemas.microsoft.com/office/drawing/2010/main">
+                <a:solidFill>
+                  <a:schemeClr val="accent1"/>
+                </a:solidFill>
+              </a14:hiddenFill>
+            </a:ext>
+            <a:ext uri="{91240B29-F687-4F45-9708-019B960494DF}">
+              <a14:hiddenLine xmlns:a14="http://schemas.microsoft.com/office/drawing/2010/main" w="9525">
+                <a:solidFill>
+                  <a:schemeClr val="tx1"/>
+                </a:solidFill>
+                <a:miter lim="800000"/>
+                <a:headEnd/>
+                <a:tailEnd/>
+              </a14:hiddenLine>
+            </a:ext>
+            <a:ext uri="{AF507438-7753-43E0-B8FC-AC1667EBCBE1}">
+              <a14:hiddenEffects xmlns:a14="http://schemas.microsoft.com/office/drawing/2010/main">
+                <a:effectLst>
+                  <a:outerShdw dist="35921" dir="2700000" algn="ctr" rotWithShape="0">
+                    <a:schemeClr val="bg2"/>
+                  </a:outerShdw>
+                </a:effectLst>
+              </a14:hiddenEffects>
+            </a:ext>
+          </a:extLst>
+        </p:spPr>
+        <p:txBody>
+          <a:bodyPr vert="horz" wrap="square" lIns="91440" tIns="45720" rIns="91440" bIns="45720" numCol="1" anchor="ctr" anchorCtr="0" compatLnSpc="1">
+            <a:prstTxWarp prst="textNoShape">
+              <a:avLst/>
+            </a:prstTxWarp>
+            <a:spAutoFit/>
+          </a:bodyPr>
+          <a:lstStyle>
+            <a:lvl1pPr eaLnBrk="0" fontAlgn="base" hangingPunct="0">
+              <a:spcBef>
+                <a:spcPct val="0"/>
+              </a:spcBef>
+              <a:spcAft>
+                <a:spcPct val="0"/>
+              </a:spcAft>
+              <a:defRPr>
+                <a:solidFill>
+                  <a:schemeClr val="tx1"/>
+                </a:solidFill>
+                <a:latin typeface="Arial" panose="020B0604020202020204" pitchFamily="34" charset="0"/>
+              </a:defRPr>
+            </a:lvl1pPr>
+            <a:lvl2pPr eaLnBrk="0" fontAlgn="base" hangingPunct="0">
+              <a:spcBef>
+                <a:spcPct val="0"/>
+              </a:spcBef>
+              <a:spcAft>
+                <a:spcPct val="0"/>
+              </a:spcAft>
+              <a:defRPr>
+                <a:solidFill>
+                  <a:schemeClr val="tx1"/>
+                </a:solidFill>
+                <a:latin typeface="Arial" panose="020B0604020202020204" pitchFamily="34" charset="0"/>
+              </a:defRPr>
+            </a:lvl2pPr>
+            <a:lvl3pPr eaLnBrk="0" fontAlgn="base" hangingPunct="0">
+              <a:spcBef>
+                <a:spcPct val="0"/>
+              </a:spcBef>
+              <a:spcAft>
+                <a:spcPct val="0"/>
+              </a:spcAft>
+              <a:defRPr>
+                <a:solidFill>
+                  <a:schemeClr val="tx1"/>
+                </a:solidFill>
+                <a:latin typeface="Arial" panose="020B0604020202020204" pitchFamily="34" charset="0"/>
+              </a:defRPr>
+            </a:lvl3pPr>
+            <a:lvl4pPr eaLnBrk="0" fontAlgn="base" hangingPunct="0">
+              <a:spcBef>
+                <a:spcPct val="0"/>
+              </a:spcBef>
+              <a:spcAft>
+                <a:spcPct val="0"/>
+              </a:spcAft>
+              <a:defRPr>
+                <a:solidFill>
+                  <a:schemeClr val="tx1"/>
+                </a:solidFill>
+                <a:latin typeface="Arial" panose="020B0604020202020204" pitchFamily="34" charset="0"/>
+              </a:defRPr>
+            </a:lvl4pPr>
+            <a:lvl5pPr eaLnBrk="0" fontAlgn="base" hangingPunct="0">
+              <a:spcBef>
+                <a:spcPct val="0"/>
+              </a:spcBef>
+              <a:spcAft>
+                <a:spcPct val="0"/>
+              </a:spcAft>
+              <a:defRPr>
+                <a:solidFill>
+                  <a:schemeClr val="tx1"/>
+                </a:solidFill>
+                <a:latin typeface="Arial" panose="020B0604020202020204" pitchFamily="34" charset="0"/>
+              </a:defRPr>
+            </a:lvl5pPr>
+            <a:lvl6pPr eaLnBrk="0" fontAlgn="base" hangingPunct="0">
+              <a:spcBef>
+                <a:spcPct val="0"/>
+              </a:spcBef>
+              <a:spcAft>
+                <a:spcPct val="0"/>
+              </a:spcAft>
+              <a:defRPr>
+                <a:solidFill>
+                  <a:schemeClr val="tx1"/>
+                </a:solidFill>
+                <a:latin typeface="Arial" panose="020B0604020202020204" pitchFamily="34" charset="0"/>
+              </a:defRPr>
+            </a:lvl6pPr>
+            <a:lvl7pPr eaLnBrk="0" fontAlgn="base" hangingPunct="0">
+              <a:spcBef>
+                <a:spcPct val="0"/>
+              </a:spcBef>
+              <a:spcAft>
+                <a:spcPct val="0"/>
+              </a:spcAft>
+              <a:defRPr>
+                <a:solidFill>
+                  <a:schemeClr val="tx1"/>
+                </a:solidFill>
+                <a:latin typeface="Arial" panose="020B0604020202020204" pitchFamily="34" charset="0"/>
+              </a:defRPr>
+            </a:lvl7pPr>
+            <a:lvl8pPr eaLnBrk="0" fontAlgn="base" hangingPunct="0">
+              <a:spcBef>
+                <a:spcPct val="0"/>
+              </a:spcBef>
+              <a:spcAft>
+                <a:spcPct val="0"/>
+              </a:spcAft>
+              <a:defRPr>
+                <a:solidFill>
+                  <a:schemeClr val="tx1"/>
+                </a:solidFill>
+                <a:latin typeface="Arial" panose="020B0604020202020204" pitchFamily="34" charset="0"/>
+              </a:defRPr>
+            </a:lvl8pPr>
+            <a:lvl9pPr eaLnBrk="0" fontAlgn="base" hangingPunct="0">
+              <a:spcBef>
+                <a:spcPct val="0"/>
+              </a:spcBef>
+              <a:spcAft>
+                <a:spcPct val="0"/>
+              </a:spcAft>
+              <a:defRPr>
+                <a:solidFill>
+                  <a:schemeClr val="tx1"/>
+                </a:solidFill>
+                <a:latin typeface="Arial" panose="020B0604020202020204" pitchFamily="34" charset="0"/>
+              </a:defRPr>
+            </a:lvl9pPr>
+          </a:lstStyle>
+          <a:p>
+            <a:pPr marL="171450" marR="0" lvl="0" indent="-171450" algn="l" defTabSz="914400" rtl="0" eaLnBrk="0" fontAlgn="base" latinLnBrk="0" hangingPunct="0">
+              <a:lnSpc>
+                <a:spcPct val="100000"/>
+              </a:lnSpc>
+              <a:spcBef>
+                <a:spcPct val="0"/>
+              </a:spcBef>
+              <a:spcAft>
+                <a:spcPct val="0"/>
+              </a:spcAft>
+              <a:buClrTx/>
+              <a:buSzTx/>
+              <a:buFont typeface="Arial" panose="020B0604020202020204" pitchFamily="34" charset="0"/>
+              <a:buChar char="•"/>
+              <a:tabLst/>
+            </a:pPr>
+            <a:r>
+              <a:rPr lang="en-US" altLang="ko-KR" sz="1100">
+                <a:solidFill>
+                  <a:srgbClr val="333333"/>
+                </a:solidFill>
+                <a:latin typeface="맑은 고딕" panose="020B0503020000020004" pitchFamily="50" charset="-127"/>
+                <a:ea typeface="맑은 고딕" panose="020B0503020000020004" pitchFamily="50" charset="-127"/>
+              </a:rPr>
+              <a:t>SQL </a:t>
+            </a:r>
+            <a:r>
+              <a:rPr lang="ko-KR" altLang="en-US" sz="1100">
+                <a:solidFill>
+                  <a:srgbClr val="333333"/>
+                </a:solidFill>
+                <a:latin typeface="맑은 고딕" panose="020B0503020000020004" pitchFamily="50" charset="-127"/>
+                <a:ea typeface="맑은 고딕" panose="020B0503020000020004" pitchFamily="50" charset="-127"/>
+              </a:rPr>
+              <a:t>개발자</a:t>
+            </a:r>
+            <a:r>
+              <a:rPr lang="en-US" altLang="ko-KR" sz="1100">
+                <a:solidFill>
+                  <a:srgbClr val="333333"/>
+                </a:solidFill>
+                <a:latin typeface="맑은 고딕" panose="020B0503020000020004" pitchFamily="50" charset="-127"/>
+                <a:ea typeface="맑은 고딕" panose="020B0503020000020004" pitchFamily="50" charset="-127"/>
+              </a:rPr>
+              <a:t>(SQLD) </a:t>
+            </a:r>
+            <a:r>
+              <a:rPr lang="ko-KR" altLang="en-US" sz="1100">
+                <a:solidFill>
+                  <a:srgbClr val="333333"/>
+                </a:solidFill>
+                <a:latin typeface="맑은 고딕" panose="020B0503020000020004" pitchFamily="50" charset="-127"/>
+                <a:ea typeface="맑은 고딕" panose="020B0503020000020004" pitchFamily="50" charset="-127"/>
+              </a:rPr>
+              <a:t>자격증</a:t>
+            </a:r>
+            <a:endParaRPr lang="en-US" altLang="ko-KR" sz="1100" dirty="0">
+              <a:solidFill>
+                <a:srgbClr val="333333"/>
+              </a:solidFill>
+              <a:latin typeface="맑은 고딕" panose="020B0503020000020004" pitchFamily="50" charset="-127"/>
+              <a:ea typeface="맑은 고딕" panose="020B0503020000020004" pitchFamily="50" charset="-127"/>
+            </a:endParaRPr>
+          </a:p>
+        </p:txBody>
+      </p:sp>
+      <p:sp>
+        <p:nvSpPr>
+          <p:cNvPr id="37" name="Rectangle 1">
+            <a:extLst>
+              <a:ext uri="{FF2B5EF4-FFF2-40B4-BE49-F238E27FC236}">
+                <a16:creationId xmlns:a16="http://schemas.microsoft.com/office/drawing/2014/main" id="{7E741DA0-A1F2-4010-84B7-D553A5664133}"/>
+              </a:ext>
+            </a:extLst>
+          </p:cNvPr>
+          <p:cNvSpPr>
+            <a:spLocks noChangeArrowheads="1"/>
+          </p:cNvSpPr>
+          <p:nvPr/>
+        </p:nvSpPr>
+        <p:spPr bwMode="auto">
+          <a:xfrm>
+            <a:off x="2622884" y="4741996"/>
+            <a:ext cx="4078705" cy="246221"/>
+          </a:xfrm>
+          <a:prstGeom prst="rect">
+            <a:avLst/>
+          </a:prstGeom>
+          <a:noFill/>
+          <a:ln>
+            <a:noFill/>
+          </a:ln>
+          <a:effectLst/>
+          <a:extLst>
+            <a:ext uri="{909E8E84-426E-40DD-AFC4-6F175D3DCCD1}">
+              <a14:hiddenFill xmlns:a14="http://schemas.microsoft.com/office/drawing/2010/main">
+                <a:solidFill>
+                  <a:schemeClr val="accent1"/>
+                </a:solidFill>
+              </a14:hiddenFill>
+            </a:ext>
+            <a:ext uri="{91240B29-F687-4F45-9708-019B960494DF}">
+              <a14:hiddenLine xmlns:a14="http://schemas.microsoft.com/office/drawing/2010/main" w="9525">
+                <a:solidFill>
+                  <a:schemeClr val="tx1"/>
+                </a:solidFill>
+                <a:miter lim="800000"/>
+                <a:headEnd/>
+                <a:tailEnd/>
+              </a14:hiddenLine>
+            </a:ext>
+            <a:ext uri="{AF507438-7753-43E0-B8FC-AC1667EBCBE1}">
+              <a14:hiddenEffects xmlns:a14="http://schemas.microsoft.com/office/drawing/2010/main">
+                <a:effectLst>
+                  <a:outerShdw dist="35921" dir="2700000" algn="ctr" rotWithShape="0">
+                    <a:schemeClr val="bg2"/>
+                  </a:outerShdw>
+                </a:effectLst>
+              </a14:hiddenEffects>
+            </a:ext>
+          </a:extLst>
+        </p:spPr>
+        <p:txBody>
+          <a:bodyPr vert="horz" wrap="square" lIns="91440" tIns="45720" rIns="91440" bIns="45720" numCol="1" anchor="ctr" anchorCtr="0" compatLnSpc="1">
+            <a:prstTxWarp prst="textNoShape">
+              <a:avLst/>
+            </a:prstTxWarp>
+            <a:spAutoFit/>
+          </a:bodyPr>
+          <a:lstStyle>
+            <a:lvl1pPr eaLnBrk="0" fontAlgn="base" hangingPunct="0">
+              <a:spcBef>
+                <a:spcPct val="0"/>
+              </a:spcBef>
+              <a:spcAft>
+                <a:spcPct val="0"/>
+              </a:spcAft>
+              <a:defRPr>
+                <a:solidFill>
+                  <a:schemeClr val="tx1"/>
+                </a:solidFill>
+                <a:latin typeface="Arial" panose="020B0604020202020204" pitchFamily="34" charset="0"/>
+              </a:defRPr>
+            </a:lvl1pPr>
+            <a:lvl2pPr eaLnBrk="0" fontAlgn="base" hangingPunct="0">
+              <a:spcBef>
+                <a:spcPct val="0"/>
+              </a:spcBef>
+              <a:spcAft>
+                <a:spcPct val="0"/>
+              </a:spcAft>
+              <a:defRPr>
+                <a:solidFill>
+                  <a:schemeClr val="tx1"/>
+                </a:solidFill>
+                <a:latin typeface="Arial" panose="020B0604020202020204" pitchFamily="34" charset="0"/>
+              </a:defRPr>
+            </a:lvl2pPr>
+            <a:lvl3pPr eaLnBrk="0" fontAlgn="base" hangingPunct="0">
+              <a:spcBef>
+                <a:spcPct val="0"/>
+              </a:spcBef>
+              <a:spcAft>
+                <a:spcPct val="0"/>
+              </a:spcAft>
+              <a:defRPr>
+                <a:solidFill>
+                  <a:schemeClr val="tx1"/>
+                </a:solidFill>
+                <a:latin typeface="Arial" panose="020B0604020202020204" pitchFamily="34" charset="0"/>
+              </a:defRPr>
+            </a:lvl3pPr>
+            <a:lvl4pPr eaLnBrk="0" fontAlgn="base" hangingPunct="0">
+              <a:spcBef>
+                <a:spcPct val="0"/>
+              </a:spcBef>
+              <a:spcAft>
+                <a:spcPct val="0"/>
+              </a:spcAft>
+              <a:defRPr>
+                <a:solidFill>
+                  <a:schemeClr val="tx1"/>
+                </a:solidFill>
+                <a:latin typeface="Arial" panose="020B0604020202020204" pitchFamily="34" charset="0"/>
+              </a:defRPr>
+            </a:lvl4pPr>
+            <a:lvl5pPr eaLnBrk="0" fontAlgn="base" hangingPunct="0">
+              <a:spcBef>
+                <a:spcPct val="0"/>
+              </a:spcBef>
+              <a:spcAft>
+                <a:spcPct val="0"/>
+              </a:spcAft>
+              <a:defRPr>
+                <a:solidFill>
+                  <a:schemeClr val="tx1"/>
+                </a:solidFill>
+                <a:latin typeface="Arial" panose="020B0604020202020204" pitchFamily="34" charset="0"/>
+              </a:defRPr>
+            </a:lvl5pPr>
+            <a:lvl6pPr eaLnBrk="0" fontAlgn="base" hangingPunct="0">
+              <a:spcBef>
+                <a:spcPct val="0"/>
+              </a:spcBef>
+              <a:spcAft>
+                <a:spcPct val="0"/>
+              </a:spcAft>
+              <a:defRPr>
+                <a:solidFill>
+                  <a:schemeClr val="tx1"/>
+                </a:solidFill>
+                <a:latin typeface="Arial" panose="020B0604020202020204" pitchFamily="34" charset="0"/>
+              </a:defRPr>
+            </a:lvl6pPr>
+            <a:lvl7pPr eaLnBrk="0" fontAlgn="base" hangingPunct="0">
+              <a:spcBef>
+                <a:spcPct val="0"/>
+              </a:spcBef>
+              <a:spcAft>
+                <a:spcPct val="0"/>
+              </a:spcAft>
+              <a:defRPr>
+                <a:solidFill>
+                  <a:schemeClr val="tx1"/>
+                </a:solidFill>
+                <a:latin typeface="Arial" panose="020B0604020202020204" pitchFamily="34" charset="0"/>
+              </a:defRPr>
+            </a:lvl7pPr>
+            <a:lvl8pPr eaLnBrk="0" fontAlgn="base" hangingPunct="0">
+              <a:spcBef>
+                <a:spcPct val="0"/>
+              </a:spcBef>
+              <a:spcAft>
+                <a:spcPct val="0"/>
+              </a:spcAft>
+              <a:defRPr>
+                <a:solidFill>
+                  <a:schemeClr val="tx1"/>
+                </a:solidFill>
+                <a:latin typeface="Arial" panose="020B0604020202020204" pitchFamily="34" charset="0"/>
+              </a:defRPr>
+            </a:lvl8pPr>
+            <a:lvl9pPr eaLnBrk="0" fontAlgn="base" hangingPunct="0">
+              <a:spcBef>
+                <a:spcPct val="0"/>
+              </a:spcBef>
+              <a:spcAft>
+                <a:spcPct val="0"/>
+              </a:spcAft>
+              <a:defRPr>
+                <a:solidFill>
+                  <a:schemeClr val="tx1"/>
+                </a:solidFill>
+                <a:latin typeface="Arial" panose="020B0604020202020204" pitchFamily="34" charset="0"/>
+              </a:defRPr>
+            </a:lvl9pPr>
+          </a:lstStyle>
+          <a:p>
+            <a:pPr marR="0" lvl="0" algn="r" defTabSz="914400" rtl="0" eaLnBrk="0" fontAlgn="base" latinLnBrk="0" hangingPunct="0">
+              <a:lnSpc>
+                <a:spcPct val="100000"/>
+              </a:lnSpc>
+              <a:spcBef>
+                <a:spcPct val="0"/>
+              </a:spcBef>
+              <a:spcAft>
+                <a:spcPct val="0"/>
+              </a:spcAft>
+              <a:buClrTx/>
+              <a:buSzTx/>
+              <a:tabLst/>
+            </a:pPr>
+            <a:r>
+              <a:rPr lang="en-US" altLang="ko-KR" sz="1000">
+                <a:solidFill>
+                  <a:srgbClr val="333333"/>
+                </a:solidFill>
+                <a:latin typeface="맑은 고딕" panose="020B0503020000020004" pitchFamily="50" charset="-127"/>
+                <a:ea typeface="맑은 고딕" panose="020B0503020000020004" pitchFamily="50" charset="-127"/>
+              </a:rPr>
+              <a:t>2020.12.29</a:t>
             </a:r>
             <a:endParaRPr lang="en-US" altLang="ko-KR" sz="1000" dirty="0">
               <a:solidFill>
@@ -15031,6 +15543,21 @@
 </file>
 
 <file path=customXml/item1.xml><?xml version="1.0" encoding="utf-8"?>
+<p:properties xmlns:p="http://schemas.microsoft.com/office/2006/metadata/properties" xmlns:xsi="http://www.w3.org/2001/XMLSchema-instance" xmlns:pc="http://schemas.microsoft.com/office/infopath/2007/PartnerControls">
+  <documentManagement/>
+</p:properties>
+</file>
+
+<file path=customXml/item2.xml><?xml version="1.0" encoding="utf-8"?>
+<?mso-contentType ?>
+<FormTemplates xmlns="http://schemas.microsoft.com/sharepoint/v3/contenttype/forms">
+  <Display>DocumentLibraryForm</Display>
+  <Edit>DocumentLibraryForm</Edit>
+  <New>DocumentLibraryForm</New>
+</FormTemplates>
+</file>
+
+<file path=customXml/item3.xml><?xml version="1.0" encoding="utf-8"?>
 <ct:contentTypeSchema xmlns:ct="http://schemas.microsoft.com/office/2006/metadata/contentType" xmlns:ma="http://schemas.microsoft.com/office/2006/metadata/properties/metaAttributes" ct:_="" ma:_="" ma:contentTypeName="문서" ma:contentTypeID="0x010100AB0332B0A385E94B807D70B3C2DD7F7B" ma:contentTypeVersion="2" ma:contentTypeDescription="새 문서를 만듭니다." ma:contentTypeScope="" ma:versionID="96cf4451611b8f8de5712967cf96ee29">
   <xsd:schema xmlns:xsd="http://www.w3.org/2001/XMLSchema" xmlns:xs="http://www.w3.org/2001/XMLSchema" xmlns:p="http://schemas.microsoft.com/office/2006/metadata/properties" xmlns:ns3="b35b42e8-84bb-4999-a127-46c3e9b9aeb6" targetNamespace="http://schemas.microsoft.com/office/2006/metadata/properties" ma:root="true" ma:fieldsID="78657f65c5c0e9ec42d84544dced70cc" ns3:_="">
     <xsd:import namespace="b35b42e8-84bb-4999-a127-46c3e9b9aeb6"/>
@@ -15162,22 +15689,31 @@
 </ct:contentTypeSchema>
 </file>
 
-<file path=customXml/item2.xml><?xml version="1.0" encoding="utf-8"?>
-<?mso-contentType ?>
-<FormTemplates xmlns="http://schemas.microsoft.com/sharepoint/v3/contenttype/forms">
-  <Display>DocumentLibraryForm</Display>
-  <Edit>DocumentLibraryForm</Edit>
-  <New>DocumentLibraryForm</New>
-</FormTemplates>
+<file path=customXml/itemProps1.xml><?xml version="1.0" encoding="utf-8"?>
+<ds:datastoreItem xmlns:ds="http://schemas.openxmlformats.org/officeDocument/2006/customXml" ds:itemID="{A3544500-C9BE-4E90-86F2-9D24B7C80C45}">
+  <ds:schemaRefs>
+    <ds:schemaRef ds:uri="http://schemas.microsoft.com/office/2006/documentManagement/types"/>
+    <ds:schemaRef ds:uri="http://schemas.microsoft.com/office/infopath/2007/PartnerControls"/>
+    <ds:schemaRef ds:uri="http://schemas.microsoft.com/office/2006/metadata/properties"/>
+    <ds:schemaRef ds:uri="http://schemas.openxmlformats.org/package/2006/metadata/core-properties"/>
+    <ds:schemaRef ds:uri="http://purl.org/dc/terms/"/>
+    <ds:schemaRef ds:uri="http://purl.org/dc/elements/1.1/"/>
+    <ds:schemaRef ds:uri="b35b42e8-84bb-4999-a127-46c3e9b9aeb6"/>
+    <ds:schemaRef ds:uri="http://www.w3.org/XML/1998/namespace"/>
+    <ds:schemaRef ds:uri="http://purl.org/dc/dcmitype/"/>
+  </ds:schemaRefs>
+</ds:datastoreItem>
 </file>
 
-<file path=customXml/item3.xml><?xml version="1.0" encoding="utf-8"?>
-<p:properties xmlns:p="http://schemas.microsoft.com/office/2006/metadata/properties" xmlns:xsi="http://www.w3.org/2001/XMLSchema-instance" xmlns:pc="http://schemas.microsoft.com/office/infopath/2007/PartnerControls">
-  <documentManagement/>
-</p:properties>
+<file path=customXml/itemProps2.xml><?xml version="1.0" encoding="utf-8"?>
+<ds:datastoreItem xmlns:ds="http://schemas.openxmlformats.org/officeDocument/2006/customXml" ds:itemID="{981D9428-CF29-460C-A5D3-C6EE483171F0}">
+  <ds:schemaRefs>
+    <ds:schemaRef ds:uri="http://schemas.microsoft.com/sharepoint/v3/contenttype/forms"/>
+  </ds:schemaRefs>
+</ds:datastoreItem>
 </file>
 
-<file path=customXml/itemProps1.xml><?xml version="1.0" encoding="utf-8"?>
+<file path=customXml/itemProps3.xml><?xml version="1.0" encoding="utf-8"?>
 <ds:datastoreItem xmlns:ds="http://schemas.openxmlformats.org/officeDocument/2006/customXml" ds:itemID="{8FB2622F-2C3E-4609-9388-EF6310F23EC8}">
   <ds:schemaRefs>
     <ds:schemaRef ds:uri="http://schemas.microsoft.com/office/2006/metadata/contentType"/>
@@ -15193,28 +15729,4 @@
     <ds:schemaRef ds:uri="http://schemas.microsoft.com/internal/obd"/>
   </ds:schemaRefs>
 </ds:datastoreItem>
-</file>
-
-<file path=customXml/itemProps2.xml><?xml version="1.0" encoding="utf-8"?>
-<ds:datastoreItem xmlns:ds="http://schemas.openxmlformats.org/officeDocument/2006/customXml" ds:itemID="{981D9428-CF29-460C-A5D3-C6EE483171F0}">
-  <ds:schemaRefs>
-    <ds:schemaRef ds:uri="http://schemas.microsoft.com/sharepoint/v3/contenttype/forms"/>
-  </ds:schemaRefs>
-</ds:datastoreItem>
-</file>
-
-<file path=customXml/itemProps3.xml><?xml version="1.0" encoding="utf-8"?>
-<ds:datastoreItem xmlns:ds="http://schemas.openxmlformats.org/officeDocument/2006/customXml" ds:itemID="{A3544500-C9BE-4E90-86F2-9D24B7C80C45}">
-  <ds:schemaRefs>
-    <ds:schemaRef ds:uri="http://schemas.microsoft.com/office/2006/documentManagement/types"/>
-    <ds:schemaRef ds:uri="http://schemas.microsoft.com/office/infopath/2007/PartnerControls"/>
-    <ds:schemaRef ds:uri="http://schemas.microsoft.com/office/2006/metadata/properties"/>
-    <ds:schemaRef ds:uri="http://schemas.openxmlformats.org/package/2006/metadata/core-properties"/>
-    <ds:schemaRef ds:uri="http://purl.org/dc/terms/"/>
-    <ds:schemaRef ds:uri="http://purl.org/dc/elements/1.1/"/>
-    <ds:schemaRef ds:uri="b35b42e8-84bb-4999-a127-46c3e9b9aeb6"/>
-    <ds:schemaRef ds:uri="http://www.w3.org/XML/1998/namespace"/>
-    <ds:schemaRef ds:uri="http://purl.org/dc/dcmitype/"/>
-  </ds:schemaRefs>
-</ds:datastoreItem>
 </file>